--- a/PresentazioneApp.pptx
+++ b/PresentazioneApp.pptx
@@ -4387,7 +4387,7 @@
           <a:p>
             <a:fld id="{48A87A34-81AB-432B-8DAE-1953F412C126}" type="datetimeFigureOut">
               <a:rPr lang="en-US" dirty="0"/>
-              <a:t>10/14/2017</a:t>
+              <a:t>10/16/2017</a:t>
             </a:fld>
             <a:endParaRPr lang="en-US" dirty="0"/>
           </a:p>
@@ -4649,7 +4649,7 @@
           <a:p>
             <a:fld id="{48A87A34-81AB-432B-8DAE-1953F412C126}" type="datetimeFigureOut">
               <a:rPr lang="en-US" dirty="0"/>
-              <a:t>10/14/2017</a:t>
+              <a:t>10/16/2017</a:t>
             </a:fld>
             <a:endParaRPr lang="en-US" dirty="0"/>
           </a:p>
@@ -4840,7 +4840,7 @@
           <a:p>
             <a:fld id="{48A87A34-81AB-432B-8DAE-1953F412C126}" type="datetimeFigureOut">
               <a:rPr lang="en-US" dirty="0"/>
-              <a:t>10/14/2017</a:t>
+              <a:t>10/16/2017</a:t>
             </a:fld>
             <a:endParaRPr lang="en-US" dirty="0"/>
           </a:p>
@@ -5098,7 +5098,7 @@
           <a:p>
             <a:fld id="{48A87A34-81AB-432B-8DAE-1953F412C126}" type="datetimeFigureOut">
               <a:rPr lang="en-US" dirty="0"/>
-              <a:t>10/14/2017</a:t>
+              <a:t>10/16/2017</a:t>
             </a:fld>
             <a:endParaRPr lang="en-US" dirty="0"/>
           </a:p>
@@ -5527,7 +5527,7 @@
           <a:p>
             <a:fld id="{48A87A34-81AB-432B-8DAE-1953F412C126}" type="datetimeFigureOut">
               <a:rPr lang="en-US" dirty="0"/>
-              <a:t>10/14/2017</a:t>
+              <a:t>10/16/2017</a:t>
             </a:fld>
             <a:endParaRPr lang="en-US" dirty="0"/>
           </a:p>
@@ -6068,7 +6068,7 @@
           <a:p>
             <a:fld id="{48A87A34-81AB-432B-8DAE-1953F412C126}" type="datetimeFigureOut">
               <a:rPr lang="en-US" dirty="0"/>
-              <a:t>10/14/2017</a:t>
+              <a:t>10/16/2017</a:t>
             </a:fld>
             <a:endParaRPr lang="en-US" dirty="0"/>
           </a:p>
@@ -6783,7 +6783,7 @@
           <a:p>
             <a:fld id="{48A87A34-81AB-432B-8DAE-1953F412C126}" type="datetimeFigureOut">
               <a:rPr lang="en-US" dirty="0"/>
-              <a:t>10/14/2017</a:t>
+              <a:t>10/16/2017</a:t>
             </a:fld>
             <a:endParaRPr lang="en-US" dirty="0"/>
           </a:p>
@@ -6948,7 +6948,7 @@
           <a:p>
             <a:fld id="{48A87A34-81AB-432B-8DAE-1953F412C126}" type="datetimeFigureOut">
               <a:rPr lang="en-US" dirty="0"/>
-              <a:t>10/14/2017</a:t>
+              <a:t>10/16/2017</a:t>
             </a:fld>
             <a:endParaRPr lang="en-US" dirty="0"/>
           </a:p>
@@ -7123,7 +7123,7 @@
           <a:p>
             <a:fld id="{48A87A34-81AB-432B-8DAE-1953F412C126}" type="datetimeFigureOut">
               <a:rPr lang="en-US" dirty="0"/>
-              <a:t>10/14/2017</a:t>
+              <a:t>10/16/2017</a:t>
             </a:fld>
             <a:endParaRPr lang="en-US" dirty="0"/>
           </a:p>
@@ -7288,7 +7288,7 @@
           <a:p>
             <a:fld id="{48A87A34-81AB-432B-8DAE-1953F412C126}" type="datetimeFigureOut">
               <a:rPr lang="en-US" dirty="0"/>
-              <a:t>10/14/2017</a:t>
+              <a:t>10/16/2017</a:t>
             </a:fld>
             <a:endParaRPr lang="en-US" dirty="0"/>
           </a:p>
@@ -7533,7 +7533,7 @@
           <a:p>
             <a:fld id="{48A87A34-81AB-432B-8DAE-1953F412C126}" type="datetimeFigureOut">
               <a:rPr lang="en-US" dirty="0"/>
-              <a:t>10/14/2017</a:t>
+              <a:t>10/16/2017</a:t>
             </a:fld>
             <a:endParaRPr lang="en-US" dirty="0"/>
           </a:p>
@@ -7760,7 +7760,7 @@
           <a:p>
             <a:fld id="{48A87A34-81AB-432B-8DAE-1953F412C126}" type="datetimeFigureOut">
               <a:rPr lang="en-US" dirty="0"/>
-              <a:t>10/14/2017</a:t>
+              <a:t>10/16/2017</a:t>
             </a:fld>
             <a:endParaRPr lang="en-US" dirty="0"/>
           </a:p>
@@ -8136,7 +8136,7 @@
           <a:p>
             <a:fld id="{48A87A34-81AB-432B-8DAE-1953F412C126}" type="datetimeFigureOut">
               <a:rPr lang="en-US" dirty="0"/>
-              <a:t>10/14/2017</a:t>
+              <a:t>10/16/2017</a:t>
             </a:fld>
             <a:endParaRPr lang="en-US" dirty="0"/>
           </a:p>
@@ -8249,7 +8249,7 @@
           <a:p>
             <a:fld id="{48A87A34-81AB-432B-8DAE-1953F412C126}" type="datetimeFigureOut">
               <a:rPr lang="en-US" dirty="0"/>
-              <a:t>10/14/2017</a:t>
+              <a:t>10/16/2017</a:t>
             </a:fld>
             <a:endParaRPr lang="en-US" dirty="0"/>
           </a:p>
@@ -8339,7 +8339,7 @@
           <a:p>
             <a:fld id="{48A87A34-81AB-432B-8DAE-1953F412C126}" type="datetimeFigureOut">
               <a:rPr lang="en-US" dirty="0"/>
-              <a:t>10/14/2017</a:t>
+              <a:t>10/16/2017</a:t>
             </a:fld>
             <a:endParaRPr lang="en-US" dirty="0"/>
           </a:p>
@@ -8583,7 +8583,7 @@
           <a:p>
             <a:fld id="{48A87A34-81AB-432B-8DAE-1953F412C126}" type="datetimeFigureOut">
               <a:rPr lang="en-US" dirty="0"/>
-              <a:t>10/14/2017</a:t>
+              <a:t>10/16/2017</a:t>
             </a:fld>
             <a:endParaRPr lang="en-US" dirty="0"/>
           </a:p>
@@ -8858,7 +8858,7 @@
           <a:p>
             <a:fld id="{48A87A34-81AB-432B-8DAE-1953F412C126}" type="datetimeFigureOut">
               <a:rPr lang="en-US" dirty="0"/>
-              <a:t>10/14/2017</a:t>
+              <a:t>10/16/2017</a:t>
             </a:fld>
             <a:endParaRPr lang="en-US" dirty="0"/>
           </a:p>
@@ -11931,7 +11931,7 @@
             <a:fld id="{48A87A34-81AB-432B-8DAE-1953F412C126}" type="datetimeFigureOut">
               <a:rPr lang="en-US" dirty="0"/>
               <a:pPr/>
-              <a:t>10/14/2017</a:t>
+              <a:t>10/16/2017</a:t>
             </a:fld>
             <a:endParaRPr lang="en-US" dirty="0"/>
           </a:p>
@@ -12347,84 +12347,372 @@
           <a:chExt cx="0" cy="0"/>
         </a:xfrm>
       </p:grpSpPr>
-      <p:sp>
-        <p:nvSpPr>
-          <p:cNvPr id="2" name="Title 1"/>
-          <p:cNvSpPr>
-            <a:spLocks noGrp="1"/>
-          </p:cNvSpPr>
-          <p:nvPr>
-            <p:ph type="ctrTitle"/>
-          </p:nvPr>
-        </p:nvSpPr>
-        <p:spPr>
+      <p:grpSp>
+        <p:nvGrpSpPr>
+          <p:cNvPr id="6" name="Gruppo 5"/>
+          <p:cNvGrpSpPr/>
+          <p:nvPr/>
+        </p:nvGrpSpPr>
+        <p:grpSpPr>
           <a:xfrm>
-            <a:off x="2201544" y="1127760"/>
-            <a:ext cx="8791575" cy="3306763"/>
+            <a:off x="2088237" y="1370414"/>
+            <a:ext cx="9307163" cy="3046988"/>
+            <a:chOff x="2296577" y="712430"/>
+            <a:chExt cx="9307163" cy="3046988"/>
           </a:xfrm>
+        </p:grpSpPr>
+        <p:sp>
+          <p:nvSpPr>
+            <p:cNvPr id="3" name="Rettangolo 2"/>
+            <p:cNvSpPr/>
+            <p:nvPr/>
+          </p:nvSpPr>
+          <p:spPr>
+            <a:xfrm>
+              <a:off x="2296577" y="712430"/>
+              <a:ext cx="9307163" cy="3046988"/>
+            </a:xfrm>
+            <a:prstGeom prst="rect">
+              <a:avLst/>
+            </a:prstGeom>
+            <a:noFill/>
+          </p:spPr>
+          <p:txBody>
+            <a:bodyPr wrap="none" lIns="91440" tIns="45720" rIns="91440" bIns="45720">
+              <a:spAutoFit/>
+            </a:bodyPr>
+            <a:lstStyle/>
+            <a:p>
+              <a:r>
+                <a:rPr lang="it-IT" sz="9600" b="1" dirty="0" smtClean="0">
+                  <a:ln w="38100">
+                    <a:solidFill>
+                      <a:schemeClr val="tx1"/>
+                    </a:solidFill>
+                    <a:prstDash val="solid"/>
+                  </a:ln>
+                  <a:solidFill>
+                    <a:srgbClr val="FF7171"/>
+                  </a:solidFill>
+                  <a:effectLst>
+                    <a:outerShdw blurRad="41275" dist="20320" dir="1800000" algn="tl" rotWithShape="0">
+                      <a:srgbClr val="000000">
+                        <a:alpha val="40000"/>
+                      </a:srgbClr>
+                    </a:outerShdw>
+                  </a:effectLst>
+                </a:rPr>
+                <a:t>D</a:t>
+              </a:r>
+              <a:r>
+                <a:rPr lang="it-IT" sz="9600" b="1" dirty="0" smtClean="0">
+                  <a:ln w="38100">
+                    <a:solidFill>
+                      <a:schemeClr val="tx1"/>
+                    </a:solidFill>
+                    <a:prstDash val="solid"/>
+                  </a:ln>
+                  <a:solidFill>
+                    <a:srgbClr val="A20000"/>
+                  </a:solidFill>
+                  <a:effectLst>
+                    <a:outerShdw blurRad="41275" dist="20320" dir="1800000" algn="tl" rotWithShape="0">
+                      <a:srgbClr val="000000">
+                        <a:alpha val="40000"/>
+                      </a:srgbClr>
+                    </a:outerShdw>
+                  </a:effectLst>
+                </a:rPr>
+                <a:t>3</a:t>
+              </a:r>
+              <a:r>
+                <a:rPr lang="it-IT" sz="9600" b="1" dirty="0" smtClean="0">
+                  <a:ln w="38100">
+                    <a:solidFill>
+                      <a:schemeClr val="tx1"/>
+                    </a:solidFill>
+                    <a:prstDash val="solid"/>
+                  </a:ln>
+                  <a:solidFill>
+                    <a:srgbClr val="FF7171"/>
+                  </a:solidFill>
+                  <a:effectLst>
+                    <a:outerShdw blurRad="41275" dist="20320" dir="1800000" algn="tl" rotWithShape="0">
+                      <a:srgbClr val="000000">
+                        <a:alpha val="40000"/>
+                      </a:srgbClr>
+                    </a:outerShdw>
+                  </a:effectLst>
+                </a:rPr>
+                <a:t>I</a:t>
+              </a:r>
+              <a:br>
+                <a:rPr lang="it-IT" sz="9600" b="1" dirty="0" smtClean="0">
+                  <a:ln w="38100">
+                    <a:solidFill>
+                      <a:schemeClr val="tx1"/>
+                    </a:solidFill>
+                    <a:prstDash val="solid"/>
+                  </a:ln>
+                  <a:solidFill>
+                    <a:srgbClr val="FF7171"/>
+                  </a:solidFill>
+                  <a:effectLst>
+                    <a:outerShdw blurRad="41275" dist="20320" dir="1800000" algn="tl" rotWithShape="0">
+                      <a:srgbClr val="000000">
+                        <a:alpha val="40000"/>
+                      </a:srgbClr>
+                    </a:outerShdw>
+                  </a:effectLst>
+                </a:rPr>
+              </a:br>
+              <a:r>
+                <a:rPr lang="it-IT" sz="9600" b="1" dirty="0" smtClean="0">
+                  <a:ln w="38100">
+                    <a:solidFill>
+                      <a:schemeClr val="tx1"/>
+                    </a:solidFill>
+                    <a:prstDash val="solid"/>
+                  </a:ln>
+                  <a:solidFill>
+                    <a:srgbClr val="FF7171"/>
+                  </a:solidFill>
+                  <a:effectLst>
+                    <a:outerShdw blurRad="41275" dist="20320" dir="1800000" algn="tl" rotWithShape="0">
+                      <a:srgbClr val="000000">
+                        <a:alpha val="40000"/>
+                      </a:srgbClr>
+                    </a:outerShdw>
+                  </a:effectLst>
+                </a:rPr>
+                <a:t>      </a:t>
+              </a:r>
+              <a:r>
+                <a:rPr lang="it-IT" sz="9600" b="1" dirty="0" smtClean="0">
+                  <a:ln w="38100">
+                    <a:solidFill>
+                      <a:schemeClr val="tx1"/>
+                    </a:solidFill>
+                    <a:prstDash val="solid"/>
+                  </a:ln>
+                  <a:solidFill>
+                    <a:srgbClr val="A20000"/>
+                  </a:solidFill>
+                  <a:effectLst>
+                    <a:outerShdw blurRad="41275" dist="20320" dir="1800000" algn="tl" rotWithShape="0">
+                      <a:srgbClr val="000000">
+                        <a:alpha val="40000"/>
+                      </a:srgbClr>
+                    </a:outerShdw>
+                  </a:effectLst>
+                </a:rPr>
+                <a:t>APP</a:t>
+              </a:r>
+              <a:r>
+                <a:rPr lang="it-IT" sz="9600" b="1" dirty="0" smtClean="0">
+                  <a:ln w="38100">
+                    <a:solidFill>
+                      <a:schemeClr val="tx1"/>
+                    </a:solidFill>
+                    <a:prstDash val="solid"/>
+                  </a:ln>
+                  <a:solidFill>
+                    <a:srgbClr val="FF7171"/>
+                  </a:solidFill>
+                  <a:effectLst>
+                    <a:outerShdw blurRad="41275" dist="20320" dir="1800000" algn="tl" rotWithShape="0">
+                      <a:srgbClr val="000000">
+                        <a:alpha val="40000"/>
+                      </a:srgbClr>
+                    </a:outerShdw>
+                  </a:effectLst>
+                </a:rPr>
+                <a:t>LICATION</a:t>
+              </a:r>
+              <a:endParaRPr lang="it-IT" sz="9600" b="1" dirty="0">
+                <a:ln w="38100">
+                  <a:solidFill>
+                    <a:schemeClr val="tx1"/>
+                  </a:solidFill>
+                  <a:prstDash val="solid"/>
+                </a:ln>
+                <a:solidFill>
+                  <a:srgbClr val="FF7171"/>
+                </a:solidFill>
+                <a:effectLst>
+                  <a:outerShdw blurRad="41275" dist="20320" dir="1800000" algn="tl" rotWithShape="0">
+                    <a:srgbClr val="000000">
+                      <a:alpha val="40000"/>
+                    </a:srgbClr>
+                  </a:outerShdw>
+                </a:effectLst>
+              </a:endParaRPr>
+            </a:p>
+          </p:txBody>
+        </p:sp>
+        <p:pic>
+          <p:nvPicPr>
+            <p:cNvPr id="1028" name="Picture 4" descr="D:\MARCO\Università\Terzo anno\IngSoftware\unipd_logo.png"/>
+            <p:cNvPicPr>
+              <a:picLocks noChangeAspect="1" noChangeArrowheads="1"/>
+            </p:cNvPicPr>
+            <p:nvPr/>
+          </p:nvPicPr>
+          <p:blipFill>
+            <a:blip r:embed="rId2">
+              <a:extLst>
+                <a:ext uri="{28A0092B-C50C-407E-A947-70E740481C1C}">
+                  <a14:useLocalDpi xmlns:a14="http://schemas.microsoft.com/office/drawing/2010/main" val="0"/>
+                </a:ext>
+              </a:extLst>
+            </a:blip>
+            <a:srcRect/>
+            <a:stretch>
+              <a:fillRect/>
+            </a:stretch>
+          </p:blipFill>
+          <p:spPr bwMode="auto">
+            <a:xfrm>
+              <a:off x="2550160" y="2214483"/>
+              <a:ext cx="1524000" cy="1524000"/>
+            </a:xfrm>
+            <a:prstGeom prst="rect">
+              <a:avLst/>
+            </a:prstGeom>
+            <a:noFill/>
+            <a:extLst>
+              <a:ext uri="{909E8E84-426E-40DD-AFC4-6F175D3DCCD1}">
+                <a14:hiddenFill xmlns:a14="http://schemas.microsoft.com/office/drawing/2010/main">
+                  <a:solidFill>
+                    <a:srgbClr val="FFFFFF"/>
+                  </a:solidFill>
+                </a14:hiddenFill>
+              </a:ext>
+            </a:extLst>
+          </p:spPr>
+        </p:pic>
+      </p:grpSp>
+      <p:pic>
+        <p:nvPicPr>
+          <p:cNvPr id="1029" name="Picture 5" descr="D:\MARCO\Università\Terzo anno\IngSoftware\phone.jpg"/>
+          <p:cNvPicPr>
+            <a:picLocks noChangeAspect="1" noChangeArrowheads="1"/>
+          </p:cNvPicPr>
+          <p:nvPr/>
+        </p:nvPicPr>
+        <p:blipFill rotWithShape="1">
+          <a:blip r:embed="rId3">
+            <a:extLst>
+              <a:ext uri="{28A0092B-C50C-407E-A947-70E740481C1C}">
+                <a14:useLocalDpi xmlns:a14="http://schemas.microsoft.com/office/drawing/2010/main" val="0"/>
+              </a:ext>
+            </a:extLst>
+          </a:blip>
+          <a:srcRect l="50000"/>
+          <a:stretch/>
+        </p:blipFill>
+        <p:spPr bwMode="auto">
+          <a:xfrm>
+            <a:off x="8291084" y="4566031"/>
+            <a:ext cx="1621984" cy="1824732"/>
+          </a:xfrm>
+          <a:prstGeom prst="rect">
+            <a:avLst/>
+          </a:prstGeom>
+          <a:noFill/>
+          <a:extLst>
+            <a:ext uri="{909E8E84-426E-40DD-AFC4-6F175D3DCCD1}">
+              <a14:hiddenFill xmlns:a14="http://schemas.microsoft.com/office/drawing/2010/main">
+                <a:solidFill>
+                  <a:srgbClr val="FFFFFF"/>
+                </a:solidFill>
+              </a14:hiddenFill>
+            </a:ext>
+          </a:extLst>
         </p:spPr>
-        <p:txBody>
-          <a:bodyPr>
-            <a:normAutofit fontScale="90000"/>
-          </a:bodyPr>
-          <a:lstStyle/>
-          <a:p>
-            <a:r>
-              <a:rPr lang="en-US" dirty="0" err="1" smtClean="0"/>
-              <a:t>Presentazione</a:t>
-            </a:r>
-            <a:r>
-              <a:rPr lang="en-US" dirty="0" smtClean="0"/>
-              <a:t> del </a:t>
-            </a:r>
-            <a:r>
-              <a:rPr lang="en-US" dirty="0" err="1" smtClean="0"/>
-              <a:t>gruppo</a:t>
-            </a:r>
-            <a:r>
-              <a:rPr lang="en-US" dirty="0" smtClean="0"/>
-              <a:t/>
-            </a:r>
-            <a:br>
-              <a:rPr lang="en-US" dirty="0" smtClean="0"/>
-            </a:br>
-            <a:r>
-              <a:rPr lang="en-US" dirty="0" smtClean="0"/>
-              <a:t>mini logo</a:t>
-            </a:r>
-            <a:br>
-              <a:rPr lang="en-US" dirty="0" smtClean="0"/>
-            </a:br>
-            <a:r>
-              <a:rPr lang="en-US" dirty="0"/>
-              <a:t/>
-            </a:r>
-            <a:br>
-              <a:rPr lang="en-US" dirty="0"/>
-            </a:br>
-            <a:r>
-              <a:rPr lang="en-US" dirty="0" smtClean="0"/>
-              <a:t>Idea </a:t>
-            </a:r>
-            <a:r>
-              <a:rPr lang="en-US" dirty="0" err="1" smtClean="0"/>
-              <a:t>nome</a:t>
-            </a:r>
-            <a:r>
-              <a:rPr lang="en-US" dirty="0" smtClean="0"/>
-              <a:t>: </a:t>
-            </a:r>
-            <a:br>
-              <a:rPr lang="en-US" dirty="0" smtClean="0"/>
-            </a:br>
-            <a:r>
-              <a:rPr lang="en-US" dirty="0" smtClean="0"/>
-              <a:t>‘D3I group’</a:t>
-            </a:r>
-            <a:endParaRPr lang="en-US" dirty="0"/>
-          </a:p>
-        </p:txBody>
-      </p:sp>
+      </p:pic>
+      <p:pic>
+        <p:nvPicPr>
+          <p:cNvPr id="1030" name="Picture 6" descr="D:\MARCO\Università\Terzo anno\IngSoftware\app.jpg"/>
+          <p:cNvPicPr>
+            <a:picLocks noChangeAspect="1" noChangeArrowheads="1"/>
+          </p:cNvPicPr>
+          <p:nvPr/>
+        </p:nvPicPr>
+        <p:blipFill>
+          <a:blip r:embed="rId4">
+            <a:extLst>
+              <a:ext uri="{28A0092B-C50C-407E-A947-70E740481C1C}">
+                <a14:useLocalDpi xmlns:a14="http://schemas.microsoft.com/office/drawing/2010/main" val="0"/>
+              </a:ext>
+            </a:extLst>
+          </a:blip>
+          <a:srcRect/>
+          <a:stretch>
+            <a:fillRect/>
+          </a:stretch>
+        </p:blipFill>
+        <p:spPr bwMode="auto">
+          <a:xfrm>
+            <a:off x="7659162" y="532784"/>
+            <a:ext cx="2361124" cy="2361124"/>
+          </a:xfrm>
+          <a:prstGeom prst="rect">
+            <a:avLst/>
+          </a:prstGeom>
+          <a:noFill/>
+          <a:extLst>
+            <a:ext uri="{909E8E84-426E-40DD-AFC4-6F175D3DCCD1}">
+              <a14:hiddenFill xmlns:a14="http://schemas.microsoft.com/office/drawing/2010/main">
+                <a:solidFill>
+                  <a:srgbClr val="FFFFFF"/>
+                </a:solidFill>
+              </a14:hiddenFill>
+            </a:ext>
+          </a:extLst>
+        </p:spPr>
+      </p:pic>
+      <p:pic>
+        <p:nvPicPr>
+          <p:cNvPr id="1031" name="Picture 7" descr="D:\MARCO\Università\Terzo anno\IngSoftware\app2.jpg"/>
+          <p:cNvPicPr>
+            <a:picLocks noChangeAspect="1" noChangeArrowheads="1"/>
+          </p:cNvPicPr>
+          <p:nvPr/>
+        </p:nvPicPr>
+        <p:blipFill>
+          <a:blip r:embed="rId5">
+            <a:extLst>
+              <a:ext uri="{28A0092B-C50C-407E-A947-70E740481C1C}">
+                <a14:useLocalDpi xmlns:a14="http://schemas.microsoft.com/office/drawing/2010/main" val="0"/>
+              </a:ext>
+            </a:extLst>
+          </a:blip>
+          <a:srcRect/>
+          <a:stretch>
+            <a:fillRect/>
+          </a:stretch>
+        </p:blipFill>
+        <p:spPr bwMode="auto">
+          <a:xfrm>
+            <a:off x="4302701" y="4566031"/>
+            <a:ext cx="2194560" cy="1632204"/>
+          </a:xfrm>
+          <a:prstGeom prst="rect">
+            <a:avLst/>
+          </a:prstGeom>
+          <a:noFill/>
+          <a:extLst>
+            <a:ext uri="{909E8E84-426E-40DD-AFC4-6F175D3DCCD1}">
+              <a14:hiddenFill xmlns:a14="http://schemas.microsoft.com/office/drawing/2010/main">
+                <a:solidFill>
+                  <a:srgbClr val="FFFFFF"/>
+                </a:solidFill>
+              </a14:hiddenFill>
+            </a:ext>
+          </a:extLst>
+        </p:spPr>
+      </p:pic>
     </p:spTree>
     <p:extLst>
       <p:ext uri="{BB962C8B-B14F-4D97-AF65-F5344CB8AC3E}">
@@ -12438,7 +12726,330 @@
   <p:timing>
     <p:tnLst>
       <p:par>
-        <p:cTn id="1" dur="indefinite" restart="never" nodeType="tmRoot"/>
+        <p:cTn id="1" dur="indefinite" restart="never" nodeType="tmRoot">
+          <p:childTnLst>
+            <p:seq concurrent="1" nextAc="seek">
+              <p:cTn id="2" dur="indefinite" nodeType="mainSeq">
+                <p:childTnLst>
+                  <p:par>
+                    <p:cTn id="3" fill="hold">
+                      <p:stCondLst>
+                        <p:cond delay="indefinite"/>
+                      </p:stCondLst>
+                      <p:childTnLst>
+                        <p:par>
+                          <p:cTn id="4" fill="hold">
+                            <p:stCondLst>
+                              <p:cond delay="0"/>
+                            </p:stCondLst>
+                            <p:childTnLst>
+                              <p:par>
+                                <p:cTn id="5" presetID="21" presetClass="entr" presetSubtype="1" fill="hold" nodeType="clickEffect">
+                                  <p:stCondLst>
+                                    <p:cond delay="0"/>
+                                  </p:stCondLst>
+                                  <p:childTnLst>
+                                    <p:set>
+                                      <p:cBhvr>
+                                        <p:cTn id="6" dur="1" fill="hold">
+                                          <p:stCondLst>
+                                            <p:cond delay="0"/>
+                                          </p:stCondLst>
+                                        </p:cTn>
+                                        <p:tgtEl>
+                                          <p:spTgt spid="6"/>
+                                        </p:tgtEl>
+                                        <p:attrNameLst>
+                                          <p:attrName>style.visibility</p:attrName>
+                                        </p:attrNameLst>
+                                      </p:cBhvr>
+                                      <p:to>
+                                        <p:strVal val="visible"/>
+                                      </p:to>
+                                    </p:set>
+                                    <p:animEffect transition="in" filter="wheel(1)">
+                                      <p:cBhvr>
+                                        <p:cTn id="7" dur="2000"/>
+                                        <p:tgtEl>
+                                          <p:spTgt spid="6"/>
+                                        </p:tgtEl>
+                                      </p:cBhvr>
+                                    </p:animEffect>
+                                  </p:childTnLst>
+                                </p:cTn>
+                              </p:par>
+                            </p:childTnLst>
+                          </p:cTn>
+                        </p:par>
+                        <p:par>
+                          <p:cTn id="8" fill="hold">
+                            <p:stCondLst>
+                              <p:cond delay="2000"/>
+                            </p:stCondLst>
+                            <p:childTnLst>
+                              <p:par>
+                                <p:cTn id="9" presetID="31" presetClass="entr" presetSubtype="0" fill="hold" nodeType="afterEffect">
+                                  <p:stCondLst>
+                                    <p:cond delay="0"/>
+                                  </p:stCondLst>
+                                  <p:childTnLst>
+                                    <p:set>
+                                      <p:cBhvr>
+                                        <p:cTn id="10" dur="1" fill="hold">
+                                          <p:stCondLst>
+                                            <p:cond delay="0"/>
+                                          </p:stCondLst>
+                                        </p:cTn>
+                                        <p:tgtEl>
+                                          <p:spTgt spid="1030"/>
+                                        </p:tgtEl>
+                                        <p:attrNameLst>
+                                          <p:attrName>style.visibility</p:attrName>
+                                        </p:attrNameLst>
+                                      </p:cBhvr>
+                                      <p:to>
+                                        <p:strVal val="visible"/>
+                                      </p:to>
+                                    </p:set>
+                                    <p:anim calcmode="lin" valueType="num">
+                                      <p:cBhvr>
+                                        <p:cTn id="11" dur="1000" fill="hold"/>
+                                        <p:tgtEl>
+                                          <p:spTgt spid="1030"/>
+                                        </p:tgtEl>
+                                        <p:attrNameLst>
+                                          <p:attrName>ppt_w</p:attrName>
+                                        </p:attrNameLst>
+                                      </p:cBhvr>
+                                      <p:tavLst>
+                                        <p:tav tm="0">
+                                          <p:val>
+                                            <p:fltVal val="0"/>
+                                          </p:val>
+                                        </p:tav>
+                                        <p:tav tm="100000">
+                                          <p:val>
+                                            <p:strVal val="#ppt_w"/>
+                                          </p:val>
+                                        </p:tav>
+                                      </p:tavLst>
+                                    </p:anim>
+                                    <p:anim calcmode="lin" valueType="num">
+                                      <p:cBhvr>
+                                        <p:cTn id="12" dur="1000" fill="hold"/>
+                                        <p:tgtEl>
+                                          <p:spTgt spid="1030"/>
+                                        </p:tgtEl>
+                                        <p:attrNameLst>
+                                          <p:attrName>ppt_h</p:attrName>
+                                        </p:attrNameLst>
+                                      </p:cBhvr>
+                                      <p:tavLst>
+                                        <p:tav tm="0">
+                                          <p:val>
+                                            <p:fltVal val="0"/>
+                                          </p:val>
+                                        </p:tav>
+                                        <p:tav tm="100000">
+                                          <p:val>
+                                            <p:strVal val="#ppt_h"/>
+                                          </p:val>
+                                        </p:tav>
+                                      </p:tavLst>
+                                    </p:anim>
+                                    <p:anim calcmode="lin" valueType="num">
+                                      <p:cBhvr>
+                                        <p:cTn id="13" dur="1000" fill="hold"/>
+                                        <p:tgtEl>
+                                          <p:spTgt spid="1030"/>
+                                        </p:tgtEl>
+                                        <p:attrNameLst>
+                                          <p:attrName>style.rotation</p:attrName>
+                                        </p:attrNameLst>
+                                      </p:cBhvr>
+                                      <p:tavLst>
+                                        <p:tav tm="0">
+                                          <p:val>
+                                            <p:fltVal val="90"/>
+                                          </p:val>
+                                        </p:tav>
+                                        <p:tav tm="100000">
+                                          <p:val>
+                                            <p:fltVal val="0"/>
+                                          </p:val>
+                                        </p:tav>
+                                      </p:tavLst>
+                                    </p:anim>
+                                    <p:animEffect transition="in" filter="fade">
+                                      <p:cBhvr>
+                                        <p:cTn id="14" dur="1000"/>
+                                        <p:tgtEl>
+                                          <p:spTgt spid="1030"/>
+                                        </p:tgtEl>
+                                      </p:cBhvr>
+                                    </p:animEffect>
+                                  </p:childTnLst>
+                                </p:cTn>
+                              </p:par>
+                            </p:childTnLst>
+                          </p:cTn>
+                        </p:par>
+                        <p:par>
+                          <p:cTn id="15" fill="hold">
+                            <p:stCondLst>
+                              <p:cond delay="3000"/>
+                            </p:stCondLst>
+                            <p:childTnLst>
+                              <p:par>
+                                <p:cTn id="16" presetID="10" presetClass="entr" presetSubtype="0" fill="hold" nodeType="afterEffect">
+                                  <p:stCondLst>
+                                    <p:cond delay="0"/>
+                                  </p:stCondLst>
+                                  <p:childTnLst>
+                                    <p:set>
+                                      <p:cBhvr>
+                                        <p:cTn id="17" dur="1" fill="hold">
+                                          <p:stCondLst>
+                                            <p:cond delay="0"/>
+                                          </p:stCondLst>
+                                        </p:cTn>
+                                        <p:tgtEl>
+                                          <p:spTgt spid="1031"/>
+                                        </p:tgtEl>
+                                        <p:attrNameLst>
+                                          <p:attrName>style.visibility</p:attrName>
+                                        </p:attrNameLst>
+                                      </p:cBhvr>
+                                      <p:to>
+                                        <p:strVal val="visible"/>
+                                      </p:to>
+                                    </p:set>
+                                    <p:animEffect transition="in" filter="fade">
+                                      <p:cBhvr>
+                                        <p:cTn id="18" dur="2000"/>
+                                        <p:tgtEl>
+                                          <p:spTgt spid="1031"/>
+                                        </p:tgtEl>
+                                      </p:cBhvr>
+                                    </p:animEffect>
+                                  </p:childTnLst>
+                                </p:cTn>
+                              </p:par>
+                            </p:childTnLst>
+                          </p:cTn>
+                        </p:par>
+                        <p:par>
+                          <p:cTn id="19" fill="hold">
+                            <p:stCondLst>
+                              <p:cond delay="5000"/>
+                            </p:stCondLst>
+                            <p:childTnLst>
+                              <p:par>
+                                <p:cTn id="20" presetID="42" presetClass="entr" presetSubtype="0" fill="hold" nodeType="afterEffect">
+                                  <p:stCondLst>
+                                    <p:cond delay="0"/>
+                                  </p:stCondLst>
+                                  <p:childTnLst>
+                                    <p:set>
+                                      <p:cBhvr>
+                                        <p:cTn id="21" dur="1" fill="hold">
+                                          <p:stCondLst>
+                                            <p:cond delay="0"/>
+                                          </p:stCondLst>
+                                        </p:cTn>
+                                        <p:tgtEl>
+                                          <p:spTgt spid="1029"/>
+                                        </p:tgtEl>
+                                        <p:attrNameLst>
+                                          <p:attrName>style.visibility</p:attrName>
+                                        </p:attrNameLst>
+                                      </p:cBhvr>
+                                      <p:to>
+                                        <p:strVal val="visible"/>
+                                      </p:to>
+                                    </p:set>
+                                    <p:animEffect transition="in" filter="fade">
+                                      <p:cBhvr>
+                                        <p:cTn id="22" dur="1000"/>
+                                        <p:tgtEl>
+                                          <p:spTgt spid="1029"/>
+                                        </p:tgtEl>
+                                      </p:cBhvr>
+                                    </p:animEffect>
+                                    <p:anim calcmode="lin" valueType="num">
+                                      <p:cBhvr>
+                                        <p:cTn id="23" dur="1000" fill="hold"/>
+                                        <p:tgtEl>
+                                          <p:spTgt spid="1029"/>
+                                        </p:tgtEl>
+                                        <p:attrNameLst>
+                                          <p:attrName>ppt_x</p:attrName>
+                                        </p:attrNameLst>
+                                      </p:cBhvr>
+                                      <p:tavLst>
+                                        <p:tav tm="0">
+                                          <p:val>
+                                            <p:strVal val="#ppt_x"/>
+                                          </p:val>
+                                        </p:tav>
+                                        <p:tav tm="100000">
+                                          <p:val>
+                                            <p:strVal val="#ppt_x"/>
+                                          </p:val>
+                                        </p:tav>
+                                      </p:tavLst>
+                                    </p:anim>
+                                    <p:anim calcmode="lin" valueType="num">
+                                      <p:cBhvr>
+                                        <p:cTn id="24" dur="1000" fill="hold"/>
+                                        <p:tgtEl>
+                                          <p:spTgt spid="1029"/>
+                                        </p:tgtEl>
+                                        <p:attrNameLst>
+                                          <p:attrName>ppt_y</p:attrName>
+                                        </p:attrNameLst>
+                                      </p:cBhvr>
+                                      <p:tavLst>
+                                        <p:tav tm="0">
+                                          <p:val>
+                                            <p:strVal val="#ppt_y+.1"/>
+                                          </p:val>
+                                        </p:tav>
+                                        <p:tav tm="100000">
+                                          <p:val>
+                                            <p:strVal val="#ppt_y"/>
+                                          </p:val>
+                                        </p:tav>
+                                      </p:tavLst>
+                                    </p:anim>
+                                  </p:childTnLst>
+                                </p:cTn>
+                              </p:par>
+                            </p:childTnLst>
+                          </p:cTn>
+                        </p:par>
+                      </p:childTnLst>
+                    </p:cTn>
+                  </p:par>
+                </p:childTnLst>
+              </p:cTn>
+              <p:prevCondLst>
+                <p:cond evt="onPrev" delay="0">
+                  <p:tgtEl>
+                    <p:sldTgt/>
+                  </p:tgtEl>
+                </p:cond>
+              </p:prevCondLst>
+              <p:nextCondLst>
+                <p:cond evt="onNext" delay="0">
+                  <p:tgtEl>
+                    <p:sldTgt/>
+                  </p:tgtEl>
+                </p:cond>
+              </p:nextCondLst>
+            </p:seq>
+          </p:childTnLst>
+        </p:cTn>
       </p:par>
     </p:tnLst>
   </p:timing>
@@ -12710,6 +13321,18 @@
   <p:clrMapOvr>
     <a:masterClrMapping/>
   </p:clrMapOvr>
+  <mc:AlternateContent xmlns:mc="http://schemas.openxmlformats.org/markup-compatibility/2006">
+    <mc:Choice xmlns:p14="http://schemas.microsoft.com/office/powerpoint/2010/main" Requires="p14">
+      <p:transition spd="med" p14:dur="700">
+        <p:fade/>
+      </p:transition>
+    </mc:Choice>
+    <mc:Fallback>
+      <p:transition spd="med">
+        <p:fade/>
+      </p:transition>
+    </mc:Fallback>
+  </mc:AlternateContent>
   <p:timing>
     <p:tnLst>
       <p:par>
@@ -13864,6 +14487,18 @@
   <p:clrMapOvr>
     <a:masterClrMapping/>
   </p:clrMapOvr>
+  <mc:AlternateContent xmlns:mc="http://schemas.openxmlformats.org/markup-compatibility/2006">
+    <mc:Choice xmlns:p14="http://schemas.microsoft.com/office/powerpoint/2010/main" Requires="p14">
+      <p:transition spd="slow" p14:dur="1300">
+        <p14:pan dir="u"/>
+      </p:transition>
+    </mc:Choice>
+    <mc:Fallback>
+      <p:transition spd="slow">
+        <p:fade/>
+      </p:transition>
+    </mc:Fallback>
+  </mc:AlternateContent>
   <p:timing>
     <p:tnLst>
       <p:par>
@@ -14278,53 +14913,800 @@
           <a:chExt cx="0" cy="0"/>
         </a:xfrm>
       </p:grpSpPr>
+      <p:pic>
+        <p:nvPicPr>
+          <p:cNvPr id="2050" name="Picture 2" descr="D:\MARCO\Università\Terzo anno\IngSoftware\scontrino.jpg"/>
+          <p:cNvPicPr>
+            <a:picLocks noChangeAspect="1" noChangeArrowheads="1"/>
+          </p:cNvPicPr>
+          <p:nvPr/>
+        </p:nvPicPr>
+        <p:blipFill rotWithShape="1">
+          <a:blip r:embed="rId2">
+            <a:extLst>
+              <a:ext uri="{28A0092B-C50C-407E-A947-70E740481C1C}">
+                <a14:useLocalDpi xmlns:a14="http://schemas.microsoft.com/office/drawing/2010/main" val="0"/>
+              </a:ext>
+            </a:extLst>
+          </a:blip>
+          <a:srcRect l="17865" r="9745"/>
+          <a:stretch/>
+        </p:blipFill>
+        <p:spPr bwMode="auto">
+          <a:xfrm>
+            <a:off x="1400176" y="897382"/>
+            <a:ext cx="2386049" cy="2195263"/>
+          </a:xfrm>
+          <a:prstGeom prst="rect">
+            <a:avLst/>
+          </a:prstGeom>
+          <a:ln w="57150" cap="sq">
+            <a:solidFill>
+              <a:srgbClr val="000000"/>
+            </a:solidFill>
+            <a:miter lim="800000"/>
+          </a:ln>
+          <a:effectLst/>
+          <a:extLst>
+            <a:ext uri="{909E8E84-426E-40DD-AFC4-6F175D3DCCD1}">
+              <a14:hiddenFill xmlns:a14="http://schemas.microsoft.com/office/drawing/2010/main">
+                <a:solidFill>
+                  <a:srgbClr val="FFFFFF"/>
+                </a:solidFill>
+              </a14:hiddenFill>
+            </a:ext>
+          </a:extLst>
+        </p:spPr>
+      </p:pic>
       <p:sp>
         <p:nvSpPr>
-          <p:cNvPr id="2" name="Titolo 1"/>
-          <p:cNvSpPr>
-            <a:spLocks noGrp="1"/>
+          <p:cNvPr id="7" name="Title 1"/>
+          <p:cNvSpPr txBox="1">
+            <a:spLocks/>
           </p:cNvSpPr>
-          <p:nvPr>
-            <p:ph type="title"/>
-          </p:nvPr>
+          <p:nvPr/>
         </p:nvSpPr>
-        <p:spPr/>
+        <p:spPr>
+          <a:xfrm>
+            <a:off x="5910605" y="1587474"/>
+            <a:ext cx="4433740" cy="1524000"/>
+          </a:xfrm>
+          <a:prstGeom prst="rect">
+            <a:avLst/>
+          </a:prstGeom>
+        </p:spPr>
         <p:txBody>
-          <a:bodyPr/>
-          <a:lstStyle/>
+          <a:bodyPr vert="horz" lIns="91440" tIns="45720" rIns="91440" bIns="45720" rtlCol="0" anchor="ctr">
+            <a:normAutofit/>
+          </a:bodyPr>
+          <a:lstStyle>
+            <a:lvl1pPr algn="l" defTabSz="914400" rtl="0" eaLnBrk="1" latinLnBrk="0" hangingPunct="1">
+              <a:lnSpc>
+                <a:spcPct val="90000"/>
+              </a:lnSpc>
+              <a:spcBef>
+                <a:spcPct val="0"/>
+              </a:spcBef>
+              <a:buNone/>
+              <a:defRPr sz="3600" kern="1200" cap="all" baseline="0">
+                <a:solidFill>
+                  <a:schemeClr val="tx1"/>
+                </a:solidFill>
+                <a:latin typeface="+mj-lt"/>
+                <a:ea typeface="+mj-ea"/>
+                <a:cs typeface="+mj-cs"/>
+              </a:defRPr>
+            </a:lvl1pPr>
+          </a:lstStyle>
           <a:p>
-            <a:r>
-              <a:rPr lang="it-IT" dirty="0" err="1" smtClean="0"/>
-              <a:t>App</a:t>
-            </a:r>
-            <a:r>
-              <a:rPr lang="it-IT" dirty="0" smtClean="0"/>
-              <a:t> ‘NOME CHE DECIDIAMO’</a:t>
-            </a:r>
-            <a:endParaRPr lang="it-IT" dirty="0"/>
+            <a:pPr algn="ctr"/>
+            <a:endParaRPr lang="en-US" b="1" dirty="0"/>
           </a:p>
         </p:txBody>
       </p:sp>
       <p:sp>
         <p:nvSpPr>
-          <p:cNvPr id="3" name="Segnaposto contenuto 2"/>
-          <p:cNvSpPr>
-            <a:spLocks noGrp="1"/>
+          <p:cNvPr id="8" name="Subtitle 2"/>
+          <p:cNvSpPr txBox="1">
+            <a:spLocks/>
           </p:cNvSpPr>
-          <p:nvPr>
-            <p:ph idx="1"/>
-          </p:nvPr>
+          <p:nvPr/>
         </p:nvSpPr>
-        <p:spPr/>
+        <p:spPr>
+          <a:xfrm>
+            <a:off x="3965960" y="823106"/>
+            <a:ext cx="3669751" cy="2362668"/>
+          </a:xfrm>
+          <a:prstGeom prst="rect">
+            <a:avLst/>
+          </a:prstGeom>
+        </p:spPr>
         <p:txBody>
-          <a:bodyPr/>
-          <a:lstStyle/>
+          <a:bodyPr vert="horz" lIns="91440" tIns="45720" rIns="91440" bIns="45720" rtlCol="0">
+            <a:noAutofit/>
+          </a:bodyPr>
+          <a:lstStyle>
+            <a:lvl1pPr marL="228600" indent="-228600" algn="l" defTabSz="914400" rtl="0" eaLnBrk="1" latinLnBrk="0" hangingPunct="1">
+              <a:lnSpc>
+                <a:spcPct val="120000"/>
+              </a:lnSpc>
+              <a:spcBef>
+                <a:spcPts val="1000"/>
+              </a:spcBef>
+              <a:buSzPct val="125000"/>
+              <a:buFont typeface="Arial" panose="020B0604020202020204" pitchFamily="34" charset="0"/>
+              <a:buChar char="•"/>
+              <a:defRPr sz="2400" kern="1200">
+                <a:solidFill>
+                  <a:schemeClr val="tx1"/>
+                </a:solidFill>
+                <a:latin typeface="+mn-lt"/>
+                <a:ea typeface="+mn-ea"/>
+                <a:cs typeface="+mn-cs"/>
+              </a:defRPr>
+            </a:lvl1pPr>
+            <a:lvl2pPr marL="685800" indent="-228600" algn="l" defTabSz="914400" rtl="0" eaLnBrk="1" latinLnBrk="0" hangingPunct="1">
+              <a:lnSpc>
+                <a:spcPct val="120000"/>
+              </a:lnSpc>
+              <a:spcBef>
+                <a:spcPts val="500"/>
+              </a:spcBef>
+              <a:buSzPct val="125000"/>
+              <a:buFont typeface="Arial" panose="020B0604020202020204" pitchFamily="34" charset="0"/>
+              <a:buChar char="•"/>
+              <a:defRPr sz="2000" kern="1200">
+                <a:solidFill>
+                  <a:schemeClr val="tx1"/>
+                </a:solidFill>
+                <a:latin typeface="+mn-lt"/>
+                <a:ea typeface="+mn-ea"/>
+                <a:cs typeface="+mn-cs"/>
+              </a:defRPr>
+            </a:lvl2pPr>
+            <a:lvl3pPr marL="1143000" indent="-228600" algn="l" defTabSz="914400" rtl="0" eaLnBrk="1" latinLnBrk="0" hangingPunct="1">
+              <a:lnSpc>
+                <a:spcPct val="120000"/>
+              </a:lnSpc>
+              <a:spcBef>
+                <a:spcPts val="500"/>
+              </a:spcBef>
+              <a:buSzPct val="125000"/>
+              <a:buFont typeface="Arial" panose="020B0604020202020204" pitchFamily="34" charset="0"/>
+              <a:buChar char="•"/>
+              <a:defRPr sz="1800" kern="1200">
+                <a:solidFill>
+                  <a:schemeClr val="tx1"/>
+                </a:solidFill>
+                <a:latin typeface="+mn-lt"/>
+                <a:ea typeface="+mn-ea"/>
+                <a:cs typeface="+mn-cs"/>
+              </a:defRPr>
+            </a:lvl3pPr>
+            <a:lvl4pPr marL="1600200" indent="-228600" algn="l" defTabSz="914400" rtl="0" eaLnBrk="1" latinLnBrk="0" hangingPunct="1">
+              <a:lnSpc>
+                <a:spcPct val="120000"/>
+              </a:lnSpc>
+              <a:spcBef>
+                <a:spcPts val="500"/>
+              </a:spcBef>
+              <a:buSzPct val="125000"/>
+              <a:buFont typeface="Arial" panose="020B0604020202020204" pitchFamily="34" charset="0"/>
+              <a:buChar char="•"/>
+              <a:defRPr sz="1600" kern="1200">
+                <a:solidFill>
+                  <a:schemeClr val="tx1"/>
+                </a:solidFill>
+                <a:latin typeface="+mn-lt"/>
+                <a:ea typeface="+mn-ea"/>
+                <a:cs typeface="+mn-cs"/>
+              </a:defRPr>
+            </a:lvl4pPr>
+            <a:lvl5pPr marL="2057400" indent="-228600" algn="l" defTabSz="914400" rtl="0" eaLnBrk="1" latinLnBrk="0" hangingPunct="1">
+              <a:lnSpc>
+                <a:spcPct val="120000"/>
+              </a:lnSpc>
+              <a:spcBef>
+                <a:spcPts val="500"/>
+              </a:spcBef>
+              <a:buSzPct val="125000"/>
+              <a:buFont typeface="Arial" panose="020B0604020202020204" pitchFamily="34" charset="0"/>
+              <a:buChar char="•"/>
+              <a:defRPr sz="1600" kern="1200">
+                <a:solidFill>
+                  <a:schemeClr val="tx1"/>
+                </a:solidFill>
+                <a:latin typeface="+mn-lt"/>
+                <a:ea typeface="+mn-ea"/>
+                <a:cs typeface="+mn-cs"/>
+              </a:defRPr>
+            </a:lvl5pPr>
+            <a:lvl6pPr marL="2514600" indent="-228600" algn="l" defTabSz="914400" rtl="0" eaLnBrk="1" latinLnBrk="0" hangingPunct="1">
+              <a:lnSpc>
+                <a:spcPct val="120000"/>
+              </a:lnSpc>
+              <a:spcBef>
+                <a:spcPts val="500"/>
+              </a:spcBef>
+              <a:buSzPct val="125000"/>
+              <a:buFont typeface="Arial" panose="020B0604020202020204" pitchFamily="34" charset="0"/>
+              <a:buChar char="•"/>
+              <a:defRPr sz="1400" kern="1200">
+                <a:solidFill>
+                  <a:schemeClr val="tx1"/>
+                </a:solidFill>
+                <a:latin typeface="+mn-lt"/>
+                <a:ea typeface="+mn-ea"/>
+                <a:cs typeface="+mn-cs"/>
+              </a:defRPr>
+            </a:lvl6pPr>
+            <a:lvl7pPr marL="2971800" indent="-228600" algn="l" defTabSz="914400" rtl="0" eaLnBrk="1" latinLnBrk="0" hangingPunct="1">
+              <a:lnSpc>
+                <a:spcPct val="120000"/>
+              </a:lnSpc>
+              <a:spcBef>
+                <a:spcPts val="500"/>
+              </a:spcBef>
+              <a:buSzPct val="125000"/>
+              <a:buFont typeface="Arial" panose="020B0604020202020204" pitchFamily="34" charset="0"/>
+              <a:buChar char="•"/>
+              <a:defRPr sz="1400" kern="1200">
+                <a:solidFill>
+                  <a:schemeClr val="tx1"/>
+                </a:solidFill>
+                <a:latin typeface="+mn-lt"/>
+                <a:ea typeface="+mn-ea"/>
+                <a:cs typeface="+mn-cs"/>
+              </a:defRPr>
+            </a:lvl7pPr>
+            <a:lvl8pPr marL="3429000" indent="-228600" algn="l" defTabSz="914400" rtl="0" eaLnBrk="1" latinLnBrk="0" hangingPunct="1">
+              <a:lnSpc>
+                <a:spcPct val="120000"/>
+              </a:lnSpc>
+              <a:spcBef>
+                <a:spcPts val="500"/>
+              </a:spcBef>
+              <a:buSzPct val="125000"/>
+              <a:buFont typeface="Arial" panose="020B0604020202020204" pitchFamily="34" charset="0"/>
+              <a:buChar char="•"/>
+              <a:defRPr sz="1400" kern="1200">
+                <a:solidFill>
+                  <a:schemeClr val="tx1"/>
+                </a:solidFill>
+                <a:latin typeface="+mn-lt"/>
+                <a:ea typeface="+mn-ea"/>
+                <a:cs typeface="+mn-cs"/>
+              </a:defRPr>
+            </a:lvl8pPr>
+            <a:lvl9pPr marL="3886200" indent="-228600" algn="l" defTabSz="914400" rtl="0" eaLnBrk="1" latinLnBrk="0" hangingPunct="1">
+              <a:lnSpc>
+                <a:spcPct val="120000"/>
+              </a:lnSpc>
+              <a:spcBef>
+                <a:spcPts val="500"/>
+              </a:spcBef>
+              <a:buSzPct val="125000"/>
+              <a:buFont typeface="Arial" panose="020B0604020202020204" pitchFamily="34" charset="0"/>
+              <a:buChar char="•"/>
+              <a:defRPr sz="1400" kern="1200">
+                <a:solidFill>
+                  <a:schemeClr val="tx1"/>
+                </a:solidFill>
+                <a:latin typeface="+mn-lt"/>
+                <a:ea typeface="+mn-ea"/>
+                <a:cs typeface="+mn-cs"/>
+              </a:defRPr>
+            </a:lvl9pPr>
+          </a:lstStyle>
           <a:p>
+            <a:pPr marL="0" indent="0">
+              <a:lnSpc>
+                <a:spcPct val="100000"/>
+              </a:lnSpc>
+              <a:spcBef>
+                <a:spcPts val="0"/>
+              </a:spcBef>
+              <a:buNone/>
+            </a:pPr>
             <a:r>
-              <a:rPr lang="it-IT" dirty="0" smtClean="0"/>
-              <a:t>SIMBOLO DELL’APP E SCREEN PRINCIPALE</a:t>
+              <a:rPr lang="en-US" sz="7200" dirty="0" smtClean="0">
+                <a:latin typeface="+mj-lt"/>
+              </a:rPr>
+              <a:t>Scontrino Search</a:t>
             </a:r>
-            <a:endParaRPr lang="it-IT" dirty="0"/>
+            <a:endParaRPr lang="en-US" sz="7200" dirty="0">
+              <a:latin typeface="+mj-lt"/>
+            </a:endParaRPr>
+          </a:p>
+        </p:txBody>
+      </p:sp>
+      <p:sp>
+        <p:nvSpPr>
+          <p:cNvPr id="9" name="Subtitle 2"/>
+          <p:cNvSpPr txBox="1">
+            <a:spLocks/>
+          </p:cNvSpPr>
+          <p:nvPr/>
+        </p:nvSpPr>
+        <p:spPr>
+          <a:xfrm>
+            <a:off x="8127475" y="1150069"/>
+            <a:ext cx="3100585" cy="4562571"/>
+          </a:xfrm>
+          <a:prstGeom prst="rect">
+            <a:avLst/>
+          </a:prstGeom>
+          <a:ln>
+            <a:solidFill>
+              <a:schemeClr val="tx1"/>
+            </a:solidFill>
+          </a:ln>
+        </p:spPr>
+        <p:txBody>
+          <a:bodyPr vert="horz" lIns="91440" tIns="45720" rIns="91440" bIns="45720" rtlCol="0">
+            <a:noAutofit/>
+          </a:bodyPr>
+          <a:lstStyle>
+            <a:lvl1pPr marL="228600" indent="-228600" algn="l" defTabSz="914400" rtl="0" eaLnBrk="1" latinLnBrk="0" hangingPunct="1">
+              <a:lnSpc>
+                <a:spcPct val="120000"/>
+              </a:lnSpc>
+              <a:spcBef>
+                <a:spcPts val="1000"/>
+              </a:spcBef>
+              <a:buSzPct val="125000"/>
+              <a:buFont typeface="Arial" panose="020B0604020202020204" pitchFamily="34" charset="0"/>
+              <a:buChar char="•"/>
+              <a:defRPr sz="2400" kern="1200">
+                <a:solidFill>
+                  <a:schemeClr val="tx1"/>
+                </a:solidFill>
+                <a:latin typeface="+mn-lt"/>
+                <a:ea typeface="+mn-ea"/>
+                <a:cs typeface="+mn-cs"/>
+              </a:defRPr>
+            </a:lvl1pPr>
+            <a:lvl2pPr marL="685800" indent="-228600" algn="l" defTabSz="914400" rtl="0" eaLnBrk="1" latinLnBrk="0" hangingPunct="1">
+              <a:lnSpc>
+                <a:spcPct val="120000"/>
+              </a:lnSpc>
+              <a:spcBef>
+                <a:spcPts val="500"/>
+              </a:spcBef>
+              <a:buSzPct val="125000"/>
+              <a:buFont typeface="Arial" panose="020B0604020202020204" pitchFamily="34" charset="0"/>
+              <a:buChar char="•"/>
+              <a:defRPr sz="2000" kern="1200">
+                <a:solidFill>
+                  <a:schemeClr val="tx1"/>
+                </a:solidFill>
+                <a:latin typeface="+mn-lt"/>
+                <a:ea typeface="+mn-ea"/>
+                <a:cs typeface="+mn-cs"/>
+              </a:defRPr>
+            </a:lvl2pPr>
+            <a:lvl3pPr marL="1143000" indent="-228600" algn="l" defTabSz="914400" rtl="0" eaLnBrk="1" latinLnBrk="0" hangingPunct="1">
+              <a:lnSpc>
+                <a:spcPct val="120000"/>
+              </a:lnSpc>
+              <a:spcBef>
+                <a:spcPts val="500"/>
+              </a:spcBef>
+              <a:buSzPct val="125000"/>
+              <a:buFont typeface="Arial" panose="020B0604020202020204" pitchFamily="34" charset="0"/>
+              <a:buChar char="•"/>
+              <a:defRPr sz="1800" kern="1200">
+                <a:solidFill>
+                  <a:schemeClr val="tx1"/>
+                </a:solidFill>
+                <a:latin typeface="+mn-lt"/>
+                <a:ea typeface="+mn-ea"/>
+                <a:cs typeface="+mn-cs"/>
+              </a:defRPr>
+            </a:lvl3pPr>
+            <a:lvl4pPr marL="1600200" indent="-228600" algn="l" defTabSz="914400" rtl="0" eaLnBrk="1" latinLnBrk="0" hangingPunct="1">
+              <a:lnSpc>
+                <a:spcPct val="120000"/>
+              </a:lnSpc>
+              <a:spcBef>
+                <a:spcPts val="500"/>
+              </a:spcBef>
+              <a:buSzPct val="125000"/>
+              <a:buFont typeface="Arial" panose="020B0604020202020204" pitchFamily="34" charset="0"/>
+              <a:buChar char="•"/>
+              <a:defRPr sz="1600" kern="1200">
+                <a:solidFill>
+                  <a:schemeClr val="tx1"/>
+                </a:solidFill>
+                <a:latin typeface="+mn-lt"/>
+                <a:ea typeface="+mn-ea"/>
+                <a:cs typeface="+mn-cs"/>
+              </a:defRPr>
+            </a:lvl4pPr>
+            <a:lvl5pPr marL="2057400" indent="-228600" algn="l" defTabSz="914400" rtl="0" eaLnBrk="1" latinLnBrk="0" hangingPunct="1">
+              <a:lnSpc>
+                <a:spcPct val="120000"/>
+              </a:lnSpc>
+              <a:spcBef>
+                <a:spcPts val="500"/>
+              </a:spcBef>
+              <a:buSzPct val="125000"/>
+              <a:buFont typeface="Arial" panose="020B0604020202020204" pitchFamily="34" charset="0"/>
+              <a:buChar char="•"/>
+              <a:defRPr sz="1600" kern="1200">
+                <a:solidFill>
+                  <a:schemeClr val="tx1"/>
+                </a:solidFill>
+                <a:latin typeface="+mn-lt"/>
+                <a:ea typeface="+mn-ea"/>
+                <a:cs typeface="+mn-cs"/>
+              </a:defRPr>
+            </a:lvl5pPr>
+            <a:lvl6pPr marL="2514600" indent="-228600" algn="l" defTabSz="914400" rtl="0" eaLnBrk="1" latinLnBrk="0" hangingPunct="1">
+              <a:lnSpc>
+                <a:spcPct val="120000"/>
+              </a:lnSpc>
+              <a:spcBef>
+                <a:spcPts val="500"/>
+              </a:spcBef>
+              <a:buSzPct val="125000"/>
+              <a:buFont typeface="Arial" panose="020B0604020202020204" pitchFamily="34" charset="0"/>
+              <a:buChar char="•"/>
+              <a:defRPr sz="1400" kern="1200">
+                <a:solidFill>
+                  <a:schemeClr val="tx1"/>
+                </a:solidFill>
+                <a:latin typeface="+mn-lt"/>
+                <a:ea typeface="+mn-ea"/>
+                <a:cs typeface="+mn-cs"/>
+              </a:defRPr>
+            </a:lvl6pPr>
+            <a:lvl7pPr marL="2971800" indent="-228600" algn="l" defTabSz="914400" rtl="0" eaLnBrk="1" latinLnBrk="0" hangingPunct="1">
+              <a:lnSpc>
+                <a:spcPct val="120000"/>
+              </a:lnSpc>
+              <a:spcBef>
+                <a:spcPts val="500"/>
+              </a:spcBef>
+              <a:buSzPct val="125000"/>
+              <a:buFont typeface="Arial" panose="020B0604020202020204" pitchFamily="34" charset="0"/>
+              <a:buChar char="•"/>
+              <a:defRPr sz="1400" kern="1200">
+                <a:solidFill>
+                  <a:schemeClr val="tx1"/>
+                </a:solidFill>
+                <a:latin typeface="+mn-lt"/>
+                <a:ea typeface="+mn-ea"/>
+                <a:cs typeface="+mn-cs"/>
+              </a:defRPr>
+            </a:lvl7pPr>
+            <a:lvl8pPr marL="3429000" indent="-228600" algn="l" defTabSz="914400" rtl="0" eaLnBrk="1" latinLnBrk="0" hangingPunct="1">
+              <a:lnSpc>
+                <a:spcPct val="120000"/>
+              </a:lnSpc>
+              <a:spcBef>
+                <a:spcPts val="500"/>
+              </a:spcBef>
+              <a:buSzPct val="125000"/>
+              <a:buFont typeface="Arial" panose="020B0604020202020204" pitchFamily="34" charset="0"/>
+              <a:buChar char="•"/>
+              <a:defRPr sz="1400" kern="1200">
+                <a:solidFill>
+                  <a:schemeClr val="tx1"/>
+                </a:solidFill>
+                <a:latin typeface="+mn-lt"/>
+                <a:ea typeface="+mn-ea"/>
+                <a:cs typeface="+mn-cs"/>
+              </a:defRPr>
+            </a:lvl8pPr>
+            <a:lvl9pPr marL="3886200" indent="-228600" algn="l" defTabSz="914400" rtl="0" eaLnBrk="1" latinLnBrk="0" hangingPunct="1">
+              <a:lnSpc>
+                <a:spcPct val="120000"/>
+              </a:lnSpc>
+              <a:spcBef>
+                <a:spcPts val="500"/>
+              </a:spcBef>
+              <a:buSzPct val="125000"/>
+              <a:buFont typeface="Arial" panose="020B0604020202020204" pitchFamily="34" charset="0"/>
+              <a:buChar char="•"/>
+              <a:defRPr sz="1400" kern="1200">
+                <a:solidFill>
+                  <a:schemeClr val="tx1"/>
+                </a:solidFill>
+                <a:latin typeface="+mn-lt"/>
+                <a:ea typeface="+mn-ea"/>
+                <a:cs typeface="+mn-cs"/>
+              </a:defRPr>
+            </a:lvl9pPr>
+          </a:lstStyle>
+          <a:p>
+            <a:pPr marL="0" indent="0" algn="r">
+              <a:lnSpc>
+                <a:spcPct val="100000"/>
+              </a:lnSpc>
+              <a:spcBef>
+                <a:spcPts val="0"/>
+              </a:spcBef>
+              <a:buNone/>
+            </a:pPr>
+            <a:r>
+              <a:rPr lang="en-US" sz="4000" dirty="0" smtClean="0">
+                <a:latin typeface="+mj-lt"/>
+              </a:rPr>
+              <a:t>(Screen Home Smartphone)</a:t>
+            </a:r>
+            <a:endParaRPr lang="en-US" sz="4000" dirty="0">
+              <a:latin typeface="+mj-lt"/>
+            </a:endParaRPr>
+          </a:p>
+        </p:txBody>
+      </p:sp>
+      <p:sp>
+        <p:nvSpPr>
+          <p:cNvPr id="10" name="Subtitle 2"/>
+          <p:cNvSpPr txBox="1">
+            <a:spLocks/>
+          </p:cNvSpPr>
+          <p:nvPr/>
+        </p:nvSpPr>
+        <p:spPr>
+          <a:xfrm>
+            <a:off x="1400176" y="3764070"/>
+            <a:ext cx="6048988" cy="1574799"/>
+          </a:xfrm>
+          <a:prstGeom prst="rect">
+            <a:avLst/>
+          </a:prstGeom>
+        </p:spPr>
+        <p:txBody>
+          <a:bodyPr vert="horz" lIns="91440" tIns="45720" rIns="91440" bIns="45720" rtlCol="0">
+            <a:noAutofit/>
+          </a:bodyPr>
+          <a:lstStyle>
+            <a:lvl1pPr marL="228600" indent="-228600" algn="l" defTabSz="914400" rtl="0" eaLnBrk="1" latinLnBrk="0" hangingPunct="1">
+              <a:lnSpc>
+                <a:spcPct val="120000"/>
+              </a:lnSpc>
+              <a:spcBef>
+                <a:spcPts val="1000"/>
+              </a:spcBef>
+              <a:buSzPct val="125000"/>
+              <a:buFont typeface="Arial" panose="020B0604020202020204" pitchFamily="34" charset="0"/>
+              <a:buChar char="•"/>
+              <a:defRPr sz="2400" kern="1200">
+                <a:solidFill>
+                  <a:schemeClr val="tx1"/>
+                </a:solidFill>
+                <a:latin typeface="+mn-lt"/>
+                <a:ea typeface="+mn-ea"/>
+                <a:cs typeface="+mn-cs"/>
+              </a:defRPr>
+            </a:lvl1pPr>
+            <a:lvl2pPr marL="685800" indent="-228600" algn="l" defTabSz="914400" rtl="0" eaLnBrk="1" latinLnBrk="0" hangingPunct="1">
+              <a:lnSpc>
+                <a:spcPct val="120000"/>
+              </a:lnSpc>
+              <a:spcBef>
+                <a:spcPts val="500"/>
+              </a:spcBef>
+              <a:buSzPct val="125000"/>
+              <a:buFont typeface="Arial" panose="020B0604020202020204" pitchFamily="34" charset="0"/>
+              <a:buChar char="•"/>
+              <a:defRPr sz="2000" kern="1200">
+                <a:solidFill>
+                  <a:schemeClr val="tx1"/>
+                </a:solidFill>
+                <a:latin typeface="+mn-lt"/>
+                <a:ea typeface="+mn-ea"/>
+                <a:cs typeface="+mn-cs"/>
+              </a:defRPr>
+            </a:lvl2pPr>
+            <a:lvl3pPr marL="1143000" indent="-228600" algn="l" defTabSz="914400" rtl="0" eaLnBrk="1" latinLnBrk="0" hangingPunct="1">
+              <a:lnSpc>
+                <a:spcPct val="120000"/>
+              </a:lnSpc>
+              <a:spcBef>
+                <a:spcPts val="500"/>
+              </a:spcBef>
+              <a:buSzPct val="125000"/>
+              <a:buFont typeface="Arial" panose="020B0604020202020204" pitchFamily="34" charset="0"/>
+              <a:buChar char="•"/>
+              <a:defRPr sz="1800" kern="1200">
+                <a:solidFill>
+                  <a:schemeClr val="tx1"/>
+                </a:solidFill>
+                <a:latin typeface="+mn-lt"/>
+                <a:ea typeface="+mn-ea"/>
+                <a:cs typeface="+mn-cs"/>
+              </a:defRPr>
+            </a:lvl3pPr>
+            <a:lvl4pPr marL="1600200" indent="-228600" algn="l" defTabSz="914400" rtl="0" eaLnBrk="1" latinLnBrk="0" hangingPunct="1">
+              <a:lnSpc>
+                <a:spcPct val="120000"/>
+              </a:lnSpc>
+              <a:spcBef>
+                <a:spcPts val="500"/>
+              </a:spcBef>
+              <a:buSzPct val="125000"/>
+              <a:buFont typeface="Arial" panose="020B0604020202020204" pitchFamily="34" charset="0"/>
+              <a:buChar char="•"/>
+              <a:defRPr sz="1600" kern="1200">
+                <a:solidFill>
+                  <a:schemeClr val="tx1"/>
+                </a:solidFill>
+                <a:latin typeface="+mn-lt"/>
+                <a:ea typeface="+mn-ea"/>
+                <a:cs typeface="+mn-cs"/>
+              </a:defRPr>
+            </a:lvl4pPr>
+            <a:lvl5pPr marL="2057400" indent="-228600" algn="l" defTabSz="914400" rtl="0" eaLnBrk="1" latinLnBrk="0" hangingPunct="1">
+              <a:lnSpc>
+                <a:spcPct val="120000"/>
+              </a:lnSpc>
+              <a:spcBef>
+                <a:spcPts val="500"/>
+              </a:spcBef>
+              <a:buSzPct val="125000"/>
+              <a:buFont typeface="Arial" panose="020B0604020202020204" pitchFamily="34" charset="0"/>
+              <a:buChar char="•"/>
+              <a:defRPr sz="1600" kern="1200">
+                <a:solidFill>
+                  <a:schemeClr val="tx1"/>
+                </a:solidFill>
+                <a:latin typeface="+mn-lt"/>
+                <a:ea typeface="+mn-ea"/>
+                <a:cs typeface="+mn-cs"/>
+              </a:defRPr>
+            </a:lvl5pPr>
+            <a:lvl6pPr marL="2514600" indent="-228600" algn="l" defTabSz="914400" rtl="0" eaLnBrk="1" latinLnBrk="0" hangingPunct="1">
+              <a:lnSpc>
+                <a:spcPct val="120000"/>
+              </a:lnSpc>
+              <a:spcBef>
+                <a:spcPts val="500"/>
+              </a:spcBef>
+              <a:buSzPct val="125000"/>
+              <a:buFont typeface="Arial" panose="020B0604020202020204" pitchFamily="34" charset="0"/>
+              <a:buChar char="•"/>
+              <a:defRPr sz="1400" kern="1200">
+                <a:solidFill>
+                  <a:schemeClr val="tx1"/>
+                </a:solidFill>
+                <a:latin typeface="+mn-lt"/>
+                <a:ea typeface="+mn-ea"/>
+                <a:cs typeface="+mn-cs"/>
+              </a:defRPr>
+            </a:lvl6pPr>
+            <a:lvl7pPr marL="2971800" indent="-228600" algn="l" defTabSz="914400" rtl="0" eaLnBrk="1" latinLnBrk="0" hangingPunct="1">
+              <a:lnSpc>
+                <a:spcPct val="120000"/>
+              </a:lnSpc>
+              <a:spcBef>
+                <a:spcPts val="500"/>
+              </a:spcBef>
+              <a:buSzPct val="125000"/>
+              <a:buFont typeface="Arial" panose="020B0604020202020204" pitchFamily="34" charset="0"/>
+              <a:buChar char="•"/>
+              <a:defRPr sz="1400" kern="1200">
+                <a:solidFill>
+                  <a:schemeClr val="tx1"/>
+                </a:solidFill>
+                <a:latin typeface="+mn-lt"/>
+                <a:ea typeface="+mn-ea"/>
+                <a:cs typeface="+mn-cs"/>
+              </a:defRPr>
+            </a:lvl7pPr>
+            <a:lvl8pPr marL="3429000" indent="-228600" algn="l" defTabSz="914400" rtl="0" eaLnBrk="1" latinLnBrk="0" hangingPunct="1">
+              <a:lnSpc>
+                <a:spcPct val="120000"/>
+              </a:lnSpc>
+              <a:spcBef>
+                <a:spcPts val="500"/>
+              </a:spcBef>
+              <a:buSzPct val="125000"/>
+              <a:buFont typeface="Arial" panose="020B0604020202020204" pitchFamily="34" charset="0"/>
+              <a:buChar char="•"/>
+              <a:defRPr sz="1400" kern="1200">
+                <a:solidFill>
+                  <a:schemeClr val="tx1"/>
+                </a:solidFill>
+                <a:latin typeface="+mn-lt"/>
+                <a:ea typeface="+mn-ea"/>
+                <a:cs typeface="+mn-cs"/>
+              </a:defRPr>
+            </a:lvl8pPr>
+            <a:lvl9pPr marL="3886200" indent="-228600" algn="l" defTabSz="914400" rtl="0" eaLnBrk="1" latinLnBrk="0" hangingPunct="1">
+              <a:lnSpc>
+                <a:spcPct val="120000"/>
+              </a:lnSpc>
+              <a:spcBef>
+                <a:spcPts val="500"/>
+              </a:spcBef>
+              <a:buSzPct val="125000"/>
+              <a:buFont typeface="Arial" panose="020B0604020202020204" pitchFamily="34" charset="0"/>
+              <a:buChar char="•"/>
+              <a:defRPr sz="1400" kern="1200">
+                <a:solidFill>
+                  <a:schemeClr val="tx1"/>
+                </a:solidFill>
+                <a:latin typeface="+mn-lt"/>
+                <a:ea typeface="+mn-ea"/>
+                <a:cs typeface="+mn-cs"/>
+              </a:defRPr>
+            </a:lvl9pPr>
+          </a:lstStyle>
+          <a:p>
+            <a:pPr marL="0" indent="0" algn="r">
+              <a:buNone/>
+            </a:pPr>
+            <a:r>
+              <a:rPr lang="en-US" sz="3500" dirty="0" err="1" smtClean="0"/>
+              <a:t>Scatta</a:t>
+            </a:r>
+            <a:r>
+              <a:rPr lang="en-US" sz="3500" dirty="0" smtClean="0"/>
+              <a:t> </a:t>
+            </a:r>
+            <a:r>
+              <a:rPr lang="en-US" sz="3500" dirty="0" err="1" smtClean="0"/>
+              <a:t>una</a:t>
+            </a:r>
+            <a:r>
+              <a:rPr lang="en-US" sz="3500" dirty="0" smtClean="0"/>
+              <a:t> </a:t>
+            </a:r>
+            <a:r>
+              <a:rPr lang="en-US" sz="3500" dirty="0" err="1" smtClean="0"/>
+              <a:t>foto</a:t>
+            </a:r>
+            <a:r>
+              <a:rPr lang="en-US" sz="3500" dirty="0" smtClean="0"/>
+              <a:t> al </a:t>
+            </a:r>
+            <a:r>
+              <a:rPr lang="en-US" sz="3500" dirty="0" err="1" smtClean="0"/>
+              <a:t>tuo</a:t>
+            </a:r>
+            <a:r>
+              <a:rPr lang="en-US" sz="3500" dirty="0" smtClean="0"/>
+              <a:t> </a:t>
+            </a:r>
+            <a:r>
+              <a:rPr lang="en-US" sz="3500" dirty="0" err="1" smtClean="0"/>
+              <a:t>scontrino</a:t>
+            </a:r>
+            <a:r>
+              <a:rPr lang="en-US" sz="3500" dirty="0" smtClean="0"/>
+              <a:t> </a:t>
+            </a:r>
+            <a:br>
+              <a:rPr lang="en-US" sz="3500" dirty="0" smtClean="0"/>
+            </a:br>
+            <a:r>
+              <a:rPr lang="en-US" sz="3500" dirty="0" smtClean="0"/>
+              <a:t>e non </a:t>
+            </a:r>
+            <a:r>
+              <a:rPr lang="en-US" sz="3500" dirty="0" err="1" smtClean="0"/>
+              <a:t>dovrai</a:t>
+            </a:r>
+            <a:r>
+              <a:rPr lang="en-US" sz="3500" dirty="0" smtClean="0"/>
+              <a:t> </a:t>
+            </a:r>
+            <a:r>
+              <a:rPr lang="en-US" sz="3500" dirty="0" err="1" smtClean="0"/>
+              <a:t>più</a:t>
+            </a:r>
+            <a:r>
+              <a:rPr lang="en-US" sz="3500" dirty="0" smtClean="0"/>
+              <a:t> </a:t>
+            </a:r>
+            <a:r>
+              <a:rPr lang="en-US" sz="3500" dirty="0" err="1" smtClean="0"/>
+              <a:t>preoccupartene</a:t>
+            </a:r>
+            <a:endParaRPr lang="en-US" sz="3500" dirty="0"/>
           </a:p>
         </p:txBody>
       </p:sp>
@@ -14338,12 +15720,197 @@
   <p:clrMapOvr>
     <a:masterClrMapping/>
   </p:clrMapOvr>
+  <mc:AlternateContent xmlns:mc="http://schemas.openxmlformats.org/markup-compatibility/2006">
+    <mc:Choice xmlns:p14="http://schemas.microsoft.com/office/powerpoint/2010/main" Requires="p14">
+      <p:transition spd="slow" p14:dur="2000">
+        <p14:prism isContent="1"/>
+      </p:transition>
+    </mc:Choice>
+    <mc:Fallback>
+      <p:transition spd="slow">
+        <p:fade/>
+      </p:transition>
+    </mc:Fallback>
+  </mc:AlternateContent>
   <p:timing>
     <p:tnLst>
       <p:par>
-        <p:cTn id="1" dur="indefinite" restart="never" nodeType="tmRoot"/>
+        <p:cTn id="1" dur="indefinite" restart="never" nodeType="tmRoot">
+          <p:childTnLst>
+            <p:seq concurrent="1" nextAc="seek">
+              <p:cTn id="2" dur="indefinite" nodeType="mainSeq">
+                <p:childTnLst>
+                  <p:par>
+                    <p:cTn id="3" fill="hold">
+                      <p:stCondLst>
+                        <p:cond delay="indefinite"/>
+                        <p:cond evt="onBegin" delay="0">
+                          <p:tn val="2"/>
+                        </p:cond>
+                      </p:stCondLst>
+                      <p:childTnLst>
+                        <p:par>
+                          <p:cTn id="4" fill="hold">
+                            <p:stCondLst>
+                              <p:cond delay="0"/>
+                            </p:stCondLst>
+                            <p:childTnLst>
+                              <p:par>
+                                <p:cTn id="5" presetID="53" presetClass="entr" presetSubtype="16" fill="hold" grpId="0" nodeType="afterEffect">
+                                  <p:stCondLst>
+                                    <p:cond delay="500"/>
+                                  </p:stCondLst>
+                                  <p:childTnLst>
+                                    <p:set>
+                                      <p:cBhvr>
+                                        <p:cTn id="6" dur="1" fill="hold">
+                                          <p:stCondLst>
+                                            <p:cond delay="0"/>
+                                          </p:stCondLst>
+                                        </p:cTn>
+                                        <p:tgtEl>
+                                          <p:spTgt spid="9"/>
+                                        </p:tgtEl>
+                                        <p:attrNameLst>
+                                          <p:attrName>style.visibility</p:attrName>
+                                        </p:attrNameLst>
+                                      </p:cBhvr>
+                                      <p:to>
+                                        <p:strVal val="visible"/>
+                                      </p:to>
+                                    </p:set>
+                                    <p:anim calcmode="lin" valueType="num">
+                                      <p:cBhvr>
+                                        <p:cTn id="7" dur="1000" fill="hold"/>
+                                        <p:tgtEl>
+                                          <p:spTgt spid="9"/>
+                                        </p:tgtEl>
+                                        <p:attrNameLst>
+                                          <p:attrName>ppt_w</p:attrName>
+                                        </p:attrNameLst>
+                                      </p:cBhvr>
+                                      <p:tavLst>
+                                        <p:tav tm="0">
+                                          <p:val>
+                                            <p:fltVal val="0"/>
+                                          </p:val>
+                                        </p:tav>
+                                        <p:tav tm="100000">
+                                          <p:val>
+                                            <p:strVal val="#ppt_w"/>
+                                          </p:val>
+                                        </p:tav>
+                                      </p:tavLst>
+                                    </p:anim>
+                                    <p:anim calcmode="lin" valueType="num">
+                                      <p:cBhvr>
+                                        <p:cTn id="8" dur="1000" fill="hold"/>
+                                        <p:tgtEl>
+                                          <p:spTgt spid="9"/>
+                                        </p:tgtEl>
+                                        <p:attrNameLst>
+                                          <p:attrName>ppt_h</p:attrName>
+                                        </p:attrNameLst>
+                                      </p:cBhvr>
+                                      <p:tavLst>
+                                        <p:tav tm="0">
+                                          <p:val>
+                                            <p:fltVal val="0"/>
+                                          </p:val>
+                                        </p:tav>
+                                        <p:tav tm="100000">
+                                          <p:val>
+                                            <p:strVal val="#ppt_h"/>
+                                          </p:val>
+                                        </p:tav>
+                                      </p:tavLst>
+                                    </p:anim>
+                                    <p:animEffect transition="in" filter="fade">
+                                      <p:cBhvr>
+                                        <p:cTn id="9" dur="1000"/>
+                                        <p:tgtEl>
+                                          <p:spTgt spid="9"/>
+                                        </p:tgtEl>
+                                      </p:cBhvr>
+                                    </p:animEffect>
+                                  </p:childTnLst>
+                                </p:cTn>
+                              </p:par>
+                            </p:childTnLst>
+                          </p:cTn>
+                        </p:par>
+                        <p:par>
+                          <p:cTn id="10" fill="hold">
+                            <p:stCondLst>
+                              <p:cond delay="1500"/>
+                            </p:stCondLst>
+                            <p:childTnLst>
+                              <p:par>
+                                <p:cTn id="11" presetID="10" presetClass="entr" presetSubtype="0" fill="hold" grpId="0" nodeType="afterEffect">
+                                  <p:stCondLst>
+                                    <p:cond delay="0"/>
+                                  </p:stCondLst>
+                                  <p:childTnLst>
+                                    <p:set>
+                                      <p:cBhvr>
+                                        <p:cTn id="12" dur="1" fill="hold">
+                                          <p:stCondLst>
+                                            <p:cond delay="0"/>
+                                          </p:stCondLst>
+                                        </p:cTn>
+                                        <p:tgtEl>
+                                          <p:spTgt spid="10"/>
+                                        </p:tgtEl>
+                                        <p:attrNameLst>
+                                          <p:attrName>style.visibility</p:attrName>
+                                        </p:attrNameLst>
+                                      </p:cBhvr>
+                                      <p:to>
+                                        <p:strVal val="visible"/>
+                                      </p:to>
+                                    </p:set>
+                                    <p:animEffect transition="in" filter="fade">
+                                      <p:cBhvr>
+                                        <p:cTn id="13" dur="2000"/>
+                                        <p:tgtEl>
+                                          <p:spTgt spid="10"/>
+                                        </p:tgtEl>
+                                      </p:cBhvr>
+                                    </p:animEffect>
+                                  </p:childTnLst>
+                                </p:cTn>
+                              </p:par>
+                            </p:childTnLst>
+                          </p:cTn>
+                        </p:par>
+                      </p:childTnLst>
+                    </p:cTn>
+                  </p:par>
+                </p:childTnLst>
+              </p:cTn>
+              <p:prevCondLst>
+                <p:cond evt="onPrev" delay="0">
+                  <p:tgtEl>
+                    <p:sldTgt/>
+                  </p:tgtEl>
+                </p:cond>
+              </p:prevCondLst>
+              <p:nextCondLst>
+                <p:cond evt="onNext" delay="0">
+                  <p:tgtEl>
+                    <p:sldTgt/>
+                  </p:tgtEl>
+                </p:cond>
+              </p:nextCondLst>
+            </p:seq>
+          </p:childTnLst>
+        </p:cTn>
       </p:par>
     </p:tnLst>
+    <p:bldLst>
+      <p:bldP spid="9" grpId="0" animBg="1"/>
+      <p:bldP spid="10" grpId="0"/>
+    </p:bldLst>
   </p:timing>
 </p:sld>
 </file>
@@ -14365,30 +15932,698 @@
           <a:chExt cx="0" cy="0"/>
         </a:xfrm>
       </p:grpSpPr>
+      <p:grpSp>
+        <p:nvGrpSpPr>
+          <p:cNvPr id="7" name="Gruppo 6"/>
+          <p:cNvGrpSpPr/>
+          <p:nvPr/>
+        </p:nvGrpSpPr>
+        <p:grpSpPr>
+          <a:xfrm>
+            <a:off x="5144081" y="4056354"/>
+            <a:ext cx="2310733" cy="1894385"/>
+            <a:chOff x="7520654" y="3275480"/>
+            <a:chExt cx="1868443" cy="1531787"/>
+          </a:xfrm>
+        </p:grpSpPr>
+        <p:pic>
+          <p:nvPicPr>
+            <p:cNvPr id="3077" name="Picture 5" descr="D:\MARCO\Università\Terzo anno\IngSoftware\sqlite.png"/>
+            <p:cNvPicPr>
+              <a:picLocks noChangeAspect="1" noChangeArrowheads="1"/>
+            </p:cNvPicPr>
+            <p:nvPr/>
+          </p:nvPicPr>
+          <p:blipFill rotWithShape="1">
+            <a:blip r:embed="rId2">
+              <a:extLst>
+                <a:ext uri="{28A0092B-C50C-407E-A947-70E740481C1C}">
+                  <a14:useLocalDpi xmlns:a14="http://schemas.microsoft.com/office/drawing/2010/main" val="0"/>
+                </a:ext>
+              </a:extLst>
+            </a:blip>
+            <a:srcRect t="20158" r="30083" b="25397"/>
+            <a:stretch/>
+          </p:blipFill>
+          <p:spPr bwMode="auto">
+            <a:xfrm>
+              <a:off x="7520654" y="4117827"/>
+              <a:ext cx="1338273" cy="689440"/>
+            </a:xfrm>
+            <a:prstGeom prst="rect">
+              <a:avLst/>
+            </a:prstGeom>
+            <a:noFill/>
+            <a:extLst>
+              <a:ext uri="{909E8E84-426E-40DD-AFC4-6F175D3DCCD1}">
+                <a14:hiddenFill xmlns:a14="http://schemas.microsoft.com/office/drawing/2010/main">
+                  <a:solidFill>
+                    <a:srgbClr val="FFFFFF"/>
+                  </a:solidFill>
+                </a14:hiddenFill>
+              </a:ext>
+            </a:extLst>
+          </p:spPr>
+        </p:pic>
+        <p:pic>
+          <p:nvPicPr>
+            <p:cNvPr id="3078" name="Picture 6" descr="D:\MARCO\Superiori\Esame\progetto\db.jpg"/>
+            <p:cNvPicPr>
+              <a:picLocks noChangeAspect="1" noChangeArrowheads="1"/>
+            </p:cNvPicPr>
+            <p:nvPr/>
+          </p:nvPicPr>
+          <p:blipFill>
+            <a:blip r:embed="rId3">
+              <a:extLst>
+                <a:ext uri="{28A0092B-C50C-407E-A947-70E740481C1C}">
+                  <a14:useLocalDpi xmlns:a14="http://schemas.microsoft.com/office/drawing/2010/main" val="0"/>
+                </a:ext>
+              </a:extLst>
+            </a:blip>
+            <a:srcRect/>
+            <a:stretch>
+              <a:fillRect/>
+            </a:stretch>
+          </p:blipFill>
+          <p:spPr bwMode="auto">
+            <a:xfrm>
+              <a:off x="8102535" y="3275480"/>
+              <a:ext cx="1286562" cy="1188178"/>
+            </a:xfrm>
+            <a:prstGeom prst="rect">
+              <a:avLst/>
+            </a:prstGeom>
+            <a:noFill/>
+            <a:extLst>
+              <a:ext uri="{909E8E84-426E-40DD-AFC4-6F175D3DCCD1}">
+                <a14:hiddenFill xmlns:a14="http://schemas.microsoft.com/office/drawing/2010/main">
+                  <a:solidFill>
+                    <a:srgbClr val="FFFFFF"/>
+                  </a:solidFill>
+                </a14:hiddenFill>
+              </a:ext>
+            </a:extLst>
+          </p:spPr>
+        </p:pic>
+      </p:grpSp>
       <p:sp>
         <p:nvSpPr>
-          <p:cNvPr id="2" name="Titolo 1"/>
-          <p:cNvSpPr>
-            <a:spLocks noGrp="1"/>
+          <p:cNvPr id="13" name="Subtitle 2"/>
+          <p:cNvSpPr txBox="1">
+            <a:spLocks/>
           </p:cNvSpPr>
-          <p:nvPr>
-            <p:ph type="title"/>
-          </p:nvPr>
+          <p:nvPr/>
         </p:nvSpPr>
-        <p:spPr/>
+        <p:spPr>
+          <a:xfrm>
+            <a:off x="1670116" y="912317"/>
+            <a:ext cx="2780276" cy="4091230"/>
+          </a:xfrm>
+          <a:prstGeom prst="rect">
+            <a:avLst/>
+          </a:prstGeom>
+          <a:ln>
+            <a:solidFill>
+              <a:schemeClr val="tx1"/>
+            </a:solidFill>
+          </a:ln>
+        </p:spPr>
         <p:txBody>
-          <a:bodyPr/>
+          <a:bodyPr vert="horz" lIns="91440" tIns="45720" rIns="91440" bIns="45720" rtlCol="0">
+            <a:noAutofit/>
+          </a:bodyPr>
+          <a:lstStyle>
+            <a:lvl1pPr marL="228600" indent="-228600" algn="l" defTabSz="914400" rtl="0" eaLnBrk="1" latinLnBrk="0" hangingPunct="1">
+              <a:lnSpc>
+                <a:spcPct val="120000"/>
+              </a:lnSpc>
+              <a:spcBef>
+                <a:spcPts val="1000"/>
+              </a:spcBef>
+              <a:buSzPct val="125000"/>
+              <a:buFont typeface="Arial" panose="020B0604020202020204" pitchFamily="34" charset="0"/>
+              <a:buChar char="•"/>
+              <a:defRPr sz="2400" kern="1200">
+                <a:solidFill>
+                  <a:schemeClr val="tx1"/>
+                </a:solidFill>
+                <a:latin typeface="+mn-lt"/>
+                <a:ea typeface="+mn-ea"/>
+                <a:cs typeface="+mn-cs"/>
+              </a:defRPr>
+            </a:lvl1pPr>
+            <a:lvl2pPr marL="685800" indent="-228600" algn="l" defTabSz="914400" rtl="0" eaLnBrk="1" latinLnBrk="0" hangingPunct="1">
+              <a:lnSpc>
+                <a:spcPct val="120000"/>
+              </a:lnSpc>
+              <a:spcBef>
+                <a:spcPts val="500"/>
+              </a:spcBef>
+              <a:buSzPct val="125000"/>
+              <a:buFont typeface="Arial" panose="020B0604020202020204" pitchFamily="34" charset="0"/>
+              <a:buChar char="•"/>
+              <a:defRPr sz="2000" kern="1200">
+                <a:solidFill>
+                  <a:schemeClr val="tx1"/>
+                </a:solidFill>
+                <a:latin typeface="+mn-lt"/>
+                <a:ea typeface="+mn-ea"/>
+                <a:cs typeface="+mn-cs"/>
+              </a:defRPr>
+            </a:lvl2pPr>
+            <a:lvl3pPr marL="1143000" indent="-228600" algn="l" defTabSz="914400" rtl="0" eaLnBrk="1" latinLnBrk="0" hangingPunct="1">
+              <a:lnSpc>
+                <a:spcPct val="120000"/>
+              </a:lnSpc>
+              <a:spcBef>
+                <a:spcPts val="500"/>
+              </a:spcBef>
+              <a:buSzPct val="125000"/>
+              <a:buFont typeface="Arial" panose="020B0604020202020204" pitchFamily="34" charset="0"/>
+              <a:buChar char="•"/>
+              <a:defRPr sz="1800" kern="1200">
+                <a:solidFill>
+                  <a:schemeClr val="tx1"/>
+                </a:solidFill>
+                <a:latin typeface="+mn-lt"/>
+                <a:ea typeface="+mn-ea"/>
+                <a:cs typeface="+mn-cs"/>
+              </a:defRPr>
+            </a:lvl3pPr>
+            <a:lvl4pPr marL="1600200" indent="-228600" algn="l" defTabSz="914400" rtl="0" eaLnBrk="1" latinLnBrk="0" hangingPunct="1">
+              <a:lnSpc>
+                <a:spcPct val="120000"/>
+              </a:lnSpc>
+              <a:spcBef>
+                <a:spcPts val="500"/>
+              </a:spcBef>
+              <a:buSzPct val="125000"/>
+              <a:buFont typeface="Arial" panose="020B0604020202020204" pitchFamily="34" charset="0"/>
+              <a:buChar char="•"/>
+              <a:defRPr sz="1600" kern="1200">
+                <a:solidFill>
+                  <a:schemeClr val="tx1"/>
+                </a:solidFill>
+                <a:latin typeface="+mn-lt"/>
+                <a:ea typeface="+mn-ea"/>
+                <a:cs typeface="+mn-cs"/>
+              </a:defRPr>
+            </a:lvl4pPr>
+            <a:lvl5pPr marL="2057400" indent="-228600" algn="l" defTabSz="914400" rtl="0" eaLnBrk="1" latinLnBrk="0" hangingPunct="1">
+              <a:lnSpc>
+                <a:spcPct val="120000"/>
+              </a:lnSpc>
+              <a:spcBef>
+                <a:spcPts val="500"/>
+              </a:spcBef>
+              <a:buSzPct val="125000"/>
+              <a:buFont typeface="Arial" panose="020B0604020202020204" pitchFamily="34" charset="0"/>
+              <a:buChar char="•"/>
+              <a:defRPr sz="1600" kern="1200">
+                <a:solidFill>
+                  <a:schemeClr val="tx1"/>
+                </a:solidFill>
+                <a:latin typeface="+mn-lt"/>
+                <a:ea typeface="+mn-ea"/>
+                <a:cs typeface="+mn-cs"/>
+              </a:defRPr>
+            </a:lvl5pPr>
+            <a:lvl6pPr marL="2514600" indent="-228600" algn="l" defTabSz="914400" rtl="0" eaLnBrk="1" latinLnBrk="0" hangingPunct="1">
+              <a:lnSpc>
+                <a:spcPct val="120000"/>
+              </a:lnSpc>
+              <a:spcBef>
+                <a:spcPts val="500"/>
+              </a:spcBef>
+              <a:buSzPct val="125000"/>
+              <a:buFont typeface="Arial" panose="020B0604020202020204" pitchFamily="34" charset="0"/>
+              <a:buChar char="•"/>
+              <a:defRPr sz="1400" kern="1200">
+                <a:solidFill>
+                  <a:schemeClr val="tx1"/>
+                </a:solidFill>
+                <a:latin typeface="+mn-lt"/>
+                <a:ea typeface="+mn-ea"/>
+                <a:cs typeface="+mn-cs"/>
+              </a:defRPr>
+            </a:lvl6pPr>
+            <a:lvl7pPr marL="2971800" indent="-228600" algn="l" defTabSz="914400" rtl="0" eaLnBrk="1" latinLnBrk="0" hangingPunct="1">
+              <a:lnSpc>
+                <a:spcPct val="120000"/>
+              </a:lnSpc>
+              <a:spcBef>
+                <a:spcPts val="500"/>
+              </a:spcBef>
+              <a:buSzPct val="125000"/>
+              <a:buFont typeface="Arial" panose="020B0604020202020204" pitchFamily="34" charset="0"/>
+              <a:buChar char="•"/>
+              <a:defRPr sz="1400" kern="1200">
+                <a:solidFill>
+                  <a:schemeClr val="tx1"/>
+                </a:solidFill>
+                <a:latin typeface="+mn-lt"/>
+                <a:ea typeface="+mn-ea"/>
+                <a:cs typeface="+mn-cs"/>
+              </a:defRPr>
+            </a:lvl7pPr>
+            <a:lvl8pPr marL="3429000" indent="-228600" algn="l" defTabSz="914400" rtl="0" eaLnBrk="1" latinLnBrk="0" hangingPunct="1">
+              <a:lnSpc>
+                <a:spcPct val="120000"/>
+              </a:lnSpc>
+              <a:spcBef>
+                <a:spcPts val="500"/>
+              </a:spcBef>
+              <a:buSzPct val="125000"/>
+              <a:buFont typeface="Arial" panose="020B0604020202020204" pitchFamily="34" charset="0"/>
+              <a:buChar char="•"/>
+              <a:defRPr sz="1400" kern="1200">
+                <a:solidFill>
+                  <a:schemeClr val="tx1"/>
+                </a:solidFill>
+                <a:latin typeface="+mn-lt"/>
+                <a:ea typeface="+mn-ea"/>
+                <a:cs typeface="+mn-cs"/>
+              </a:defRPr>
+            </a:lvl8pPr>
+            <a:lvl9pPr marL="3886200" indent="-228600" algn="l" defTabSz="914400" rtl="0" eaLnBrk="1" latinLnBrk="0" hangingPunct="1">
+              <a:lnSpc>
+                <a:spcPct val="120000"/>
+              </a:lnSpc>
+              <a:spcBef>
+                <a:spcPts val="500"/>
+              </a:spcBef>
+              <a:buSzPct val="125000"/>
+              <a:buFont typeface="Arial" panose="020B0604020202020204" pitchFamily="34" charset="0"/>
+              <a:buChar char="•"/>
+              <a:defRPr sz="1400" kern="1200">
+                <a:solidFill>
+                  <a:schemeClr val="tx1"/>
+                </a:solidFill>
+                <a:latin typeface="+mn-lt"/>
+                <a:ea typeface="+mn-ea"/>
+                <a:cs typeface="+mn-cs"/>
+              </a:defRPr>
+            </a:lvl9pPr>
+          </a:lstStyle>
+          <a:p>
+            <a:pPr marL="0" indent="0" algn="r">
+              <a:lnSpc>
+                <a:spcPct val="100000"/>
+              </a:lnSpc>
+              <a:spcBef>
+                <a:spcPts val="0"/>
+              </a:spcBef>
+              <a:buNone/>
+            </a:pPr>
+            <a:r>
+              <a:rPr lang="en-US" sz="4000" dirty="0" smtClean="0">
+                <a:latin typeface="+mj-lt"/>
+              </a:rPr>
+              <a:t>(Screen </a:t>
+            </a:r>
+            <a:r>
+              <a:rPr lang="en-US" sz="4000" dirty="0" err="1" smtClean="0">
+                <a:latin typeface="+mj-lt"/>
+              </a:rPr>
+              <a:t>Fotocamera</a:t>
+            </a:r>
+            <a:r>
+              <a:rPr lang="en-US" sz="4000" dirty="0" smtClean="0">
+                <a:latin typeface="+mj-lt"/>
+              </a:rPr>
+              <a:t> con </a:t>
+            </a:r>
+            <a:r>
+              <a:rPr lang="en-US" sz="4000" dirty="0" err="1" smtClean="0">
+                <a:latin typeface="+mj-lt"/>
+              </a:rPr>
+              <a:t>scontrino</a:t>
+            </a:r>
+            <a:r>
+              <a:rPr lang="en-US" sz="4000" dirty="0" smtClean="0">
+                <a:latin typeface="+mj-lt"/>
+              </a:rPr>
+              <a:t>)</a:t>
+            </a:r>
+            <a:endParaRPr lang="en-US" sz="4000" dirty="0">
+              <a:latin typeface="+mj-lt"/>
+            </a:endParaRPr>
+          </a:p>
+        </p:txBody>
+      </p:sp>
+      <p:sp>
+        <p:nvSpPr>
+          <p:cNvPr id="15" name="Subtitle 2"/>
+          <p:cNvSpPr txBox="1">
+            <a:spLocks/>
+          </p:cNvSpPr>
+          <p:nvPr/>
+        </p:nvSpPr>
+        <p:spPr>
+          <a:xfrm>
+            <a:off x="8340976" y="912317"/>
+            <a:ext cx="2780276" cy="4091230"/>
+          </a:xfrm>
+          <a:prstGeom prst="rect">
+            <a:avLst/>
+          </a:prstGeom>
+          <a:ln>
+            <a:solidFill>
+              <a:schemeClr val="tx1"/>
+            </a:solidFill>
+          </a:ln>
+        </p:spPr>
+        <p:txBody>
+          <a:bodyPr vert="horz" lIns="91440" tIns="45720" rIns="91440" bIns="45720" rtlCol="0">
+            <a:noAutofit/>
+          </a:bodyPr>
+          <a:lstStyle>
+            <a:lvl1pPr marL="228600" indent="-228600" algn="l" defTabSz="914400" rtl="0" eaLnBrk="1" latinLnBrk="0" hangingPunct="1">
+              <a:lnSpc>
+                <a:spcPct val="120000"/>
+              </a:lnSpc>
+              <a:spcBef>
+                <a:spcPts val="1000"/>
+              </a:spcBef>
+              <a:buSzPct val="125000"/>
+              <a:buFont typeface="Arial" panose="020B0604020202020204" pitchFamily="34" charset="0"/>
+              <a:buChar char="•"/>
+              <a:defRPr sz="2400" kern="1200">
+                <a:solidFill>
+                  <a:schemeClr val="tx1"/>
+                </a:solidFill>
+                <a:latin typeface="+mn-lt"/>
+                <a:ea typeface="+mn-ea"/>
+                <a:cs typeface="+mn-cs"/>
+              </a:defRPr>
+            </a:lvl1pPr>
+            <a:lvl2pPr marL="685800" indent="-228600" algn="l" defTabSz="914400" rtl="0" eaLnBrk="1" latinLnBrk="0" hangingPunct="1">
+              <a:lnSpc>
+                <a:spcPct val="120000"/>
+              </a:lnSpc>
+              <a:spcBef>
+                <a:spcPts val="500"/>
+              </a:spcBef>
+              <a:buSzPct val="125000"/>
+              <a:buFont typeface="Arial" panose="020B0604020202020204" pitchFamily="34" charset="0"/>
+              <a:buChar char="•"/>
+              <a:defRPr sz="2000" kern="1200">
+                <a:solidFill>
+                  <a:schemeClr val="tx1"/>
+                </a:solidFill>
+                <a:latin typeface="+mn-lt"/>
+                <a:ea typeface="+mn-ea"/>
+                <a:cs typeface="+mn-cs"/>
+              </a:defRPr>
+            </a:lvl2pPr>
+            <a:lvl3pPr marL="1143000" indent="-228600" algn="l" defTabSz="914400" rtl="0" eaLnBrk="1" latinLnBrk="0" hangingPunct="1">
+              <a:lnSpc>
+                <a:spcPct val="120000"/>
+              </a:lnSpc>
+              <a:spcBef>
+                <a:spcPts val="500"/>
+              </a:spcBef>
+              <a:buSzPct val="125000"/>
+              <a:buFont typeface="Arial" panose="020B0604020202020204" pitchFamily="34" charset="0"/>
+              <a:buChar char="•"/>
+              <a:defRPr sz="1800" kern="1200">
+                <a:solidFill>
+                  <a:schemeClr val="tx1"/>
+                </a:solidFill>
+                <a:latin typeface="+mn-lt"/>
+                <a:ea typeface="+mn-ea"/>
+                <a:cs typeface="+mn-cs"/>
+              </a:defRPr>
+            </a:lvl3pPr>
+            <a:lvl4pPr marL="1600200" indent="-228600" algn="l" defTabSz="914400" rtl="0" eaLnBrk="1" latinLnBrk="0" hangingPunct="1">
+              <a:lnSpc>
+                <a:spcPct val="120000"/>
+              </a:lnSpc>
+              <a:spcBef>
+                <a:spcPts val="500"/>
+              </a:spcBef>
+              <a:buSzPct val="125000"/>
+              <a:buFont typeface="Arial" panose="020B0604020202020204" pitchFamily="34" charset="0"/>
+              <a:buChar char="•"/>
+              <a:defRPr sz="1600" kern="1200">
+                <a:solidFill>
+                  <a:schemeClr val="tx1"/>
+                </a:solidFill>
+                <a:latin typeface="+mn-lt"/>
+                <a:ea typeface="+mn-ea"/>
+                <a:cs typeface="+mn-cs"/>
+              </a:defRPr>
+            </a:lvl4pPr>
+            <a:lvl5pPr marL="2057400" indent="-228600" algn="l" defTabSz="914400" rtl="0" eaLnBrk="1" latinLnBrk="0" hangingPunct="1">
+              <a:lnSpc>
+                <a:spcPct val="120000"/>
+              </a:lnSpc>
+              <a:spcBef>
+                <a:spcPts val="500"/>
+              </a:spcBef>
+              <a:buSzPct val="125000"/>
+              <a:buFont typeface="Arial" panose="020B0604020202020204" pitchFamily="34" charset="0"/>
+              <a:buChar char="•"/>
+              <a:defRPr sz="1600" kern="1200">
+                <a:solidFill>
+                  <a:schemeClr val="tx1"/>
+                </a:solidFill>
+                <a:latin typeface="+mn-lt"/>
+                <a:ea typeface="+mn-ea"/>
+                <a:cs typeface="+mn-cs"/>
+              </a:defRPr>
+            </a:lvl5pPr>
+            <a:lvl6pPr marL="2514600" indent="-228600" algn="l" defTabSz="914400" rtl="0" eaLnBrk="1" latinLnBrk="0" hangingPunct="1">
+              <a:lnSpc>
+                <a:spcPct val="120000"/>
+              </a:lnSpc>
+              <a:spcBef>
+                <a:spcPts val="500"/>
+              </a:spcBef>
+              <a:buSzPct val="125000"/>
+              <a:buFont typeface="Arial" panose="020B0604020202020204" pitchFamily="34" charset="0"/>
+              <a:buChar char="•"/>
+              <a:defRPr sz="1400" kern="1200">
+                <a:solidFill>
+                  <a:schemeClr val="tx1"/>
+                </a:solidFill>
+                <a:latin typeface="+mn-lt"/>
+                <a:ea typeface="+mn-ea"/>
+                <a:cs typeface="+mn-cs"/>
+              </a:defRPr>
+            </a:lvl6pPr>
+            <a:lvl7pPr marL="2971800" indent="-228600" algn="l" defTabSz="914400" rtl="0" eaLnBrk="1" latinLnBrk="0" hangingPunct="1">
+              <a:lnSpc>
+                <a:spcPct val="120000"/>
+              </a:lnSpc>
+              <a:spcBef>
+                <a:spcPts val="500"/>
+              </a:spcBef>
+              <a:buSzPct val="125000"/>
+              <a:buFont typeface="Arial" panose="020B0604020202020204" pitchFamily="34" charset="0"/>
+              <a:buChar char="•"/>
+              <a:defRPr sz="1400" kern="1200">
+                <a:solidFill>
+                  <a:schemeClr val="tx1"/>
+                </a:solidFill>
+                <a:latin typeface="+mn-lt"/>
+                <a:ea typeface="+mn-ea"/>
+                <a:cs typeface="+mn-cs"/>
+              </a:defRPr>
+            </a:lvl7pPr>
+            <a:lvl8pPr marL="3429000" indent="-228600" algn="l" defTabSz="914400" rtl="0" eaLnBrk="1" latinLnBrk="0" hangingPunct="1">
+              <a:lnSpc>
+                <a:spcPct val="120000"/>
+              </a:lnSpc>
+              <a:spcBef>
+                <a:spcPts val="500"/>
+              </a:spcBef>
+              <a:buSzPct val="125000"/>
+              <a:buFont typeface="Arial" panose="020B0604020202020204" pitchFamily="34" charset="0"/>
+              <a:buChar char="•"/>
+              <a:defRPr sz="1400" kern="1200">
+                <a:solidFill>
+                  <a:schemeClr val="tx1"/>
+                </a:solidFill>
+                <a:latin typeface="+mn-lt"/>
+                <a:ea typeface="+mn-ea"/>
+                <a:cs typeface="+mn-cs"/>
+              </a:defRPr>
+            </a:lvl8pPr>
+            <a:lvl9pPr marL="3886200" indent="-228600" algn="l" defTabSz="914400" rtl="0" eaLnBrk="1" latinLnBrk="0" hangingPunct="1">
+              <a:lnSpc>
+                <a:spcPct val="120000"/>
+              </a:lnSpc>
+              <a:spcBef>
+                <a:spcPts val="500"/>
+              </a:spcBef>
+              <a:buSzPct val="125000"/>
+              <a:buFont typeface="Arial" panose="020B0604020202020204" pitchFamily="34" charset="0"/>
+              <a:buChar char="•"/>
+              <a:defRPr sz="1400" kern="1200">
+                <a:solidFill>
+                  <a:schemeClr val="tx1"/>
+                </a:solidFill>
+                <a:latin typeface="+mn-lt"/>
+                <a:ea typeface="+mn-ea"/>
+                <a:cs typeface="+mn-cs"/>
+              </a:defRPr>
+            </a:lvl9pPr>
+          </a:lstStyle>
+          <a:p>
+            <a:pPr marL="0" indent="0" algn="r">
+              <a:lnSpc>
+                <a:spcPct val="100000"/>
+              </a:lnSpc>
+              <a:spcBef>
+                <a:spcPts val="0"/>
+              </a:spcBef>
+              <a:buNone/>
+            </a:pPr>
+            <a:r>
+              <a:rPr lang="en-US" sz="4000" dirty="0" smtClean="0">
+                <a:latin typeface="+mj-lt"/>
+              </a:rPr>
+              <a:t>(Screen </a:t>
+            </a:r>
+            <a:r>
+              <a:rPr lang="en-US" sz="4000" dirty="0" err="1" smtClean="0">
+                <a:latin typeface="+mj-lt"/>
+              </a:rPr>
+              <a:t>Fotocamera</a:t>
+            </a:r>
+            <a:r>
+              <a:rPr lang="en-US" sz="4000" dirty="0" smtClean="0">
+                <a:latin typeface="+mj-lt"/>
+              </a:rPr>
+              <a:t> </a:t>
+            </a:r>
+            <a:r>
+              <a:rPr lang="en-US" sz="4000" dirty="0" err="1" smtClean="0">
+                <a:latin typeface="+mj-lt"/>
+              </a:rPr>
+              <a:t>lista</a:t>
+            </a:r>
+            <a:r>
+              <a:rPr lang="en-US" sz="4000" dirty="0" smtClean="0">
+                <a:latin typeface="+mj-lt"/>
+              </a:rPr>
+              <a:t> </a:t>
+            </a:r>
+            <a:r>
+              <a:rPr lang="en-US" sz="4000" dirty="0" err="1" smtClean="0">
+                <a:latin typeface="+mj-lt"/>
+              </a:rPr>
+              <a:t>consultabile</a:t>
+            </a:r>
+            <a:r>
+              <a:rPr lang="en-US" sz="4000" dirty="0" smtClean="0">
+                <a:latin typeface="+mj-lt"/>
+              </a:rPr>
+              <a:t>)</a:t>
+            </a:r>
+            <a:endParaRPr lang="en-US" sz="4000" dirty="0">
+              <a:latin typeface="+mj-lt"/>
+            </a:endParaRPr>
+          </a:p>
+        </p:txBody>
+      </p:sp>
+      <p:sp>
+        <p:nvSpPr>
+          <p:cNvPr id="20" name="Freccia curva 19"/>
+          <p:cNvSpPr/>
+          <p:nvPr/>
+        </p:nvSpPr>
+        <p:spPr>
+          <a:xfrm rot="4749782">
+            <a:off x="4841542" y="2721088"/>
+            <a:ext cx="1265190" cy="1172534"/>
+          </a:xfrm>
+          <a:prstGeom prst="bentArrow">
+            <a:avLst>
+              <a:gd name="adj1" fmla="val 8903"/>
+              <a:gd name="adj2" fmla="val 14602"/>
+              <a:gd name="adj3" fmla="val 22117"/>
+              <a:gd name="adj4" fmla="val 77883"/>
+            </a:avLst>
+          </a:prstGeom>
+        </p:spPr>
+        <p:style>
+          <a:lnRef idx="2">
+            <a:schemeClr val="accent1">
+              <a:shade val="50000"/>
+            </a:schemeClr>
+          </a:lnRef>
+          <a:fillRef idx="1">
+            <a:schemeClr val="accent1"/>
+          </a:fillRef>
+          <a:effectRef idx="0">
+            <a:schemeClr val="accent1"/>
+          </a:effectRef>
+          <a:fontRef idx="minor">
+            <a:schemeClr val="lt1"/>
+          </a:fontRef>
+        </p:style>
+        <p:txBody>
+          <a:bodyPr rtlCol="0" anchor="ctr"/>
           <a:lstStyle/>
           <a:p>
-            <a:r>
-              <a:rPr lang="it-IT" dirty="0" smtClean="0"/>
-              <a:t>DUE SCREEN CON LE PRINCIPALI </a:t>
-            </a:r>
-            <a:r>
-              <a:rPr lang="it-IT" dirty="0" err="1" smtClean="0"/>
-              <a:t>FUNZIONALITà</a:t>
-            </a:r>
-            <a:endParaRPr lang="it-IT" dirty="0"/>
+            <a:pPr algn="ctr"/>
+            <a:endParaRPr lang="it-IT">
+              <a:solidFill>
+                <a:schemeClr val="tx1"/>
+              </a:solidFill>
+            </a:endParaRPr>
+          </a:p>
+        </p:txBody>
+      </p:sp>
+      <p:sp>
+        <p:nvSpPr>
+          <p:cNvPr id="28" name="Freccia curva 27"/>
+          <p:cNvSpPr/>
+          <p:nvPr/>
+        </p:nvSpPr>
+        <p:spPr>
+          <a:xfrm rot="6143465" flipV="1">
+            <a:off x="6653059" y="2733209"/>
+            <a:ext cx="1265190" cy="1172534"/>
+          </a:xfrm>
+          <a:prstGeom prst="bentArrow">
+            <a:avLst>
+              <a:gd name="adj1" fmla="val 8903"/>
+              <a:gd name="adj2" fmla="val 14602"/>
+              <a:gd name="adj3" fmla="val 22117"/>
+              <a:gd name="adj4" fmla="val 77883"/>
+            </a:avLst>
+          </a:prstGeom>
+        </p:spPr>
+        <p:style>
+          <a:lnRef idx="2">
+            <a:schemeClr val="accent1">
+              <a:shade val="50000"/>
+            </a:schemeClr>
+          </a:lnRef>
+          <a:fillRef idx="1">
+            <a:schemeClr val="accent1"/>
+          </a:fillRef>
+          <a:effectRef idx="0">
+            <a:schemeClr val="accent1"/>
+          </a:effectRef>
+          <a:fontRef idx="minor">
+            <a:schemeClr val="lt1"/>
+          </a:fontRef>
+        </p:style>
+        <p:txBody>
+          <a:bodyPr rtlCol="0" anchor="ctr"/>
+          <a:lstStyle/>
+          <a:p>
+            <a:pPr algn="ctr"/>
+            <a:endParaRPr lang="it-IT">
+              <a:solidFill>
+                <a:schemeClr val="tx1"/>
+              </a:solidFill>
+            </a:endParaRPr>
           </a:p>
         </p:txBody>
       </p:sp>
@@ -14405,9 +16640,228 @@
   <p:timing>
     <p:tnLst>
       <p:par>
-        <p:cTn id="1" dur="indefinite" restart="never" nodeType="tmRoot"/>
+        <p:cTn id="1" dur="indefinite" restart="never" nodeType="tmRoot">
+          <p:childTnLst>
+            <p:seq concurrent="1" nextAc="seek">
+              <p:cTn id="2" dur="indefinite" nodeType="mainSeq">
+                <p:childTnLst>
+                  <p:par>
+                    <p:cTn id="3" fill="hold">
+                      <p:stCondLst>
+                        <p:cond delay="indefinite"/>
+                        <p:cond evt="onBegin" delay="0">
+                          <p:tn val="2"/>
+                        </p:cond>
+                      </p:stCondLst>
+                      <p:childTnLst>
+                        <p:par>
+                          <p:cTn id="4" fill="hold">
+                            <p:stCondLst>
+                              <p:cond delay="0"/>
+                            </p:stCondLst>
+                            <p:childTnLst>
+                              <p:par>
+                                <p:cTn id="5" presetID="53" presetClass="entr" presetSubtype="16" fill="hold" grpId="0" nodeType="afterEffect">
+                                  <p:stCondLst>
+                                    <p:cond delay="500"/>
+                                  </p:stCondLst>
+                                  <p:childTnLst>
+                                    <p:set>
+                                      <p:cBhvr>
+                                        <p:cTn id="6" dur="1" fill="hold">
+                                          <p:stCondLst>
+                                            <p:cond delay="0"/>
+                                          </p:stCondLst>
+                                        </p:cTn>
+                                        <p:tgtEl>
+                                          <p:spTgt spid="13"/>
+                                        </p:tgtEl>
+                                        <p:attrNameLst>
+                                          <p:attrName>style.visibility</p:attrName>
+                                        </p:attrNameLst>
+                                      </p:cBhvr>
+                                      <p:to>
+                                        <p:strVal val="visible"/>
+                                      </p:to>
+                                    </p:set>
+                                    <p:anim calcmode="lin" valueType="num">
+                                      <p:cBhvr>
+                                        <p:cTn id="7" dur="1000" fill="hold"/>
+                                        <p:tgtEl>
+                                          <p:spTgt spid="13"/>
+                                        </p:tgtEl>
+                                        <p:attrNameLst>
+                                          <p:attrName>ppt_w</p:attrName>
+                                        </p:attrNameLst>
+                                      </p:cBhvr>
+                                      <p:tavLst>
+                                        <p:tav tm="0">
+                                          <p:val>
+                                            <p:fltVal val="0"/>
+                                          </p:val>
+                                        </p:tav>
+                                        <p:tav tm="100000">
+                                          <p:val>
+                                            <p:strVal val="#ppt_w"/>
+                                          </p:val>
+                                        </p:tav>
+                                      </p:tavLst>
+                                    </p:anim>
+                                    <p:anim calcmode="lin" valueType="num">
+                                      <p:cBhvr>
+                                        <p:cTn id="8" dur="1000" fill="hold"/>
+                                        <p:tgtEl>
+                                          <p:spTgt spid="13"/>
+                                        </p:tgtEl>
+                                        <p:attrNameLst>
+                                          <p:attrName>ppt_h</p:attrName>
+                                        </p:attrNameLst>
+                                      </p:cBhvr>
+                                      <p:tavLst>
+                                        <p:tav tm="0">
+                                          <p:val>
+                                            <p:fltVal val="0"/>
+                                          </p:val>
+                                        </p:tav>
+                                        <p:tav tm="100000">
+                                          <p:val>
+                                            <p:strVal val="#ppt_h"/>
+                                          </p:val>
+                                        </p:tav>
+                                      </p:tavLst>
+                                    </p:anim>
+                                    <p:animEffect transition="in" filter="fade">
+                                      <p:cBhvr>
+                                        <p:cTn id="9" dur="1000"/>
+                                        <p:tgtEl>
+                                          <p:spTgt spid="13"/>
+                                        </p:tgtEl>
+                                      </p:cBhvr>
+                                    </p:animEffect>
+                                  </p:childTnLst>
+                                </p:cTn>
+                              </p:par>
+                            </p:childTnLst>
+                          </p:cTn>
+                        </p:par>
+                        <p:par>
+                          <p:cTn id="10" fill="hold">
+                            <p:stCondLst>
+                              <p:cond delay="1500"/>
+                            </p:stCondLst>
+                            <p:childTnLst>
+                              <p:par>
+                                <p:cTn id="11" presetID="53" presetClass="entr" presetSubtype="16" fill="hold" grpId="0" nodeType="afterEffect">
+                                  <p:stCondLst>
+                                    <p:cond delay="500"/>
+                                  </p:stCondLst>
+                                  <p:childTnLst>
+                                    <p:set>
+                                      <p:cBhvr>
+                                        <p:cTn id="12" dur="1" fill="hold">
+                                          <p:stCondLst>
+                                            <p:cond delay="0"/>
+                                          </p:stCondLst>
+                                        </p:cTn>
+                                        <p:tgtEl>
+                                          <p:spTgt spid="15"/>
+                                        </p:tgtEl>
+                                        <p:attrNameLst>
+                                          <p:attrName>style.visibility</p:attrName>
+                                        </p:attrNameLst>
+                                      </p:cBhvr>
+                                      <p:to>
+                                        <p:strVal val="visible"/>
+                                      </p:to>
+                                    </p:set>
+                                    <p:anim calcmode="lin" valueType="num">
+                                      <p:cBhvr>
+                                        <p:cTn id="13" dur="1000" fill="hold"/>
+                                        <p:tgtEl>
+                                          <p:spTgt spid="15"/>
+                                        </p:tgtEl>
+                                        <p:attrNameLst>
+                                          <p:attrName>ppt_w</p:attrName>
+                                        </p:attrNameLst>
+                                      </p:cBhvr>
+                                      <p:tavLst>
+                                        <p:tav tm="0">
+                                          <p:val>
+                                            <p:fltVal val="0"/>
+                                          </p:val>
+                                        </p:tav>
+                                        <p:tav tm="100000">
+                                          <p:val>
+                                            <p:strVal val="#ppt_w"/>
+                                          </p:val>
+                                        </p:tav>
+                                      </p:tavLst>
+                                    </p:anim>
+                                    <p:anim calcmode="lin" valueType="num">
+                                      <p:cBhvr>
+                                        <p:cTn id="14" dur="1000" fill="hold"/>
+                                        <p:tgtEl>
+                                          <p:spTgt spid="15"/>
+                                        </p:tgtEl>
+                                        <p:attrNameLst>
+                                          <p:attrName>ppt_h</p:attrName>
+                                        </p:attrNameLst>
+                                      </p:cBhvr>
+                                      <p:tavLst>
+                                        <p:tav tm="0">
+                                          <p:val>
+                                            <p:fltVal val="0"/>
+                                          </p:val>
+                                        </p:tav>
+                                        <p:tav tm="100000">
+                                          <p:val>
+                                            <p:strVal val="#ppt_h"/>
+                                          </p:val>
+                                        </p:tav>
+                                      </p:tavLst>
+                                    </p:anim>
+                                    <p:animEffect transition="in" filter="fade">
+                                      <p:cBhvr>
+                                        <p:cTn id="15" dur="1000"/>
+                                        <p:tgtEl>
+                                          <p:spTgt spid="15"/>
+                                        </p:tgtEl>
+                                      </p:cBhvr>
+                                    </p:animEffect>
+                                  </p:childTnLst>
+                                </p:cTn>
+                              </p:par>
+                            </p:childTnLst>
+                          </p:cTn>
+                        </p:par>
+                      </p:childTnLst>
+                    </p:cTn>
+                  </p:par>
+                </p:childTnLst>
+              </p:cTn>
+              <p:prevCondLst>
+                <p:cond evt="onPrev" delay="0">
+                  <p:tgtEl>
+                    <p:sldTgt/>
+                  </p:tgtEl>
+                </p:cond>
+              </p:prevCondLst>
+              <p:nextCondLst>
+                <p:cond evt="onNext" delay="0">
+                  <p:tgtEl>
+                    <p:sldTgt/>
+                  </p:tgtEl>
+                </p:cond>
+              </p:nextCondLst>
+            </p:seq>
+          </p:childTnLst>
+        </p:cTn>
       </p:par>
     </p:tnLst>
+    <p:bldLst>
+      <p:bldP spid="13" grpId="0" animBg="1"/>
+      <p:bldP spid="15" grpId="0" animBg="1"/>
+    </p:bldLst>
   </p:timing>
 </p:sld>
 </file>
@@ -14657,7 +17111,7 @@
   <a:extraClrSchemeLst/>
   <a:extLst>
     <a:ext uri="{05A4C25C-085E-4340-85A3-A5531E510DB2}">
-      <thm15:themeFamily xmlns="" xmlns:thm15="http://schemas.microsoft.com/office/thememl/2012/main" name="Circuit" id="{0AC2F7E7-15F5-431C-B2A2-456FE929F56C}" vid="{0911B802-464C-4241-8DD9-B60FF88E379F}"/>
+      <thm15:themeFamily xmlns:thm15="http://schemas.microsoft.com/office/thememl/2012/main" xmlns="" name="Circuit" id="{0AC2F7E7-15F5-431C-B2A2-456FE929F56C}" vid="{0911B802-464C-4241-8DD9-B60FF88E379F}"/>
     </a:ext>
   </a:extLst>
 </a:theme>

--- a/PresentazioneApp.pptx
+++ b/PresentazioneApp.pptx
@@ -4387,7 +4387,7 @@
           <a:p>
             <a:fld id="{48A87A34-81AB-432B-8DAE-1953F412C126}" type="datetimeFigureOut">
               <a:rPr lang="en-US" dirty="0"/>
-              <a:t>10/16/2017</a:t>
+              <a:t>10/17/2017</a:t>
             </a:fld>
             <a:endParaRPr lang="en-US" dirty="0"/>
           </a:p>
@@ -4649,7 +4649,7 @@
           <a:p>
             <a:fld id="{48A87A34-81AB-432B-8DAE-1953F412C126}" type="datetimeFigureOut">
               <a:rPr lang="en-US" dirty="0"/>
-              <a:t>10/16/2017</a:t>
+              <a:t>10/17/2017</a:t>
             </a:fld>
             <a:endParaRPr lang="en-US" dirty="0"/>
           </a:p>
@@ -4840,7 +4840,7 @@
           <a:p>
             <a:fld id="{48A87A34-81AB-432B-8DAE-1953F412C126}" type="datetimeFigureOut">
               <a:rPr lang="en-US" dirty="0"/>
-              <a:t>10/16/2017</a:t>
+              <a:t>10/17/2017</a:t>
             </a:fld>
             <a:endParaRPr lang="en-US" dirty="0"/>
           </a:p>
@@ -5098,7 +5098,7 @@
           <a:p>
             <a:fld id="{48A87A34-81AB-432B-8DAE-1953F412C126}" type="datetimeFigureOut">
               <a:rPr lang="en-US" dirty="0"/>
-              <a:t>10/16/2017</a:t>
+              <a:t>10/17/2017</a:t>
             </a:fld>
             <a:endParaRPr lang="en-US" dirty="0"/>
           </a:p>
@@ -5527,7 +5527,7 @@
           <a:p>
             <a:fld id="{48A87A34-81AB-432B-8DAE-1953F412C126}" type="datetimeFigureOut">
               <a:rPr lang="en-US" dirty="0"/>
-              <a:t>10/16/2017</a:t>
+              <a:t>10/17/2017</a:t>
             </a:fld>
             <a:endParaRPr lang="en-US" dirty="0"/>
           </a:p>
@@ -6068,7 +6068,7 @@
           <a:p>
             <a:fld id="{48A87A34-81AB-432B-8DAE-1953F412C126}" type="datetimeFigureOut">
               <a:rPr lang="en-US" dirty="0"/>
-              <a:t>10/16/2017</a:t>
+              <a:t>10/17/2017</a:t>
             </a:fld>
             <a:endParaRPr lang="en-US" dirty="0"/>
           </a:p>
@@ -6783,7 +6783,7 @@
           <a:p>
             <a:fld id="{48A87A34-81AB-432B-8DAE-1953F412C126}" type="datetimeFigureOut">
               <a:rPr lang="en-US" dirty="0"/>
-              <a:t>10/16/2017</a:t>
+              <a:t>10/17/2017</a:t>
             </a:fld>
             <a:endParaRPr lang="en-US" dirty="0"/>
           </a:p>
@@ -6948,7 +6948,7 @@
           <a:p>
             <a:fld id="{48A87A34-81AB-432B-8DAE-1953F412C126}" type="datetimeFigureOut">
               <a:rPr lang="en-US" dirty="0"/>
-              <a:t>10/16/2017</a:t>
+              <a:t>10/17/2017</a:t>
             </a:fld>
             <a:endParaRPr lang="en-US" dirty="0"/>
           </a:p>
@@ -7123,7 +7123,7 @@
           <a:p>
             <a:fld id="{48A87A34-81AB-432B-8DAE-1953F412C126}" type="datetimeFigureOut">
               <a:rPr lang="en-US" dirty="0"/>
-              <a:t>10/16/2017</a:t>
+              <a:t>10/17/2017</a:t>
             </a:fld>
             <a:endParaRPr lang="en-US" dirty="0"/>
           </a:p>
@@ -7288,7 +7288,7 @@
           <a:p>
             <a:fld id="{48A87A34-81AB-432B-8DAE-1953F412C126}" type="datetimeFigureOut">
               <a:rPr lang="en-US" dirty="0"/>
-              <a:t>10/16/2017</a:t>
+              <a:t>10/17/2017</a:t>
             </a:fld>
             <a:endParaRPr lang="en-US" dirty="0"/>
           </a:p>
@@ -7533,7 +7533,7 @@
           <a:p>
             <a:fld id="{48A87A34-81AB-432B-8DAE-1953F412C126}" type="datetimeFigureOut">
               <a:rPr lang="en-US" dirty="0"/>
-              <a:t>10/16/2017</a:t>
+              <a:t>10/17/2017</a:t>
             </a:fld>
             <a:endParaRPr lang="en-US" dirty="0"/>
           </a:p>
@@ -7760,7 +7760,7 @@
           <a:p>
             <a:fld id="{48A87A34-81AB-432B-8DAE-1953F412C126}" type="datetimeFigureOut">
               <a:rPr lang="en-US" dirty="0"/>
-              <a:t>10/16/2017</a:t>
+              <a:t>10/17/2017</a:t>
             </a:fld>
             <a:endParaRPr lang="en-US" dirty="0"/>
           </a:p>
@@ -8136,7 +8136,7 @@
           <a:p>
             <a:fld id="{48A87A34-81AB-432B-8DAE-1953F412C126}" type="datetimeFigureOut">
               <a:rPr lang="en-US" dirty="0"/>
-              <a:t>10/16/2017</a:t>
+              <a:t>10/17/2017</a:t>
             </a:fld>
             <a:endParaRPr lang="en-US" dirty="0"/>
           </a:p>
@@ -8249,7 +8249,7 @@
           <a:p>
             <a:fld id="{48A87A34-81AB-432B-8DAE-1953F412C126}" type="datetimeFigureOut">
               <a:rPr lang="en-US" dirty="0"/>
-              <a:t>10/16/2017</a:t>
+              <a:t>10/17/2017</a:t>
             </a:fld>
             <a:endParaRPr lang="en-US" dirty="0"/>
           </a:p>
@@ -8339,7 +8339,7 @@
           <a:p>
             <a:fld id="{48A87A34-81AB-432B-8DAE-1953F412C126}" type="datetimeFigureOut">
               <a:rPr lang="en-US" dirty="0"/>
-              <a:t>10/16/2017</a:t>
+              <a:t>10/17/2017</a:t>
             </a:fld>
             <a:endParaRPr lang="en-US" dirty="0"/>
           </a:p>
@@ -8583,7 +8583,7 @@
           <a:p>
             <a:fld id="{48A87A34-81AB-432B-8DAE-1953F412C126}" type="datetimeFigureOut">
               <a:rPr lang="en-US" dirty="0"/>
-              <a:t>10/16/2017</a:t>
+              <a:t>10/17/2017</a:t>
             </a:fld>
             <a:endParaRPr lang="en-US" dirty="0"/>
           </a:p>
@@ -8858,7 +8858,7 @@
           <a:p>
             <a:fld id="{48A87A34-81AB-432B-8DAE-1953F412C126}" type="datetimeFigureOut">
               <a:rPr lang="en-US" dirty="0"/>
-              <a:t>10/16/2017</a:t>
+              <a:t>10/17/2017</a:t>
             </a:fld>
             <a:endParaRPr lang="en-US" dirty="0"/>
           </a:p>
@@ -11931,7 +11931,7 @@
             <a:fld id="{48A87A34-81AB-432B-8DAE-1953F412C126}" type="datetimeFigureOut">
               <a:rPr lang="en-US" dirty="0"/>
               <a:pPr/>
-              <a:t>10/16/2017</a:t>
+              <a:t>10/17/2017</a:t>
             </a:fld>
             <a:endParaRPr lang="en-US" dirty="0"/>
           </a:p>
@@ -12349,16 +12349,16 @@
       </p:grpSpPr>
       <p:grpSp>
         <p:nvGrpSpPr>
-          <p:cNvPr id="6" name="Gruppo 5"/>
+          <p:cNvPr id="2" name="Gruppo 1"/>
           <p:cNvGrpSpPr/>
           <p:nvPr/>
         </p:nvGrpSpPr>
         <p:grpSpPr>
           <a:xfrm>
-            <a:off x="2088237" y="1370414"/>
-            <a:ext cx="9307163" cy="3046988"/>
-            <a:chOff x="2296577" y="712430"/>
-            <a:chExt cx="9307163" cy="3046988"/>
+            <a:off x="2900088" y="1182406"/>
+            <a:ext cx="4230645" cy="3046988"/>
+            <a:chOff x="2088237" y="1370414"/>
+            <a:chExt cx="4230645" cy="3046988"/>
           </a:xfrm>
         </p:grpSpPr>
         <p:sp>
@@ -12369,8 +12369,8 @@
           </p:nvSpPr>
           <p:spPr>
             <a:xfrm>
-              <a:off x="2296577" y="712430"/>
-              <a:ext cx="9307163" cy="3046988"/>
+              <a:off x="2088237" y="1370414"/>
+              <a:ext cx="4230645" cy="3046988"/>
             </a:xfrm>
             <a:prstGeom prst="rect">
               <a:avLst/>
@@ -12392,7 +12392,7 @@
                     <a:prstDash val="solid"/>
                   </a:ln>
                   <a:solidFill>
-                    <a:srgbClr val="FF7171"/>
+                    <a:srgbClr val="FFABAB"/>
                   </a:solidFill>
                   <a:effectLst>
                     <a:outerShdw blurRad="41275" dist="20320" dir="1800000" algn="tl" rotWithShape="0">
@@ -12402,7 +12402,7 @@
                     </a:outerShdw>
                   </a:effectLst>
                 </a:rPr>
-                <a:t>D</a:t>
+                <a:t>H</a:t>
               </a:r>
               <a:r>
                 <a:rPr lang="it-IT" sz="9600" b="1" dirty="0" smtClean="0">
@@ -12423,7 +12423,7 @@
                     </a:outerShdw>
                   </a:effectLst>
                 </a:rPr>
-                <a:t>3</a:t>
+                <a:t>app</a:t>
               </a:r>
               <a:r>
                 <a:rPr lang="it-IT" sz="9600" b="1" dirty="0" smtClean="0">
@@ -12434,7 +12434,7 @@
                     <a:prstDash val="solid"/>
                   </a:ln>
                   <a:solidFill>
-                    <a:srgbClr val="FF7171"/>
+                    <a:srgbClr val="FFABAB"/>
                   </a:solidFill>
                   <a:effectLst>
                     <a:outerShdw blurRad="41275" dist="20320" dir="1800000" algn="tl" rotWithShape="0">
@@ -12444,7 +12444,28 @@
                     </a:outerShdw>
                   </a:effectLst>
                 </a:rPr>
-                <a:t>I</a:t>
+                <a:t>y</a:t>
+              </a:r>
+              <a:r>
+                <a:rPr lang="it-IT" sz="9600" b="1" dirty="0" smtClean="0">
+                  <a:ln w="38100">
+                    <a:solidFill>
+                      <a:schemeClr val="tx1"/>
+                    </a:solidFill>
+                    <a:prstDash val="solid"/>
+                  </a:ln>
+                  <a:solidFill>
+                    <a:srgbClr val="FFABAB"/>
+                  </a:solidFill>
+                  <a:effectLst>
+                    <a:outerShdw blurRad="41275" dist="20320" dir="1800000" algn="tl" rotWithShape="0">
+                      <a:srgbClr val="000000">
+                        <a:alpha val="40000"/>
+                      </a:srgbClr>
+                    </a:outerShdw>
+                  </a:effectLst>
+                </a:rPr>
+                <a:t/>
               </a:r>
               <a:br>
                 <a:rPr lang="it-IT" sz="9600" b="1" dirty="0" smtClean="0">
@@ -12455,7 +12476,7 @@
                     <a:prstDash val="solid"/>
                   </a:ln>
                   <a:solidFill>
-                    <a:srgbClr val="FF7171"/>
+                    <a:srgbClr val="FFABAB"/>
                   </a:solidFill>
                   <a:effectLst>
                     <a:outerShdw blurRad="41275" dist="20320" dir="1800000" algn="tl" rotWithShape="0">
@@ -12475,7 +12496,7 @@
                     <a:prstDash val="solid"/>
                   </a:ln>
                   <a:solidFill>
-                    <a:srgbClr val="FF7171"/>
+                    <a:srgbClr val="FFABAB"/>
                   </a:solidFill>
                   <a:effectLst>
                     <a:outerShdw blurRad="41275" dist="20320" dir="1800000" algn="tl" rotWithShape="0">
@@ -12488,7 +12509,28 @@
                 <a:t>      </a:t>
               </a:r>
               <a:r>
-                <a:rPr lang="it-IT" sz="9600" b="1" dirty="0" smtClean="0">
+                <a:rPr lang="it-IT" sz="9600" b="1" dirty="0">
+                  <a:ln w="38100">
+                    <a:solidFill>
+                      <a:schemeClr val="tx1"/>
+                    </a:solidFill>
+                    <a:prstDash val="solid"/>
+                  </a:ln>
+                  <a:solidFill>
+                    <a:srgbClr val="FFABAB"/>
+                  </a:solidFill>
+                  <a:effectLst>
+                    <a:outerShdw blurRad="41275" dist="20320" dir="1800000" algn="tl" rotWithShape="0">
+                      <a:srgbClr val="000000">
+                        <a:alpha val="40000"/>
+                      </a:srgbClr>
+                    </a:outerShdw>
+                  </a:effectLst>
+                </a:rPr>
+                <a:t>D</a:t>
+              </a:r>
+              <a:r>
+                <a:rPr lang="it-IT" sz="9600" b="1" dirty="0">
                   <a:ln w="38100">
                     <a:solidFill>
                       <a:schemeClr val="tx1"/>
@@ -12506,10 +12548,10 @@
                     </a:outerShdw>
                   </a:effectLst>
                 </a:rPr>
-                <a:t>APP</a:t>
+                <a:t>3</a:t>
               </a:r>
               <a:r>
-                <a:rPr lang="it-IT" sz="9600" b="1" dirty="0" smtClean="0">
+                <a:rPr lang="it-IT" sz="9600" b="1" dirty="0">
                   <a:ln w="38100">
                     <a:solidFill>
                       <a:schemeClr val="tx1"/>
@@ -12517,7 +12559,7 @@
                     <a:prstDash val="solid"/>
                   </a:ln>
                   <a:solidFill>
-                    <a:srgbClr val="FF7171"/>
+                    <a:srgbClr val="FFABAB"/>
                   </a:solidFill>
                   <a:effectLst>
                     <a:outerShdw blurRad="41275" dist="20320" dir="1800000" algn="tl" rotWithShape="0">
@@ -12527,7 +12569,7 @@
                     </a:outerShdw>
                   </a:effectLst>
                 </a:rPr>
-                <a:t>LICATION</a:t>
+                <a:t>I </a:t>
               </a:r>
               <a:endParaRPr lang="it-IT" sz="9600" b="1" dirty="0">
                 <a:ln w="38100">
@@ -12537,7 +12579,7 @@
                   <a:prstDash val="solid"/>
                 </a:ln>
                 <a:solidFill>
-                  <a:srgbClr val="FF7171"/>
+                  <a:srgbClr val="FFABAB"/>
                 </a:solidFill>
                 <a:effectLst>
                   <a:outerShdw blurRad="41275" dist="20320" dir="1800000" algn="tl" rotWithShape="0">
@@ -12573,7 +12615,7 @@
           </p:blipFill>
           <p:spPr bwMode="auto">
             <a:xfrm>
-              <a:off x="2550160" y="2214483"/>
+              <a:off x="2341820" y="2872467"/>
               <a:ext cx="1524000" cy="1524000"/>
             </a:xfrm>
             <a:prstGeom prst="rect">
@@ -12735,6 +12777,9 @@
                     <p:cTn id="3" fill="hold">
                       <p:stCondLst>
                         <p:cond delay="indefinite"/>
+                        <p:cond evt="onBegin" delay="0">
+                          <p:tn val="2"/>
+                        </p:cond>
                       </p:stCondLst>
                       <p:childTnLst>
                         <p:par>
@@ -12744,7 +12789,7 @@
                             </p:stCondLst>
                             <p:childTnLst>
                               <p:par>
-                                <p:cTn id="5" presetID="21" presetClass="entr" presetSubtype="1" fill="hold" nodeType="clickEffect">
+                                <p:cTn id="5" presetID="31" presetClass="entr" presetSubtype="0" fill="hold" nodeType="afterEffect">
                                   <p:stCondLst>
                                     <p:cond delay="0"/>
                                   </p:stCondLst>
@@ -12752,50 +12797,6 @@
                                     <p:set>
                                       <p:cBhvr>
                                         <p:cTn id="6" dur="1" fill="hold">
-                                          <p:stCondLst>
-                                            <p:cond delay="0"/>
-                                          </p:stCondLst>
-                                        </p:cTn>
-                                        <p:tgtEl>
-                                          <p:spTgt spid="6"/>
-                                        </p:tgtEl>
-                                        <p:attrNameLst>
-                                          <p:attrName>style.visibility</p:attrName>
-                                        </p:attrNameLst>
-                                      </p:cBhvr>
-                                      <p:to>
-                                        <p:strVal val="visible"/>
-                                      </p:to>
-                                    </p:set>
-                                    <p:animEffect transition="in" filter="wheel(1)">
-                                      <p:cBhvr>
-                                        <p:cTn id="7" dur="2000"/>
-                                        <p:tgtEl>
-                                          <p:spTgt spid="6"/>
-                                        </p:tgtEl>
-                                      </p:cBhvr>
-                                    </p:animEffect>
-                                  </p:childTnLst>
-                                </p:cTn>
-                              </p:par>
-                            </p:childTnLst>
-                          </p:cTn>
-                        </p:par>
-                        <p:par>
-                          <p:cTn id="8" fill="hold">
-                            <p:stCondLst>
-                              <p:cond delay="2000"/>
-                            </p:stCondLst>
-                            <p:childTnLst>
-                              <p:par>
-                                <p:cTn id="9" presetID="31" presetClass="entr" presetSubtype="0" fill="hold" nodeType="afterEffect">
-                                  <p:stCondLst>
-                                    <p:cond delay="0"/>
-                                  </p:stCondLst>
-                                  <p:childTnLst>
-                                    <p:set>
-                                      <p:cBhvr>
-                                        <p:cTn id="10" dur="1" fill="hold">
                                           <p:stCondLst>
                                             <p:cond delay="0"/>
                                           </p:stCondLst>
@@ -12813,7 +12814,7 @@
                                     </p:set>
                                     <p:anim calcmode="lin" valueType="num">
                                       <p:cBhvr>
-                                        <p:cTn id="11" dur="1000" fill="hold"/>
+                                        <p:cTn id="7" dur="1000" fill="hold"/>
                                         <p:tgtEl>
                                           <p:spTgt spid="1030"/>
                                         </p:tgtEl>
@@ -12836,7 +12837,7 @@
                                     </p:anim>
                                     <p:anim calcmode="lin" valueType="num">
                                       <p:cBhvr>
-                                        <p:cTn id="12" dur="1000" fill="hold"/>
+                                        <p:cTn id="8" dur="1000" fill="hold"/>
                                         <p:tgtEl>
                                           <p:spTgt spid="1030"/>
                                         </p:tgtEl>
@@ -12859,7 +12860,7 @@
                                     </p:anim>
                                     <p:anim calcmode="lin" valueType="num">
                                       <p:cBhvr>
-                                        <p:cTn id="13" dur="1000" fill="hold"/>
+                                        <p:cTn id="9" dur="1000" fill="hold"/>
                                         <p:tgtEl>
                                           <p:spTgt spid="1030"/>
                                         </p:tgtEl>
@@ -12882,7 +12883,7 @@
                                     </p:anim>
                                     <p:animEffect transition="in" filter="fade">
                                       <p:cBhvr>
-                                        <p:cTn id="14" dur="1000"/>
+                                        <p:cTn id="10" dur="1000"/>
                                         <p:tgtEl>
                                           <p:spTgt spid="1030"/>
                                         </p:tgtEl>
@@ -12895,20 +12896,20 @@
                           </p:cTn>
                         </p:par>
                         <p:par>
-                          <p:cTn id="15" fill="hold">
+                          <p:cTn id="11" fill="hold">
                             <p:stCondLst>
-                              <p:cond delay="3000"/>
+                              <p:cond delay="1000"/>
                             </p:stCondLst>
                             <p:childTnLst>
                               <p:par>
-                                <p:cTn id="16" presetID="10" presetClass="entr" presetSubtype="0" fill="hold" nodeType="afterEffect">
+                                <p:cTn id="12" presetID="10" presetClass="entr" presetSubtype="0" fill="hold" nodeType="afterEffect">
                                   <p:stCondLst>
                                     <p:cond delay="0"/>
                                   </p:stCondLst>
                                   <p:childTnLst>
                                     <p:set>
                                       <p:cBhvr>
-                                        <p:cTn id="17" dur="1" fill="hold">
+                                        <p:cTn id="13" dur="1" fill="hold">
                                           <p:stCondLst>
                                             <p:cond delay="0"/>
                                           </p:stCondLst>
@@ -12926,7 +12927,7 @@
                                     </p:set>
                                     <p:animEffect transition="in" filter="fade">
                                       <p:cBhvr>
-                                        <p:cTn id="18" dur="2000"/>
+                                        <p:cTn id="14" dur="2000"/>
                                         <p:tgtEl>
                                           <p:spTgt spid="1031"/>
                                         </p:tgtEl>
@@ -12939,20 +12940,20 @@
                           </p:cTn>
                         </p:par>
                         <p:par>
-                          <p:cTn id="19" fill="hold">
+                          <p:cTn id="15" fill="hold">
                             <p:stCondLst>
-                              <p:cond delay="5000"/>
+                              <p:cond delay="3000"/>
                             </p:stCondLst>
                             <p:childTnLst>
                               <p:par>
-                                <p:cTn id="20" presetID="42" presetClass="entr" presetSubtype="0" fill="hold" nodeType="afterEffect">
+                                <p:cTn id="16" presetID="42" presetClass="entr" presetSubtype="0" fill="hold" nodeType="afterEffect">
                                   <p:stCondLst>
                                     <p:cond delay="0"/>
                                   </p:stCondLst>
                                   <p:childTnLst>
                                     <p:set>
                                       <p:cBhvr>
-                                        <p:cTn id="21" dur="1" fill="hold">
+                                        <p:cTn id="17" dur="1" fill="hold">
                                           <p:stCondLst>
                                             <p:cond delay="0"/>
                                           </p:stCondLst>
@@ -12970,7 +12971,7 @@
                                     </p:set>
                                     <p:animEffect transition="in" filter="fade">
                                       <p:cBhvr>
-                                        <p:cTn id="22" dur="1000"/>
+                                        <p:cTn id="18" dur="1000"/>
                                         <p:tgtEl>
                                           <p:spTgt spid="1029"/>
                                         </p:tgtEl>
@@ -12978,7 +12979,7 @@
                                     </p:animEffect>
                                     <p:anim calcmode="lin" valueType="num">
                                       <p:cBhvr>
-                                        <p:cTn id="23" dur="1000" fill="hold"/>
+                                        <p:cTn id="19" dur="1000" fill="hold"/>
                                         <p:tgtEl>
                                           <p:spTgt spid="1029"/>
                                         </p:tgtEl>
@@ -13001,7 +13002,7 @@
                                     </p:anim>
                                     <p:anim calcmode="lin" valueType="num">
                                       <p:cBhvr>
-                                        <p:cTn id="24" dur="1000" fill="hold"/>
+                                        <p:cTn id="20" dur="1000" fill="hold"/>
                                         <p:tgtEl>
                                           <p:spTgt spid="1029"/>
                                         </p:tgtEl>
@@ -13321,13 +13322,13 @@
   <p:clrMapOvr>
     <a:masterClrMapping/>
   </p:clrMapOvr>
-  <mc:AlternateContent xmlns:mc="http://schemas.openxmlformats.org/markup-compatibility/2006">
-    <mc:Choice xmlns:p14="http://schemas.microsoft.com/office/powerpoint/2010/main" Requires="p14">
+  <mc:AlternateContent xmlns:mc="http://schemas.openxmlformats.org/markup-compatibility/2006" xmlns:p14="http://schemas.microsoft.com/office/powerpoint/2010/main">
+    <mc:Choice Requires="p14">
       <p:transition spd="med" p14:dur="700">
         <p:fade/>
       </p:transition>
     </mc:Choice>
-    <mc:Fallback>
+    <mc:Fallback xmlns="">
       <p:transition spd="med">
         <p:fade/>
       </p:transition>
@@ -14049,7 +14050,7 @@
         <p:spPr>
           <a:xfrm>
             <a:off x="6231890" y="1983193"/>
-            <a:ext cx="4500879" cy="922567"/>
+            <a:ext cx="4783639" cy="1187297"/>
           </a:xfrm>
           <a:prstGeom prst="rect">
             <a:avLst/>
@@ -14057,7 +14058,7 @@
         </p:spPr>
         <p:txBody>
           <a:bodyPr vert="horz" lIns="91440" tIns="45720" rIns="91440" bIns="45720" rtlCol="0">
-            <a:normAutofit/>
+            <a:normAutofit fontScale="92500" lnSpcReduction="20000"/>
           </a:bodyPr>
           <a:lstStyle>
             <a:lvl1pPr marL="228600" indent="-228600" algn="l" defTabSz="914400" rtl="0" eaLnBrk="1" latinLnBrk="0" hangingPunct="1">
@@ -14238,7 +14239,19 @@
             </a:pPr>
             <a:r>
               <a:rPr lang="en-US" sz="3600" dirty="0" smtClean="0"/>
-              <a:t>Facile da </a:t>
+              <a:t>Facile e </a:t>
+            </a:r>
+            <a:r>
+              <a:rPr lang="en-US" sz="3600" dirty="0" err="1" smtClean="0"/>
+              <a:t>voloce</a:t>
+            </a:r>
+            <a:r>
+              <a:rPr lang="en-US" sz="3600" dirty="0" smtClean="0"/>
+              <a:t> </a:t>
+            </a:r>
+            <a:r>
+              <a:rPr lang="en-US" sz="3600" dirty="0" smtClean="0"/>
+              <a:t>da </a:t>
             </a:r>
             <a:r>
               <a:rPr lang="en-US" sz="3600" dirty="0" err="1" smtClean="0"/>
@@ -14487,13 +14500,13 @@
   <p:clrMapOvr>
     <a:masterClrMapping/>
   </p:clrMapOvr>
-  <mc:AlternateContent xmlns:mc="http://schemas.openxmlformats.org/markup-compatibility/2006">
-    <mc:Choice xmlns:p14="http://schemas.microsoft.com/office/powerpoint/2010/main" Requires="p14">
+  <mc:AlternateContent xmlns:mc="http://schemas.openxmlformats.org/markup-compatibility/2006" xmlns:p14="http://schemas.microsoft.com/office/powerpoint/2010/main">
+    <mc:Choice Requires="p14">
       <p:transition spd="slow" p14:dur="1300">
         <p14:pan dir="u"/>
       </p:transition>
     </mc:Choice>
-    <mc:Fallback>
+    <mc:Fallback xmlns="">
       <p:transition spd="slow">
         <p:fade/>
       </p:transition>
@@ -14934,8 +14947,8 @@
         </p:blipFill>
         <p:spPr bwMode="auto">
           <a:xfrm>
-            <a:off x="1400176" y="897382"/>
-            <a:ext cx="2386049" cy="2195263"/>
+            <a:off x="1585318" y="750351"/>
+            <a:ext cx="2200908" cy="2024926"/>
           </a:xfrm>
           <a:prstGeom prst="rect">
             <a:avLst/>
@@ -15014,8 +15027,8 @@
         </p:nvSpPr>
         <p:spPr>
           <a:xfrm>
-            <a:off x="3965960" y="823106"/>
-            <a:ext cx="3669751" cy="2362668"/>
+            <a:off x="4100660" y="750351"/>
+            <a:ext cx="2960016" cy="2134255"/>
           </a:xfrm>
           <a:prstGeom prst="rect">
             <a:avLst/>
@@ -15212,7 +15225,24 @@
               <a:rPr lang="en-US" sz="7200" dirty="0" smtClean="0">
                 <a:latin typeface="+mj-lt"/>
               </a:rPr>
-              <a:t>Scontrino Search</a:t>
+              <a:t>Ticket</a:t>
+            </a:r>
+          </a:p>
+          <a:p>
+            <a:pPr marL="0" indent="0">
+              <a:lnSpc>
+                <a:spcPct val="100000"/>
+              </a:lnSpc>
+              <a:spcBef>
+                <a:spcPts val="0"/>
+              </a:spcBef>
+              <a:buNone/>
+            </a:pPr>
+            <a:r>
+              <a:rPr lang="en-US" sz="7200" dirty="0" smtClean="0">
+                <a:latin typeface="+mj-lt"/>
+              </a:rPr>
+              <a:t>Search</a:t>
             </a:r>
             <a:endParaRPr lang="en-US" sz="7200" dirty="0">
               <a:latin typeface="+mj-lt"/>
@@ -15230,7 +15260,7 @@
         </p:nvSpPr>
         <p:spPr>
           <a:xfrm>
-            <a:off x="8127475" y="1150069"/>
+            <a:off x="8127475" y="1084076"/>
             <a:ext cx="3100585" cy="4562571"/>
           </a:xfrm>
           <a:prstGeom prst="rect">
@@ -15451,8 +15481,8 @@
         </p:nvSpPr>
         <p:spPr>
           <a:xfrm>
-            <a:off x="1400176" y="3764070"/>
-            <a:ext cx="6048988" cy="1574799"/>
+            <a:off x="728941" y="3365362"/>
+            <a:ext cx="7096873" cy="787399"/>
           </a:xfrm>
           <a:prstGeom prst="rect">
             <a:avLst/>
@@ -15641,7 +15671,23 @@
             </a:pPr>
             <a:r>
               <a:rPr lang="en-US" sz="3500" dirty="0" err="1" smtClean="0"/>
-              <a:t>Scatta</a:t>
+              <a:t>Visualizza</a:t>
+            </a:r>
+            <a:r>
+              <a:rPr lang="en-US" sz="3500" dirty="0" smtClean="0"/>
+              <a:t> la </a:t>
+            </a:r>
+            <a:r>
+              <a:rPr lang="en-US" sz="3500" dirty="0" err="1" smtClean="0"/>
+              <a:t>lista</a:t>
+            </a:r>
+            <a:r>
+              <a:rPr lang="en-US" sz="3500" dirty="0" smtClean="0"/>
+              <a:t> di </a:t>
+            </a:r>
+            <a:r>
+              <a:rPr lang="en-US" sz="3500" dirty="0" err="1" smtClean="0"/>
+              <a:t>tutti</a:t>
             </a:r>
             <a:r>
               <a:rPr lang="en-US" sz="3500" dirty="0" smtClean="0"/>
@@ -15649,7 +15695,7 @@
             </a:r>
             <a:r>
               <a:rPr lang="en-US" sz="3500" dirty="0" err="1" smtClean="0"/>
-              <a:t>una</a:t>
+              <a:t>i</a:t>
             </a:r>
             <a:r>
               <a:rPr lang="en-US" sz="3500" dirty="0" smtClean="0"/>
@@ -15657,15 +15703,7 @@
             </a:r>
             <a:r>
               <a:rPr lang="en-US" sz="3500" dirty="0" err="1" smtClean="0"/>
-              <a:t>foto</a:t>
-            </a:r>
-            <a:r>
-              <a:rPr lang="en-US" sz="3500" dirty="0" smtClean="0"/>
-              <a:t> al </a:t>
-            </a:r>
-            <a:r>
-              <a:rPr lang="en-US" sz="3500" dirty="0" err="1" smtClean="0"/>
-              <a:t>tuo</a:t>
+              <a:t>tuoi</a:t>
             </a:r>
             <a:r>
               <a:rPr lang="en-US" sz="3500" dirty="0" smtClean="0"/>
@@ -15673,363 +15711,15 @@
             </a:r>
             <a:r>
               <a:rPr lang="en-US" sz="3500" dirty="0" err="1" smtClean="0"/>
-              <a:t>scontrino</a:t>
-            </a:r>
-            <a:r>
-              <a:rPr lang="en-US" sz="3500" dirty="0" smtClean="0"/>
-              <a:t> </a:t>
-            </a:r>
-            <a:br>
-              <a:rPr lang="en-US" sz="3500" dirty="0" smtClean="0"/>
-            </a:br>
-            <a:r>
-              <a:rPr lang="en-US" sz="3500" dirty="0" smtClean="0"/>
-              <a:t>e non </a:t>
-            </a:r>
-            <a:r>
-              <a:rPr lang="en-US" sz="3500" dirty="0" err="1" smtClean="0"/>
-              <a:t>dovrai</a:t>
-            </a:r>
-            <a:r>
-              <a:rPr lang="en-US" sz="3500" dirty="0" smtClean="0"/>
-              <a:t> </a:t>
-            </a:r>
-            <a:r>
-              <a:rPr lang="en-US" sz="3500" dirty="0" err="1" smtClean="0"/>
-              <a:t>più</a:t>
-            </a:r>
-            <a:r>
-              <a:rPr lang="en-US" sz="3500" dirty="0" smtClean="0"/>
-              <a:t> </a:t>
-            </a:r>
-            <a:r>
-              <a:rPr lang="en-US" sz="3500" dirty="0" err="1" smtClean="0"/>
-              <a:t>preoccupartene</a:t>
+              <a:t>scontrini</a:t>
             </a:r>
             <a:endParaRPr lang="en-US" sz="3500" dirty="0"/>
           </a:p>
         </p:txBody>
       </p:sp>
-    </p:spTree>
-    <p:extLst>
-      <p:ext uri="{BB962C8B-B14F-4D97-AF65-F5344CB8AC3E}">
-        <p14:creationId xmlns:p14="http://schemas.microsoft.com/office/powerpoint/2010/main" val="2137361211"/>
-      </p:ext>
-    </p:extLst>
-  </p:cSld>
-  <p:clrMapOvr>
-    <a:masterClrMapping/>
-  </p:clrMapOvr>
-  <mc:AlternateContent xmlns:mc="http://schemas.openxmlformats.org/markup-compatibility/2006">
-    <mc:Choice xmlns:p14="http://schemas.microsoft.com/office/powerpoint/2010/main" Requires="p14">
-      <p:transition spd="slow" p14:dur="2000">
-        <p14:prism isContent="1"/>
-      </p:transition>
-    </mc:Choice>
-    <mc:Fallback>
-      <p:transition spd="slow">
-        <p:fade/>
-      </p:transition>
-    </mc:Fallback>
-  </mc:AlternateContent>
-  <p:timing>
-    <p:tnLst>
-      <p:par>
-        <p:cTn id="1" dur="indefinite" restart="never" nodeType="tmRoot">
-          <p:childTnLst>
-            <p:seq concurrent="1" nextAc="seek">
-              <p:cTn id="2" dur="indefinite" nodeType="mainSeq">
-                <p:childTnLst>
-                  <p:par>
-                    <p:cTn id="3" fill="hold">
-                      <p:stCondLst>
-                        <p:cond delay="indefinite"/>
-                        <p:cond evt="onBegin" delay="0">
-                          <p:tn val="2"/>
-                        </p:cond>
-                      </p:stCondLst>
-                      <p:childTnLst>
-                        <p:par>
-                          <p:cTn id="4" fill="hold">
-                            <p:stCondLst>
-                              <p:cond delay="0"/>
-                            </p:stCondLst>
-                            <p:childTnLst>
-                              <p:par>
-                                <p:cTn id="5" presetID="53" presetClass="entr" presetSubtype="16" fill="hold" grpId="0" nodeType="afterEffect">
-                                  <p:stCondLst>
-                                    <p:cond delay="500"/>
-                                  </p:stCondLst>
-                                  <p:childTnLst>
-                                    <p:set>
-                                      <p:cBhvr>
-                                        <p:cTn id="6" dur="1" fill="hold">
-                                          <p:stCondLst>
-                                            <p:cond delay="0"/>
-                                          </p:stCondLst>
-                                        </p:cTn>
-                                        <p:tgtEl>
-                                          <p:spTgt spid="9"/>
-                                        </p:tgtEl>
-                                        <p:attrNameLst>
-                                          <p:attrName>style.visibility</p:attrName>
-                                        </p:attrNameLst>
-                                      </p:cBhvr>
-                                      <p:to>
-                                        <p:strVal val="visible"/>
-                                      </p:to>
-                                    </p:set>
-                                    <p:anim calcmode="lin" valueType="num">
-                                      <p:cBhvr>
-                                        <p:cTn id="7" dur="1000" fill="hold"/>
-                                        <p:tgtEl>
-                                          <p:spTgt spid="9"/>
-                                        </p:tgtEl>
-                                        <p:attrNameLst>
-                                          <p:attrName>ppt_w</p:attrName>
-                                        </p:attrNameLst>
-                                      </p:cBhvr>
-                                      <p:tavLst>
-                                        <p:tav tm="0">
-                                          <p:val>
-                                            <p:fltVal val="0"/>
-                                          </p:val>
-                                        </p:tav>
-                                        <p:tav tm="100000">
-                                          <p:val>
-                                            <p:strVal val="#ppt_w"/>
-                                          </p:val>
-                                        </p:tav>
-                                      </p:tavLst>
-                                    </p:anim>
-                                    <p:anim calcmode="lin" valueType="num">
-                                      <p:cBhvr>
-                                        <p:cTn id="8" dur="1000" fill="hold"/>
-                                        <p:tgtEl>
-                                          <p:spTgt spid="9"/>
-                                        </p:tgtEl>
-                                        <p:attrNameLst>
-                                          <p:attrName>ppt_h</p:attrName>
-                                        </p:attrNameLst>
-                                      </p:cBhvr>
-                                      <p:tavLst>
-                                        <p:tav tm="0">
-                                          <p:val>
-                                            <p:fltVal val="0"/>
-                                          </p:val>
-                                        </p:tav>
-                                        <p:tav tm="100000">
-                                          <p:val>
-                                            <p:strVal val="#ppt_h"/>
-                                          </p:val>
-                                        </p:tav>
-                                      </p:tavLst>
-                                    </p:anim>
-                                    <p:animEffect transition="in" filter="fade">
-                                      <p:cBhvr>
-                                        <p:cTn id="9" dur="1000"/>
-                                        <p:tgtEl>
-                                          <p:spTgt spid="9"/>
-                                        </p:tgtEl>
-                                      </p:cBhvr>
-                                    </p:animEffect>
-                                  </p:childTnLst>
-                                </p:cTn>
-                              </p:par>
-                            </p:childTnLst>
-                          </p:cTn>
-                        </p:par>
-                        <p:par>
-                          <p:cTn id="10" fill="hold">
-                            <p:stCondLst>
-                              <p:cond delay="1500"/>
-                            </p:stCondLst>
-                            <p:childTnLst>
-                              <p:par>
-                                <p:cTn id="11" presetID="10" presetClass="entr" presetSubtype="0" fill="hold" grpId="0" nodeType="afterEffect">
-                                  <p:stCondLst>
-                                    <p:cond delay="0"/>
-                                  </p:stCondLst>
-                                  <p:childTnLst>
-                                    <p:set>
-                                      <p:cBhvr>
-                                        <p:cTn id="12" dur="1" fill="hold">
-                                          <p:stCondLst>
-                                            <p:cond delay="0"/>
-                                          </p:stCondLst>
-                                        </p:cTn>
-                                        <p:tgtEl>
-                                          <p:spTgt spid="10"/>
-                                        </p:tgtEl>
-                                        <p:attrNameLst>
-                                          <p:attrName>style.visibility</p:attrName>
-                                        </p:attrNameLst>
-                                      </p:cBhvr>
-                                      <p:to>
-                                        <p:strVal val="visible"/>
-                                      </p:to>
-                                    </p:set>
-                                    <p:animEffect transition="in" filter="fade">
-                                      <p:cBhvr>
-                                        <p:cTn id="13" dur="2000"/>
-                                        <p:tgtEl>
-                                          <p:spTgt spid="10"/>
-                                        </p:tgtEl>
-                                      </p:cBhvr>
-                                    </p:animEffect>
-                                  </p:childTnLst>
-                                </p:cTn>
-                              </p:par>
-                            </p:childTnLst>
-                          </p:cTn>
-                        </p:par>
-                      </p:childTnLst>
-                    </p:cTn>
-                  </p:par>
-                </p:childTnLst>
-              </p:cTn>
-              <p:prevCondLst>
-                <p:cond evt="onPrev" delay="0">
-                  <p:tgtEl>
-                    <p:sldTgt/>
-                  </p:tgtEl>
-                </p:cond>
-              </p:prevCondLst>
-              <p:nextCondLst>
-                <p:cond evt="onNext" delay="0">
-                  <p:tgtEl>
-                    <p:sldTgt/>
-                  </p:tgtEl>
-                </p:cond>
-              </p:nextCondLst>
-            </p:seq>
-          </p:childTnLst>
-        </p:cTn>
-      </p:par>
-    </p:tnLst>
-    <p:bldLst>
-      <p:bldP spid="9" grpId="0" animBg="1"/>
-      <p:bldP spid="10" grpId="0"/>
-    </p:bldLst>
-  </p:timing>
-</p:sld>
-</file>
-
-<file path=ppt/slides/slide5.xml><?xml version="1.0" encoding="utf-8"?>
-<p:sld xmlns:a="http://schemas.openxmlformats.org/drawingml/2006/main" xmlns:r="http://schemas.openxmlformats.org/officeDocument/2006/relationships" xmlns:p="http://schemas.openxmlformats.org/presentationml/2006/main">
-  <p:cSld>
-    <p:spTree>
-      <p:nvGrpSpPr>
-        <p:cNvPr id="1" name=""/>
-        <p:cNvGrpSpPr/>
-        <p:nvPr/>
-      </p:nvGrpSpPr>
-      <p:grpSpPr>
-        <a:xfrm>
-          <a:off x="0" y="0"/>
-          <a:ext cx="0" cy="0"/>
-          <a:chOff x="0" y="0"/>
-          <a:chExt cx="0" cy="0"/>
-        </a:xfrm>
-      </p:grpSpPr>
-      <p:grpSp>
-        <p:nvGrpSpPr>
-          <p:cNvPr id="7" name="Gruppo 6"/>
-          <p:cNvGrpSpPr/>
-          <p:nvPr/>
-        </p:nvGrpSpPr>
-        <p:grpSpPr>
-          <a:xfrm>
-            <a:off x="5144081" y="4056354"/>
-            <a:ext cx="2310733" cy="1894385"/>
-            <a:chOff x="7520654" y="3275480"/>
-            <a:chExt cx="1868443" cy="1531787"/>
-          </a:xfrm>
-        </p:grpSpPr>
-        <p:pic>
-          <p:nvPicPr>
-            <p:cNvPr id="3077" name="Picture 5" descr="D:\MARCO\Università\Terzo anno\IngSoftware\sqlite.png"/>
-            <p:cNvPicPr>
-              <a:picLocks noChangeAspect="1" noChangeArrowheads="1"/>
-            </p:cNvPicPr>
-            <p:nvPr/>
-          </p:nvPicPr>
-          <p:blipFill rotWithShape="1">
-            <a:blip r:embed="rId2">
-              <a:extLst>
-                <a:ext uri="{28A0092B-C50C-407E-A947-70E740481C1C}">
-                  <a14:useLocalDpi xmlns:a14="http://schemas.microsoft.com/office/drawing/2010/main" val="0"/>
-                </a:ext>
-              </a:extLst>
-            </a:blip>
-            <a:srcRect t="20158" r="30083" b="25397"/>
-            <a:stretch/>
-          </p:blipFill>
-          <p:spPr bwMode="auto">
-            <a:xfrm>
-              <a:off x="7520654" y="4117827"/>
-              <a:ext cx="1338273" cy="689440"/>
-            </a:xfrm>
-            <a:prstGeom prst="rect">
-              <a:avLst/>
-            </a:prstGeom>
-            <a:noFill/>
-            <a:extLst>
-              <a:ext uri="{909E8E84-426E-40DD-AFC4-6F175D3DCCD1}">
-                <a14:hiddenFill xmlns:a14="http://schemas.microsoft.com/office/drawing/2010/main">
-                  <a:solidFill>
-                    <a:srgbClr val="FFFFFF"/>
-                  </a:solidFill>
-                </a14:hiddenFill>
-              </a:ext>
-            </a:extLst>
-          </p:spPr>
-        </p:pic>
-        <p:pic>
-          <p:nvPicPr>
-            <p:cNvPr id="3078" name="Picture 6" descr="D:\MARCO\Superiori\Esame\progetto\db.jpg"/>
-            <p:cNvPicPr>
-              <a:picLocks noChangeAspect="1" noChangeArrowheads="1"/>
-            </p:cNvPicPr>
-            <p:nvPr/>
-          </p:nvPicPr>
-          <p:blipFill>
-            <a:blip r:embed="rId3">
-              <a:extLst>
-                <a:ext uri="{28A0092B-C50C-407E-A947-70E740481C1C}">
-                  <a14:useLocalDpi xmlns:a14="http://schemas.microsoft.com/office/drawing/2010/main" val="0"/>
-                </a:ext>
-              </a:extLst>
-            </a:blip>
-            <a:srcRect/>
-            <a:stretch>
-              <a:fillRect/>
-            </a:stretch>
-          </p:blipFill>
-          <p:spPr bwMode="auto">
-            <a:xfrm>
-              <a:off x="8102535" y="3275480"/>
-              <a:ext cx="1286562" cy="1188178"/>
-            </a:xfrm>
-            <a:prstGeom prst="rect">
-              <a:avLst/>
-            </a:prstGeom>
-            <a:noFill/>
-            <a:extLst>
-              <a:ext uri="{909E8E84-426E-40DD-AFC4-6F175D3DCCD1}">
-                <a14:hiddenFill xmlns:a14="http://schemas.microsoft.com/office/drawing/2010/main">
-                  <a:solidFill>
-                    <a:srgbClr val="FFFFFF"/>
-                  </a:solidFill>
-                </a14:hiddenFill>
-              </a:ext>
-            </a:extLst>
-          </p:spPr>
-        </p:pic>
-      </p:grpSp>
       <p:sp>
         <p:nvSpPr>
-          <p:cNvPr id="13" name="Subtitle 2"/>
+          <p:cNvPr id="11" name="Subtitle 2"/>
           <p:cNvSpPr txBox="1">
             <a:spLocks/>
           </p:cNvSpPr>
@@ -16037,17 +15727,12 @@
         </p:nvSpPr>
         <p:spPr>
           <a:xfrm>
-            <a:off x="1670116" y="912317"/>
-            <a:ext cx="2780276" cy="4091230"/>
+            <a:off x="933250" y="4077346"/>
+            <a:ext cx="6892564" cy="787399"/>
           </a:xfrm>
           <a:prstGeom prst="rect">
             <a:avLst/>
           </a:prstGeom>
-          <a:ln>
-            <a:solidFill>
-              <a:schemeClr val="tx1"/>
-            </a:solidFill>
-          </a:ln>
         </p:spPr>
         <p:txBody>
           <a:bodyPr vert="horz" lIns="91440" tIns="45720" rIns="91440" bIns="45720" rtlCol="0">
@@ -16228,53 +15913,63 @@
           </a:lstStyle>
           <a:p>
             <a:pPr marL="0" indent="0" algn="r">
-              <a:lnSpc>
-                <a:spcPct val="100000"/>
-              </a:lnSpc>
-              <a:spcBef>
-                <a:spcPts val="0"/>
-              </a:spcBef>
               <a:buNone/>
             </a:pPr>
             <a:r>
-              <a:rPr lang="en-US" sz="4000" dirty="0" smtClean="0">
-                <a:latin typeface="+mj-lt"/>
-              </a:rPr>
-              <a:t>(Screen </a:t>
+              <a:rPr lang="en-US" sz="3500" dirty="0" err="1" smtClean="0"/>
+              <a:t>Scatta</a:t>
             </a:r>
             <a:r>
-              <a:rPr lang="en-US" sz="4000" dirty="0" err="1" smtClean="0">
-                <a:latin typeface="+mj-lt"/>
-              </a:rPr>
-              <a:t>Fotocamera</a:t>
+              <a:rPr lang="en-US" sz="3500" dirty="0" smtClean="0"/>
+              <a:t> </a:t>
             </a:r>
             <a:r>
-              <a:rPr lang="en-US" sz="4000" dirty="0" smtClean="0">
-                <a:latin typeface="+mj-lt"/>
-              </a:rPr>
-              <a:t> con </a:t>
+              <a:rPr lang="en-US" sz="3500" dirty="0" err="1" smtClean="0"/>
+              <a:t>una</a:t>
             </a:r>
             <a:r>
-              <a:rPr lang="en-US" sz="4000" dirty="0" err="1" smtClean="0">
-                <a:latin typeface="+mj-lt"/>
-              </a:rPr>
+              <a:rPr lang="en-US" sz="3500" dirty="0" smtClean="0"/>
+              <a:t> </a:t>
+            </a:r>
+            <a:r>
+              <a:rPr lang="en-US" sz="3500" dirty="0" err="1" smtClean="0"/>
+              <a:t>foto</a:t>
+            </a:r>
+            <a:r>
+              <a:rPr lang="en-US" sz="3500" dirty="0" smtClean="0"/>
+              <a:t> al </a:t>
+            </a:r>
+            <a:r>
+              <a:rPr lang="en-US" sz="3500" dirty="0" err="1" smtClean="0"/>
+              <a:t>tuo</a:t>
+            </a:r>
+            <a:r>
+              <a:rPr lang="en-US" sz="3500" dirty="0" smtClean="0"/>
+              <a:t> </a:t>
+            </a:r>
+            <a:r>
+              <a:rPr lang="en-US" sz="3500" dirty="0" err="1" smtClean="0"/>
+              <a:t>nuovo</a:t>
+            </a:r>
+            <a:r>
+              <a:rPr lang="en-US" sz="3500" dirty="0" smtClean="0"/>
+              <a:t> </a:t>
+            </a:r>
+            <a:r>
+              <a:rPr lang="en-US" sz="3500" dirty="0" err="1" smtClean="0"/>
               <a:t>scontrino</a:t>
             </a:r>
             <a:r>
-              <a:rPr lang="en-US" sz="4000" dirty="0" smtClean="0">
-                <a:latin typeface="+mj-lt"/>
-              </a:rPr>
-              <a:t>)</a:t>
+              <a:rPr lang="en-US" sz="3500" dirty="0" smtClean="0"/>
+              <a:t> </a:t>
             </a:r>
-            <a:endParaRPr lang="en-US" sz="4000" dirty="0">
-              <a:latin typeface="+mj-lt"/>
-            </a:endParaRPr>
+            <a:endParaRPr lang="en-US" sz="3500" dirty="0"/>
           </a:p>
         </p:txBody>
       </p:sp>
       <p:sp>
         <p:nvSpPr>
-          <p:cNvPr id="15" name="Subtitle 2"/>
+          <p:cNvPr id="12" name="Subtitle 2"/>
           <p:cNvSpPr txBox="1">
             <a:spLocks/>
           </p:cNvSpPr>
@@ -16282,17 +15977,12 @@
         </p:nvSpPr>
         <p:spPr>
           <a:xfrm>
-            <a:off x="8340976" y="912317"/>
-            <a:ext cx="2780276" cy="4091230"/>
+            <a:off x="933250" y="4868679"/>
+            <a:ext cx="6892564" cy="787399"/>
           </a:xfrm>
           <a:prstGeom prst="rect">
             <a:avLst/>
           </a:prstGeom>
-          <a:ln>
-            <a:solidFill>
-              <a:schemeClr val="tx1"/>
-            </a:solidFill>
-          </a:ln>
         </p:spPr>
         <p:txBody>
           <a:bodyPr vert="horz" lIns="91440" tIns="45720" rIns="91440" bIns="45720" rtlCol="0">
@@ -16473,170 +16163,70 @@
           </a:lstStyle>
           <a:p>
             <a:pPr marL="0" indent="0" algn="r">
-              <a:lnSpc>
-                <a:spcPct val="100000"/>
-              </a:lnSpc>
-              <a:spcBef>
-                <a:spcPts val="0"/>
-              </a:spcBef>
               <a:buNone/>
             </a:pPr>
             <a:r>
-              <a:rPr lang="en-US" sz="4000" dirty="0" smtClean="0">
-                <a:latin typeface="+mj-lt"/>
-              </a:rPr>
-              <a:t>(Screen </a:t>
+              <a:rPr lang="en-US" sz="3500" dirty="0" err="1" smtClean="0"/>
+              <a:t>Seleziona</a:t>
             </a:r>
             <a:r>
-              <a:rPr lang="en-US" sz="4000" dirty="0" err="1" smtClean="0">
-                <a:latin typeface="+mj-lt"/>
-              </a:rPr>
-              <a:t>Fotocamera</a:t>
-            </a:r>
-            <a:r>
-              <a:rPr lang="en-US" sz="4000" dirty="0" smtClean="0">
-                <a:latin typeface="+mj-lt"/>
-              </a:rPr>
+              <a:rPr lang="en-US" sz="3500" dirty="0" smtClean="0"/>
               <a:t> </a:t>
             </a:r>
             <a:r>
-              <a:rPr lang="en-US" sz="4000" dirty="0" err="1" smtClean="0">
-                <a:latin typeface="+mj-lt"/>
-              </a:rPr>
-              <a:t>lista</a:t>
+              <a:rPr lang="en-US" sz="3500" dirty="0" err="1" smtClean="0"/>
+              <a:t>quello</a:t>
             </a:r>
             <a:r>
-              <a:rPr lang="en-US" sz="4000" dirty="0" smtClean="0">
-                <a:latin typeface="+mj-lt"/>
-              </a:rPr>
+              <a:rPr lang="en-US" sz="3500" dirty="0" smtClean="0"/>
               <a:t> </a:t>
             </a:r>
             <a:r>
-              <a:rPr lang="en-US" sz="4000" dirty="0" err="1" smtClean="0">
-                <a:latin typeface="+mj-lt"/>
-              </a:rPr>
-              <a:t>consultabile</a:t>
+              <a:rPr lang="en-US" sz="3500" dirty="0" err="1" smtClean="0"/>
+              <a:t>che</a:t>
             </a:r>
             <a:r>
-              <a:rPr lang="en-US" sz="4000" dirty="0" smtClean="0">
-                <a:latin typeface="+mj-lt"/>
-              </a:rPr>
-              <a:t>)</a:t>
+              <a:rPr lang="en-US" sz="3500" dirty="0" smtClean="0"/>
+              <a:t> </a:t>
             </a:r>
-            <a:endParaRPr lang="en-US" sz="4000" dirty="0">
-              <a:latin typeface="+mj-lt"/>
-            </a:endParaRPr>
-          </a:p>
-        </p:txBody>
-      </p:sp>
-      <p:sp>
-        <p:nvSpPr>
-          <p:cNvPr id="20" name="Freccia curva 19"/>
-          <p:cNvSpPr/>
-          <p:nvPr/>
-        </p:nvSpPr>
-        <p:spPr>
-          <a:xfrm rot="4749782">
-            <a:off x="4841542" y="2721088"/>
-            <a:ext cx="1265190" cy="1172534"/>
-          </a:xfrm>
-          <a:prstGeom prst="bentArrow">
-            <a:avLst>
-              <a:gd name="adj1" fmla="val 8903"/>
-              <a:gd name="adj2" fmla="val 14602"/>
-              <a:gd name="adj3" fmla="val 22117"/>
-              <a:gd name="adj4" fmla="val 77883"/>
-            </a:avLst>
-          </a:prstGeom>
-        </p:spPr>
-        <p:style>
-          <a:lnRef idx="2">
-            <a:schemeClr val="accent1">
-              <a:shade val="50000"/>
-            </a:schemeClr>
-          </a:lnRef>
-          <a:fillRef idx="1">
-            <a:schemeClr val="accent1"/>
-          </a:fillRef>
-          <a:effectRef idx="0">
-            <a:schemeClr val="accent1"/>
-          </a:effectRef>
-          <a:fontRef idx="minor">
-            <a:schemeClr val="lt1"/>
-          </a:fontRef>
-        </p:style>
-        <p:txBody>
-          <a:bodyPr rtlCol="0" anchor="ctr"/>
-          <a:lstStyle/>
-          <a:p>
-            <a:pPr algn="ctr"/>
-            <a:endParaRPr lang="it-IT">
-              <a:solidFill>
-                <a:schemeClr val="tx1"/>
-              </a:solidFill>
-            </a:endParaRPr>
-          </a:p>
-        </p:txBody>
-      </p:sp>
-      <p:sp>
-        <p:nvSpPr>
-          <p:cNvPr id="28" name="Freccia curva 27"/>
-          <p:cNvSpPr/>
-          <p:nvPr/>
-        </p:nvSpPr>
-        <p:spPr>
-          <a:xfrm rot="6143465" flipV="1">
-            <a:off x="6653059" y="2733209"/>
-            <a:ext cx="1265190" cy="1172534"/>
-          </a:xfrm>
-          <a:prstGeom prst="bentArrow">
-            <a:avLst>
-              <a:gd name="adj1" fmla="val 8903"/>
-              <a:gd name="adj2" fmla="val 14602"/>
-              <a:gd name="adj3" fmla="val 22117"/>
-              <a:gd name="adj4" fmla="val 77883"/>
-            </a:avLst>
-          </a:prstGeom>
-        </p:spPr>
-        <p:style>
-          <a:lnRef idx="2">
-            <a:schemeClr val="accent1">
-              <a:shade val="50000"/>
-            </a:schemeClr>
-          </a:lnRef>
-          <a:fillRef idx="1">
-            <a:schemeClr val="accent1"/>
-          </a:fillRef>
-          <a:effectRef idx="0">
-            <a:schemeClr val="accent1"/>
-          </a:effectRef>
-          <a:fontRef idx="minor">
-            <a:schemeClr val="lt1"/>
-          </a:fontRef>
-        </p:style>
-        <p:txBody>
-          <a:bodyPr rtlCol="0" anchor="ctr"/>
-          <a:lstStyle/>
-          <a:p>
-            <a:pPr algn="ctr"/>
-            <a:endParaRPr lang="it-IT">
-              <a:solidFill>
-                <a:schemeClr val="tx1"/>
-              </a:solidFill>
-            </a:endParaRPr>
+            <a:r>
+              <a:rPr lang="en-US" sz="3500" dirty="0" err="1" smtClean="0"/>
+              <a:t>vuoi</a:t>
+            </a:r>
+            <a:r>
+              <a:rPr lang="en-US" sz="3500" dirty="0" smtClean="0"/>
+              <a:t> </a:t>
+            </a:r>
+            <a:r>
+              <a:rPr lang="en-US" sz="3500" dirty="0" err="1" smtClean="0"/>
+              <a:t>visualizzare</a:t>
+            </a:r>
+            <a:endParaRPr lang="en-US" sz="3500" dirty="0"/>
           </a:p>
         </p:txBody>
       </p:sp>
     </p:spTree>
     <p:extLst>
       <p:ext uri="{BB962C8B-B14F-4D97-AF65-F5344CB8AC3E}">
-        <p14:creationId xmlns:p14="http://schemas.microsoft.com/office/powerpoint/2010/main" val="210317983"/>
+        <p14:creationId xmlns:p14="http://schemas.microsoft.com/office/powerpoint/2010/main" val="2137361211"/>
       </p:ext>
     </p:extLst>
   </p:cSld>
   <p:clrMapOvr>
     <a:masterClrMapping/>
   </p:clrMapOvr>
+  <mc:AlternateContent xmlns:mc="http://schemas.openxmlformats.org/markup-compatibility/2006" xmlns:p14="http://schemas.microsoft.com/office/powerpoint/2010/main">
+    <mc:Choice Requires="p14">
+      <p:transition spd="slow" p14:dur="2000">
+        <p14:prism isContent="1"/>
+      </p:transition>
+    </mc:Choice>
+    <mc:Fallback xmlns="">
+      <p:transition spd="slow">
+        <p:fade/>
+      </p:transition>
+    </mc:Fallback>
+  </mc:AlternateContent>
   <p:timing>
     <p:tnLst>
       <p:par>
@@ -16674,7 +16264,7 @@
                                           </p:stCondLst>
                                         </p:cTn>
                                         <p:tgtEl>
-                                          <p:spTgt spid="13"/>
+                                          <p:spTgt spid="9"/>
                                         </p:tgtEl>
                                         <p:attrNameLst>
                                           <p:attrName>style.visibility</p:attrName>
@@ -16688,7 +16278,7 @@
                                       <p:cBhvr>
                                         <p:cTn id="7" dur="1000" fill="hold"/>
                                         <p:tgtEl>
-                                          <p:spTgt spid="13"/>
+                                          <p:spTgt spid="9"/>
                                         </p:tgtEl>
                                         <p:attrNameLst>
                                           <p:attrName>ppt_w</p:attrName>
@@ -16711,7 +16301,7 @@
                                       <p:cBhvr>
                                         <p:cTn id="8" dur="1000" fill="hold"/>
                                         <p:tgtEl>
-                                          <p:spTgt spid="13"/>
+                                          <p:spTgt spid="9"/>
                                         </p:tgtEl>
                                         <p:attrNameLst>
                                           <p:attrName>ppt_h</p:attrName>
@@ -16734,7 +16324,7 @@
                                       <p:cBhvr>
                                         <p:cTn id="9" dur="1000"/>
                                         <p:tgtEl>
-                                          <p:spTgt spid="13"/>
+                                          <p:spTgt spid="9"/>
                                         </p:tgtEl>
                                       </p:cBhvr>
                                     </p:animEffect>
@@ -16744,27 +16334,36 @@
                             </p:childTnLst>
                           </p:cTn>
                         </p:par>
+                      </p:childTnLst>
+                    </p:cTn>
+                  </p:par>
+                  <p:par>
+                    <p:cTn id="10" fill="hold">
+                      <p:stCondLst>
+                        <p:cond delay="indefinite"/>
+                      </p:stCondLst>
+                      <p:childTnLst>
                         <p:par>
-                          <p:cTn id="10" fill="hold">
+                          <p:cTn id="11" fill="hold">
                             <p:stCondLst>
-                              <p:cond delay="1500"/>
+                              <p:cond delay="0"/>
                             </p:stCondLst>
                             <p:childTnLst>
                               <p:par>
-                                <p:cTn id="11" presetID="53" presetClass="entr" presetSubtype="16" fill="hold" grpId="0" nodeType="afterEffect">
+                                <p:cTn id="12" presetID="10" presetClass="entr" presetSubtype="0" fill="hold" grpId="0" nodeType="clickEffect">
                                   <p:stCondLst>
-                                    <p:cond delay="500"/>
+                                    <p:cond delay="0"/>
                                   </p:stCondLst>
                                   <p:childTnLst>
                                     <p:set>
                                       <p:cBhvr>
-                                        <p:cTn id="12" dur="1" fill="hold">
+                                        <p:cTn id="13" dur="1" fill="hold">
                                           <p:stCondLst>
                                             <p:cond delay="0"/>
                                           </p:stCondLst>
                                         </p:cTn>
                                         <p:tgtEl>
-                                          <p:spTgt spid="15"/>
+                                          <p:spTgt spid="10"/>
                                         </p:tgtEl>
                                         <p:attrNameLst>
                                           <p:attrName>style.visibility</p:attrName>
@@ -16774,57 +16373,117 @@
                                         <p:strVal val="visible"/>
                                       </p:to>
                                     </p:set>
-                                    <p:anim calcmode="lin" valueType="num">
+                                    <p:animEffect transition="in" filter="fade">
                                       <p:cBhvr>
-                                        <p:cTn id="13" dur="1000" fill="hold"/>
+                                        <p:cTn id="14" dur="2000"/>
                                         <p:tgtEl>
-                                          <p:spTgt spid="15"/>
+                                          <p:spTgt spid="10"/>
+                                        </p:tgtEl>
+                                      </p:cBhvr>
+                                    </p:animEffect>
+                                  </p:childTnLst>
+                                </p:cTn>
+                              </p:par>
+                            </p:childTnLst>
+                          </p:cTn>
+                        </p:par>
+                      </p:childTnLst>
+                    </p:cTn>
+                  </p:par>
+                  <p:par>
+                    <p:cTn id="15" fill="hold">
+                      <p:stCondLst>
+                        <p:cond delay="indefinite"/>
+                      </p:stCondLst>
+                      <p:childTnLst>
+                        <p:par>
+                          <p:cTn id="16" fill="hold">
+                            <p:stCondLst>
+                              <p:cond delay="0"/>
+                            </p:stCondLst>
+                            <p:childTnLst>
+                              <p:par>
+                                <p:cTn id="17" presetID="10" presetClass="entr" presetSubtype="0" fill="hold" grpId="0" nodeType="clickEffect">
+                                  <p:stCondLst>
+                                    <p:cond delay="0"/>
+                                  </p:stCondLst>
+                                  <p:childTnLst>
+                                    <p:set>
+                                      <p:cBhvr>
+                                        <p:cTn id="18" dur="1" fill="hold">
+                                          <p:stCondLst>
+                                            <p:cond delay="0"/>
+                                          </p:stCondLst>
+                                        </p:cTn>
+                                        <p:tgtEl>
+                                          <p:spTgt spid="11"/>
                                         </p:tgtEl>
                                         <p:attrNameLst>
-                                          <p:attrName>ppt_w</p:attrName>
+                                          <p:attrName>style.visibility</p:attrName>
                                         </p:attrNameLst>
                                       </p:cBhvr>
-                                      <p:tavLst>
-                                        <p:tav tm="0">
-                                          <p:val>
-                                            <p:fltVal val="0"/>
-                                          </p:val>
-                                        </p:tav>
-                                        <p:tav tm="100000">
-                                          <p:val>
-                                            <p:strVal val="#ppt_w"/>
-                                          </p:val>
-                                        </p:tav>
-                                      </p:tavLst>
-                                    </p:anim>
-                                    <p:anim calcmode="lin" valueType="num">
+                                      <p:to>
+                                        <p:strVal val="visible"/>
+                                      </p:to>
+                                    </p:set>
+                                    <p:animEffect transition="in" filter="fade">
                                       <p:cBhvr>
-                                        <p:cTn id="14" dur="1000" fill="hold"/>
+                                        <p:cTn id="19" dur="2000"/>
                                         <p:tgtEl>
-                                          <p:spTgt spid="15"/>
+                                          <p:spTgt spid="11"/>
+                                        </p:tgtEl>
+                                      </p:cBhvr>
+                                    </p:animEffect>
+                                  </p:childTnLst>
+                                </p:cTn>
+                              </p:par>
+                            </p:childTnLst>
+                          </p:cTn>
+                        </p:par>
+                      </p:childTnLst>
+                    </p:cTn>
+                  </p:par>
+                  <p:par>
+                    <p:cTn id="20" fill="hold">
+                      <p:stCondLst>
+                        <p:cond delay="indefinite"/>
+                      </p:stCondLst>
+                      <p:childTnLst>
+                        <p:par>
+                          <p:cTn id="21" fill="hold">
+                            <p:stCondLst>
+                              <p:cond delay="0"/>
+                            </p:stCondLst>
+                            <p:childTnLst>
+                              <p:par>
+                                <p:cTn id="22" presetID="10" presetClass="entr" presetSubtype="0" fill="hold" grpId="0" nodeType="clickEffect">
+                                  <p:stCondLst>
+                                    <p:cond delay="0"/>
+                                  </p:stCondLst>
+                                  <p:childTnLst>
+                                    <p:set>
+                                      <p:cBhvr>
+                                        <p:cTn id="23" dur="1" fill="hold">
+                                          <p:stCondLst>
+                                            <p:cond delay="0"/>
+                                          </p:stCondLst>
+                                        </p:cTn>
+                                        <p:tgtEl>
+                                          <p:spTgt spid="12"/>
                                         </p:tgtEl>
                                         <p:attrNameLst>
-                                          <p:attrName>ppt_h</p:attrName>
+                                          <p:attrName>style.visibility</p:attrName>
                                         </p:attrNameLst>
                                       </p:cBhvr>
-                                      <p:tavLst>
-                                        <p:tav tm="0">
-                                          <p:val>
-                                            <p:fltVal val="0"/>
-                                          </p:val>
-                                        </p:tav>
-                                        <p:tav tm="100000">
-                                          <p:val>
-                                            <p:strVal val="#ppt_h"/>
-                                          </p:val>
-                                        </p:tav>
-                                      </p:tavLst>
-                                    </p:anim>
+                                      <p:to>
+                                        <p:strVal val="visible"/>
+                                      </p:to>
+                                    </p:set>
                                     <p:animEffect transition="in" filter="fade">
                                       <p:cBhvr>
-                                        <p:cTn id="15" dur="1000"/>
+                                        <p:cTn id="24" dur="2000"/>
                                         <p:tgtEl>
-                                          <p:spTgt spid="15"/>
+                                          <p:spTgt spid="12"/>
                                         </p:tgtEl>
                                       </p:cBhvr>
                                     </p:animEffect>
@@ -16859,8 +16518,2326 @@
       </p:par>
     </p:tnLst>
     <p:bldLst>
-      <p:bldP spid="13" grpId="0" animBg="1"/>
-      <p:bldP spid="15" grpId="0" animBg="1"/>
+      <p:bldP spid="9" grpId="0" animBg="1"/>
+      <p:bldP spid="10" grpId="0"/>
+      <p:bldP spid="11" grpId="0"/>
+      <p:bldP spid="12" grpId="0"/>
+    </p:bldLst>
+  </p:timing>
+</p:sld>
+</file>
+
+<file path=ppt/slides/slide5.xml><?xml version="1.0" encoding="utf-8"?>
+<p:sld xmlns:a="http://schemas.openxmlformats.org/drawingml/2006/main" xmlns:r="http://schemas.openxmlformats.org/officeDocument/2006/relationships" xmlns:p="http://schemas.openxmlformats.org/presentationml/2006/main">
+  <p:cSld>
+    <p:spTree>
+      <p:nvGrpSpPr>
+        <p:cNvPr id="1" name=""/>
+        <p:cNvGrpSpPr/>
+        <p:nvPr/>
+      </p:nvGrpSpPr>
+      <p:grpSpPr>
+        <a:xfrm>
+          <a:off x="0" y="0"/>
+          <a:ext cx="0" cy="0"/>
+          <a:chOff x="0" y="0"/>
+          <a:chExt cx="0" cy="0"/>
+        </a:xfrm>
+      </p:grpSpPr>
+      <p:grpSp>
+        <p:nvGrpSpPr>
+          <p:cNvPr id="7" name="Gruppo 6"/>
+          <p:cNvGrpSpPr/>
+          <p:nvPr/>
+        </p:nvGrpSpPr>
+        <p:grpSpPr>
+          <a:xfrm>
+            <a:off x="8983745" y="1567086"/>
+            <a:ext cx="1782879" cy="1461639"/>
+            <a:chOff x="7520654" y="3275480"/>
+            <a:chExt cx="1868443" cy="1531787"/>
+          </a:xfrm>
+        </p:grpSpPr>
+        <p:pic>
+          <p:nvPicPr>
+            <p:cNvPr id="3077" name="Picture 5" descr="D:\MARCO\Università\Terzo anno\IngSoftware\sqlite.png"/>
+            <p:cNvPicPr>
+              <a:picLocks noChangeAspect="1" noChangeArrowheads="1"/>
+            </p:cNvPicPr>
+            <p:nvPr/>
+          </p:nvPicPr>
+          <p:blipFill rotWithShape="1">
+            <a:blip r:embed="rId2">
+              <a:extLst>
+                <a:ext uri="{28A0092B-C50C-407E-A947-70E740481C1C}">
+                  <a14:useLocalDpi xmlns:a14="http://schemas.microsoft.com/office/drawing/2010/main" val="0"/>
+                </a:ext>
+              </a:extLst>
+            </a:blip>
+            <a:srcRect t="20158" r="30083" b="25397"/>
+            <a:stretch/>
+          </p:blipFill>
+          <p:spPr bwMode="auto">
+            <a:xfrm>
+              <a:off x="7520654" y="4117827"/>
+              <a:ext cx="1338273" cy="689440"/>
+            </a:xfrm>
+            <a:prstGeom prst="rect">
+              <a:avLst/>
+            </a:prstGeom>
+            <a:noFill/>
+            <a:extLst>
+              <a:ext uri="{909E8E84-426E-40DD-AFC4-6F175D3DCCD1}">
+                <a14:hiddenFill xmlns:a14="http://schemas.microsoft.com/office/drawing/2010/main">
+                  <a:solidFill>
+                    <a:srgbClr val="FFFFFF"/>
+                  </a:solidFill>
+                </a14:hiddenFill>
+              </a:ext>
+            </a:extLst>
+          </p:spPr>
+        </p:pic>
+        <p:pic>
+          <p:nvPicPr>
+            <p:cNvPr id="3078" name="Picture 6" descr="D:\MARCO\Superiori\Esame\progetto\db.jpg"/>
+            <p:cNvPicPr>
+              <a:picLocks noChangeAspect="1" noChangeArrowheads="1"/>
+            </p:cNvPicPr>
+            <p:nvPr/>
+          </p:nvPicPr>
+          <p:blipFill>
+            <a:blip r:embed="rId3">
+              <a:extLst>
+                <a:ext uri="{28A0092B-C50C-407E-A947-70E740481C1C}">
+                  <a14:useLocalDpi xmlns:a14="http://schemas.microsoft.com/office/drawing/2010/main" val="0"/>
+                </a:ext>
+              </a:extLst>
+            </a:blip>
+            <a:srcRect/>
+            <a:stretch>
+              <a:fillRect/>
+            </a:stretch>
+          </p:blipFill>
+          <p:spPr bwMode="auto">
+            <a:xfrm>
+              <a:off x="8102535" y="3275480"/>
+              <a:ext cx="1286562" cy="1188178"/>
+            </a:xfrm>
+            <a:prstGeom prst="rect">
+              <a:avLst/>
+            </a:prstGeom>
+            <a:noFill/>
+            <a:extLst>
+              <a:ext uri="{909E8E84-426E-40DD-AFC4-6F175D3DCCD1}">
+                <a14:hiddenFill xmlns:a14="http://schemas.microsoft.com/office/drawing/2010/main">
+                  <a:solidFill>
+                    <a:srgbClr val="FFFFFF"/>
+                  </a:solidFill>
+                </a14:hiddenFill>
+              </a:ext>
+            </a:extLst>
+          </p:spPr>
+        </p:pic>
+      </p:grpSp>
+      <p:grpSp>
+        <p:nvGrpSpPr>
+          <p:cNvPr id="2" name="Gruppo 1"/>
+          <p:cNvGrpSpPr/>
+          <p:nvPr/>
+        </p:nvGrpSpPr>
+        <p:grpSpPr>
+          <a:xfrm>
+            <a:off x="6591611" y="512951"/>
+            <a:ext cx="5195036" cy="902795"/>
+            <a:chOff x="1592263" y="410985"/>
+            <a:chExt cx="5195036" cy="902795"/>
+          </a:xfrm>
+        </p:grpSpPr>
+        <p:pic>
+          <p:nvPicPr>
+            <p:cNvPr id="9" name="Picture 2" descr="D:\MARCO\Università\Terzo anno\IngSoftware\scontrino.jpg"/>
+            <p:cNvPicPr>
+              <a:picLocks noChangeAspect="1" noChangeArrowheads="1"/>
+            </p:cNvPicPr>
+            <p:nvPr/>
+          </p:nvPicPr>
+          <p:blipFill rotWithShape="1">
+            <a:blip r:embed="rId4">
+              <a:extLst>
+                <a:ext uri="{28A0092B-C50C-407E-A947-70E740481C1C}">
+                  <a14:useLocalDpi xmlns:a14="http://schemas.microsoft.com/office/drawing/2010/main" val="0"/>
+                </a:ext>
+              </a:extLst>
+            </a:blip>
+            <a:srcRect l="17865" r="9745"/>
+            <a:stretch/>
+          </p:blipFill>
+          <p:spPr bwMode="auto">
+            <a:xfrm>
+              <a:off x="1592263" y="410985"/>
+              <a:ext cx="981255" cy="902795"/>
+            </a:xfrm>
+            <a:prstGeom prst="rect">
+              <a:avLst/>
+            </a:prstGeom>
+            <a:ln w="57150" cap="sq">
+              <a:solidFill>
+                <a:srgbClr val="000000"/>
+              </a:solidFill>
+              <a:miter lim="800000"/>
+            </a:ln>
+            <a:effectLst/>
+            <a:extLst>
+              <a:ext uri="{909E8E84-426E-40DD-AFC4-6F175D3DCCD1}">
+                <a14:hiddenFill xmlns:a14="http://schemas.microsoft.com/office/drawing/2010/main">
+                  <a:solidFill>
+                    <a:srgbClr val="FFFFFF"/>
+                  </a:solidFill>
+                </a14:hiddenFill>
+              </a:ext>
+            </a:extLst>
+          </p:spPr>
+        </p:pic>
+        <p:sp>
+          <p:nvSpPr>
+            <p:cNvPr id="10" name="Subtitle 2"/>
+            <p:cNvSpPr txBox="1">
+              <a:spLocks/>
+            </p:cNvSpPr>
+            <p:nvPr/>
+          </p:nvSpPr>
+          <p:spPr>
+            <a:xfrm>
+              <a:off x="2733773" y="488126"/>
+              <a:ext cx="4053526" cy="748511"/>
+            </a:xfrm>
+            <a:prstGeom prst="rect">
+              <a:avLst/>
+            </a:prstGeom>
+          </p:spPr>
+          <p:txBody>
+            <a:bodyPr vert="horz" lIns="91440" tIns="45720" rIns="91440" bIns="45720" rtlCol="0">
+              <a:noAutofit/>
+            </a:bodyPr>
+            <a:lstStyle>
+              <a:lvl1pPr marL="228600" indent="-228600" algn="l" defTabSz="914400" rtl="0" eaLnBrk="1" latinLnBrk="0" hangingPunct="1">
+                <a:lnSpc>
+                  <a:spcPct val="120000"/>
+                </a:lnSpc>
+                <a:spcBef>
+                  <a:spcPts val="1000"/>
+                </a:spcBef>
+                <a:buSzPct val="125000"/>
+                <a:buFont typeface="Arial" panose="020B0604020202020204" pitchFamily="34" charset="0"/>
+                <a:buChar char="•"/>
+                <a:defRPr sz="2400" kern="1200">
+                  <a:solidFill>
+                    <a:schemeClr val="tx1"/>
+                  </a:solidFill>
+                  <a:latin typeface="+mn-lt"/>
+                  <a:ea typeface="+mn-ea"/>
+                  <a:cs typeface="+mn-cs"/>
+                </a:defRPr>
+              </a:lvl1pPr>
+              <a:lvl2pPr marL="685800" indent="-228600" algn="l" defTabSz="914400" rtl="0" eaLnBrk="1" latinLnBrk="0" hangingPunct="1">
+                <a:lnSpc>
+                  <a:spcPct val="120000"/>
+                </a:lnSpc>
+                <a:spcBef>
+                  <a:spcPts val="500"/>
+                </a:spcBef>
+                <a:buSzPct val="125000"/>
+                <a:buFont typeface="Arial" panose="020B0604020202020204" pitchFamily="34" charset="0"/>
+                <a:buChar char="•"/>
+                <a:defRPr sz="2000" kern="1200">
+                  <a:solidFill>
+                    <a:schemeClr val="tx1"/>
+                  </a:solidFill>
+                  <a:latin typeface="+mn-lt"/>
+                  <a:ea typeface="+mn-ea"/>
+                  <a:cs typeface="+mn-cs"/>
+                </a:defRPr>
+              </a:lvl2pPr>
+              <a:lvl3pPr marL="1143000" indent="-228600" algn="l" defTabSz="914400" rtl="0" eaLnBrk="1" latinLnBrk="0" hangingPunct="1">
+                <a:lnSpc>
+                  <a:spcPct val="120000"/>
+                </a:lnSpc>
+                <a:spcBef>
+                  <a:spcPts val="500"/>
+                </a:spcBef>
+                <a:buSzPct val="125000"/>
+                <a:buFont typeface="Arial" panose="020B0604020202020204" pitchFamily="34" charset="0"/>
+                <a:buChar char="•"/>
+                <a:defRPr sz="1800" kern="1200">
+                  <a:solidFill>
+                    <a:schemeClr val="tx1"/>
+                  </a:solidFill>
+                  <a:latin typeface="+mn-lt"/>
+                  <a:ea typeface="+mn-ea"/>
+                  <a:cs typeface="+mn-cs"/>
+                </a:defRPr>
+              </a:lvl3pPr>
+              <a:lvl4pPr marL="1600200" indent="-228600" algn="l" defTabSz="914400" rtl="0" eaLnBrk="1" latinLnBrk="0" hangingPunct="1">
+                <a:lnSpc>
+                  <a:spcPct val="120000"/>
+                </a:lnSpc>
+                <a:spcBef>
+                  <a:spcPts val="500"/>
+                </a:spcBef>
+                <a:buSzPct val="125000"/>
+                <a:buFont typeface="Arial" panose="020B0604020202020204" pitchFamily="34" charset="0"/>
+                <a:buChar char="•"/>
+                <a:defRPr sz="1600" kern="1200">
+                  <a:solidFill>
+                    <a:schemeClr val="tx1"/>
+                  </a:solidFill>
+                  <a:latin typeface="+mn-lt"/>
+                  <a:ea typeface="+mn-ea"/>
+                  <a:cs typeface="+mn-cs"/>
+                </a:defRPr>
+              </a:lvl4pPr>
+              <a:lvl5pPr marL="2057400" indent="-228600" algn="l" defTabSz="914400" rtl="0" eaLnBrk="1" latinLnBrk="0" hangingPunct="1">
+                <a:lnSpc>
+                  <a:spcPct val="120000"/>
+                </a:lnSpc>
+                <a:spcBef>
+                  <a:spcPts val="500"/>
+                </a:spcBef>
+                <a:buSzPct val="125000"/>
+                <a:buFont typeface="Arial" panose="020B0604020202020204" pitchFamily="34" charset="0"/>
+                <a:buChar char="•"/>
+                <a:defRPr sz="1600" kern="1200">
+                  <a:solidFill>
+                    <a:schemeClr val="tx1"/>
+                  </a:solidFill>
+                  <a:latin typeface="+mn-lt"/>
+                  <a:ea typeface="+mn-ea"/>
+                  <a:cs typeface="+mn-cs"/>
+                </a:defRPr>
+              </a:lvl5pPr>
+              <a:lvl6pPr marL="2514600" indent="-228600" algn="l" defTabSz="914400" rtl="0" eaLnBrk="1" latinLnBrk="0" hangingPunct="1">
+                <a:lnSpc>
+                  <a:spcPct val="120000"/>
+                </a:lnSpc>
+                <a:spcBef>
+                  <a:spcPts val="500"/>
+                </a:spcBef>
+                <a:buSzPct val="125000"/>
+                <a:buFont typeface="Arial" panose="020B0604020202020204" pitchFamily="34" charset="0"/>
+                <a:buChar char="•"/>
+                <a:defRPr sz="1400" kern="1200">
+                  <a:solidFill>
+                    <a:schemeClr val="tx1"/>
+                  </a:solidFill>
+                  <a:latin typeface="+mn-lt"/>
+                  <a:ea typeface="+mn-ea"/>
+                  <a:cs typeface="+mn-cs"/>
+                </a:defRPr>
+              </a:lvl6pPr>
+              <a:lvl7pPr marL="2971800" indent="-228600" algn="l" defTabSz="914400" rtl="0" eaLnBrk="1" latinLnBrk="0" hangingPunct="1">
+                <a:lnSpc>
+                  <a:spcPct val="120000"/>
+                </a:lnSpc>
+                <a:spcBef>
+                  <a:spcPts val="500"/>
+                </a:spcBef>
+                <a:buSzPct val="125000"/>
+                <a:buFont typeface="Arial" panose="020B0604020202020204" pitchFamily="34" charset="0"/>
+                <a:buChar char="•"/>
+                <a:defRPr sz="1400" kern="1200">
+                  <a:solidFill>
+                    <a:schemeClr val="tx1"/>
+                  </a:solidFill>
+                  <a:latin typeface="+mn-lt"/>
+                  <a:ea typeface="+mn-ea"/>
+                  <a:cs typeface="+mn-cs"/>
+                </a:defRPr>
+              </a:lvl7pPr>
+              <a:lvl8pPr marL="3429000" indent="-228600" algn="l" defTabSz="914400" rtl="0" eaLnBrk="1" latinLnBrk="0" hangingPunct="1">
+                <a:lnSpc>
+                  <a:spcPct val="120000"/>
+                </a:lnSpc>
+                <a:spcBef>
+                  <a:spcPts val="500"/>
+                </a:spcBef>
+                <a:buSzPct val="125000"/>
+                <a:buFont typeface="Arial" panose="020B0604020202020204" pitchFamily="34" charset="0"/>
+                <a:buChar char="•"/>
+                <a:defRPr sz="1400" kern="1200">
+                  <a:solidFill>
+                    <a:schemeClr val="tx1"/>
+                  </a:solidFill>
+                  <a:latin typeface="+mn-lt"/>
+                  <a:ea typeface="+mn-ea"/>
+                  <a:cs typeface="+mn-cs"/>
+                </a:defRPr>
+              </a:lvl8pPr>
+              <a:lvl9pPr marL="3886200" indent="-228600" algn="l" defTabSz="914400" rtl="0" eaLnBrk="1" latinLnBrk="0" hangingPunct="1">
+                <a:lnSpc>
+                  <a:spcPct val="120000"/>
+                </a:lnSpc>
+                <a:spcBef>
+                  <a:spcPts val="500"/>
+                </a:spcBef>
+                <a:buSzPct val="125000"/>
+                <a:buFont typeface="Arial" panose="020B0604020202020204" pitchFamily="34" charset="0"/>
+                <a:buChar char="•"/>
+                <a:defRPr sz="1400" kern="1200">
+                  <a:solidFill>
+                    <a:schemeClr val="tx1"/>
+                  </a:solidFill>
+                  <a:latin typeface="+mn-lt"/>
+                  <a:ea typeface="+mn-ea"/>
+                  <a:cs typeface="+mn-cs"/>
+                </a:defRPr>
+              </a:lvl9pPr>
+            </a:lstStyle>
+            <a:p>
+              <a:pPr marL="0" indent="0">
+                <a:lnSpc>
+                  <a:spcPct val="100000"/>
+                </a:lnSpc>
+                <a:spcBef>
+                  <a:spcPts val="0"/>
+                </a:spcBef>
+                <a:buNone/>
+              </a:pPr>
+              <a:r>
+                <a:rPr lang="en-US" sz="4400" dirty="0" smtClean="0">
+                  <a:latin typeface="+mj-lt"/>
+                </a:rPr>
+                <a:t>Ticket Search</a:t>
+              </a:r>
+              <a:endParaRPr lang="en-US" sz="4400" dirty="0">
+                <a:latin typeface="+mj-lt"/>
+              </a:endParaRPr>
+            </a:p>
+          </p:txBody>
+        </p:sp>
+      </p:grpSp>
+      <p:sp>
+        <p:nvSpPr>
+          <p:cNvPr id="11" name="Subtitle 2"/>
+          <p:cNvSpPr txBox="1">
+            <a:spLocks/>
+          </p:cNvSpPr>
+          <p:nvPr/>
+        </p:nvSpPr>
+        <p:spPr>
+          <a:xfrm>
+            <a:off x="1227468" y="590094"/>
+            <a:ext cx="4965509" cy="748511"/>
+          </a:xfrm>
+          <a:prstGeom prst="rect">
+            <a:avLst/>
+          </a:prstGeom>
+        </p:spPr>
+        <p:txBody>
+          <a:bodyPr vert="horz" lIns="91440" tIns="45720" rIns="91440" bIns="45720" rtlCol="0">
+            <a:noAutofit/>
+          </a:bodyPr>
+          <a:lstStyle>
+            <a:lvl1pPr marL="228600" indent="-228600" algn="l" defTabSz="914400" rtl="0" eaLnBrk="1" latinLnBrk="0" hangingPunct="1">
+              <a:lnSpc>
+                <a:spcPct val="120000"/>
+              </a:lnSpc>
+              <a:spcBef>
+                <a:spcPts val="1000"/>
+              </a:spcBef>
+              <a:buSzPct val="125000"/>
+              <a:buFont typeface="Arial" panose="020B0604020202020204" pitchFamily="34" charset="0"/>
+              <a:buChar char="•"/>
+              <a:defRPr sz="2400" kern="1200">
+                <a:solidFill>
+                  <a:schemeClr val="tx1"/>
+                </a:solidFill>
+                <a:latin typeface="+mn-lt"/>
+                <a:ea typeface="+mn-ea"/>
+                <a:cs typeface="+mn-cs"/>
+              </a:defRPr>
+            </a:lvl1pPr>
+            <a:lvl2pPr marL="685800" indent="-228600" algn="l" defTabSz="914400" rtl="0" eaLnBrk="1" latinLnBrk="0" hangingPunct="1">
+              <a:lnSpc>
+                <a:spcPct val="120000"/>
+              </a:lnSpc>
+              <a:spcBef>
+                <a:spcPts val="500"/>
+              </a:spcBef>
+              <a:buSzPct val="125000"/>
+              <a:buFont typeface="Arial" panose="020B0604020202020204" pitchFamily="34" charset="0"/>
+              <a:buChar char="•"/>
+              <a:defRPr sz="2000" kern="1200">
+                <a:solidFill>
+                  <a:schemeClr val="tx1"/>
+                </a:solidFill>
+                <a:latin typeface="+mn-lt"/>
+                <a:ea typeface="+mn-ea"/>
+                <a:cs typeface="+mn-cs"/>
+              </a:defRPr>
+            </a:lvl2pPr>
+            <a:lvl3pPr marL="1143000" indent="-228600" algn="l" defTabSz="914400" rtl="0" eaLnBrk="1" latinLnBrk="0" hangingPunct="1">
+              <a:lnSpc>
+                <a:spcPct val="120000"/>
+              </a:lnSpc>
+              <a:spcBef>
+                <a:spcPts val="500"/>
+              </a:spcBef>
+              <a:buSzPct val="125000"/>
+              <a:buFont typeface="Arial" panose="020B0604020202020204" pitchFamily="34" charset="0"/>
+              <a:buChar char="•"/>
+              <a:defRPr sz="1800" kern="1200">
+                <a:solidFill>
+                  <a:schemeClr val="tx1"/>
+                </a:solidFill>
+                <a:latin typeface="+mn-lt"/>
+                <a:ea typeface="+mn-ea"/>
+                <a:cs typeface="+mn-cs"/>
+              </a:defRPr>
+            </a:lvl3pPr>
+            <a:lvl4pPr marL="1600200" indent="-228600" algn="l" defTabSz="914400" rtl="0" eaLnBrk="1" latinLnBrk="0" hangingPunct="1">
+              <a:lnSpc>
+                <a:spcPct val="120000"/>
+              </a:lnSpc>
+              <a:spcBef>
+                <a:spcPts val="500"/>
+              </a:spcBef>
+              <a:buSzPct val="125000"/>
+              <a:buFont typeface="Arial" panose="020B0604020202020204" pitchFamily="34" charset="0"/>
+              <a:buChar char="•"/>
+              <a:defRPr sz="1600" kern="1200">
+                <a:solidFill>
+                  <a:schemeClr val="tx1"/>
+                </a:solidFill>
+                <a:latin typeface="+mn-lt"/>
+                <a:ea typeface="+mn-ea"/>
+                <a:cs typeface="+mn-cs"/>
+              </a:defRPr>
+            </a:lvl4pPr>
+            <a:lvl5pPr marL="2057400" indent="-228600" algn="l" defTabSz="914400" rtl="0" eaLnBrk="1" latinLnBrk="0" hangingPunct="1">
+              <a:lnSpc>
+                <a:spcPct val="120000"/>
+              </a:lnSpc>
+              <a:spcBef>
+                <a:spcPts val="500"/>
+              </a:spcBef>
+              <a:buSzPct val="125000"/>
+              <a:buFont typeface="Arial" panose="020B0604020202020204" pitchFamily="34" charset="0"/>
+              <a:buChar char="•"/>
+              <a:defRPr sz="1600" kern="1200">
+                <a:solidFill>
+                  <a:schemeClr val="tx1"/>
+                </a:solidFill>
+                <a:latin typeface="+mn-lt"/>
+                <a:ea typeface="+mn-ea"/>
+                <a:cs typeface="+mn-cs"/>
+              </a:defRPr>
+            </a:lvl5pPr>
+            <a:lvl6pPr marL="2514600" indent="-228600" algn="l" defTabSz="914400" rtl="0" eaLnBrk="1" latinLnBrk="0" hangingPunct="1">
+              <a:lnSpc>
+                <a:spcPct val="120000"/>
+              </a:lnSpc>
+              <a:spcBef>
+                <a:spcPts val="500"/>
+              </a:spcBef>
+              <a:buSzPct val="125000"/>
+              <a:buFont typeface="Arial" panose="020B0604020202020204" pitchFamily="34" charset="0"/>
+              <a:buChar char="•"/>
+              <a:defRPr sz="1400" kern="1200">
+                <a:solidFill>
+                  <a:schemeClr val="tx1"/>
+                </a:solidFill>
+                <a:latin typeface="+mn-lt"/>
+                <a:ea typeface="+mn-ea"/>
+                <a:cs typeface="+mn-cs"/>
+              </a:defRPr>
+            </a:lvl6pPr>
+            <a:lvl7pPr marL="2971800" indent="-228600" algn="l" defTabSz="914400" rtl="0" eaLnBrk="1" latinLnBrk="0" hangingPunct="1">
+              <a:lnSpc>
+                <a:spcPct val="120000"/>
+              </a:lnSpc>
+              <a:spcBef>
+                <a:spcPts val="500"/>
+              </a:spcBef>
+              <a:buSzPct val="125000"/>
+              <a:buFont typeface="Arial" panose="020B0604020202020204" pitchFamily="34" charset="0"/>
+              <a:buChar char="•"/>
+              <a:defRPr sz="1400" kern="1200">
+                <a:solidFill>
+                  <a:schemeClr val="tx1"/>
+                </a:solidFill>
+                <a:latin typeface="+mn-lt"/>
+                <a:ea typeface="+mn-ea"/>
+                <a:cs typeface="+mn-cs"/>
+              </a:defRPr>
+            </a:lvl7pPr>
+            <a:lvl8pPr marL="3429000" indent="-228600" algn="l" defTabSz="914400" rtl="0" eaLnBrk="1" latinLnBrk="0" hangingPunct="1">
+              <a:lnSpc>
+                <a:spcPct val="120000"/>
+              </a:lnSpc>
+              <a:spcBef>
+                <a:spcPts val="500"/>
+              </a:spcBef>
+              <a:buSzPct val="125000"/>
+              <a:buFont typeface="Arial" panose="020B0604020202020204" pitchFamily="34" charset="0"/>
+              <a:buChar char="•"/>
+              <a:defRPr sz="1400" kern="1200">
+                <a:solidFill>
+                  <a:schemeClr val="tx1"/>
+                </a:solidFill>
+                <a:latin typeface="+mn-lt"/>
+                <a:ea typeface="+mn-ea"/>
+                <a:cs typeface="+mn-cs"/>
+              </a:defRPr>
+            </a:lvl8pPr>
+            <a:lvl9pPr marL="3886200" indent="-228600" algn="l" defTabSz="914400" rtl="0" eaLnBrk="1" latinLnBrk="0" hangingPunct="1">
+              <a:lnSpc>
+                <a:spcPct val="120000"/>
+              </a:lnSpc>
+              <a:spcBef>
+                <a:spcPts val="500"/>
+              </a:spcBef>
+              <a:buSzPct val="125000"/>
+              <a:buFont typeface="Arial" panose="020B0604020202020204" pitchFamily="34" charset="0"/>
+              <a:buChar char="•"/>
+              <a:defRPr sz="1400" kern="1200">
+                <a:solidFill>
+                  <a:schemeClr val="tx1"/>
+                </a:solidFill>
+                <a:latin typeface="+mn-lt"/>
+                <a:ea typeface="+mn-ea"/>
+                <a:cs typeface="+mn-cs"/>
+              </a:defRPr>
+            </a:lvl9pPr>
+          </a:lstStyle>
+          <a:p>
+            <a:pPr marL="0" indent="0">
+              <a:lnSpc>
+                <a:spcPct val="100000"/>
+              </a:lnSpc>
+              <a:spcBef>
+                <a:spcPts val="0"/>
+              </a:spcBef>
+              <a:buNone/>
+            </a:pPr>
+            <a:r>
+              <a:rPr lang="en-US" sz="4400" b="1" dirty="0" smtClean="0"/>
+              <a:t>IMPLEMENTAZIONE</a:t>
+            </a:r>
+            <a:endParaRPr lang="en-US" sz="4400" dirty="0">
+              <a:latin typeface="+mj-lt"/>
+            </a:endParaRPr>
+          </a:p>
+        </p:txBody>
+      </p:sp>
+      <p:sp>
+        <p:nvSpPr>
+          <p:cNvPr id="16" name="Subtitle 2"/>
+          <p:cNvSpPr txBox="1">
+            <a:spLocks/>
+          </p:cNvSpPr>
+          <p:nvPr/>
+        </p:nvSpPr>
+        <p:spPr>
+          <a:xfrm>
+            <a:off x="1227468" y="1904207"/>
+            <a:ext cx="7096873" cy="787399"/>
+          </a:xfrm>
+          <a:prstGeom prst="rect">
+            <a:avLst/>
+          </a:prstGeom>
+        </p:spPr>
+        <p:txBody>
+          <a:bodyPr vert="horz" lIns="91440" tIns="45720" rIns="91440" bIns="45720" rtlCol="0">
+            <a:noAutofit/>
+          </a:bodyPr>
+          <a:lstStyle>
+            <a:lvl1pPr marL="228600" indent="-228600" algn="l" defTabSz="914400" rtl="0" eaLnBrk="1" latinLnBrk="0" hangingPunct="1">
+              <a:lnSpc>
+                <a:spcPct val="120000"/>
+              </a:lnSpc>
+              <a:spcBef>
+                <a:spcPts val="1000"/>
+              </a:spcBef>
+              <a:buSzPct val="125000"/>
+              <a:buFont typeface="Arial" panose="020B0604020202020204" pitchFamily="34" charset="0"/>
+              <a:buChar char="•"/>
+              <a:defRPr sz="2400" kern="1200">
+                <a:solidFill>
+                  <a:schemeClr val="tx1"/>
+                </a:solidFill>
+                <a:latin typeface="+mn-lt"/>
+                <a:ea typeface="+mn-ea"/>
+                <a:cs typeface="+mn-cs"/>
+              </a:defRPr>
+            </a:lvl1pPr>
+            <a:lvl2pPr marL="685800" indent="-228600" algn="l" defTabSz="914400" rtl="0" eaLnBrk="1" latinLnBrk="0" hangingPunct="1">
+              <a:lnSpc>
+                <a:spcPct val="120000"/>
+              </a:lnSpc>
+              <a:spcBef>
+                <a:spcPts val="500"/>
+              </a:spcBef>
+              <a:buSzPct val="125000"/>
+              <a:buFont typeface="Arial" panose="020B0604020202020204" pitchFamily="34" charset="0"/>
+              <a:buChar char="•"/>
+              <a:defRPr sz="2000" kern="1200">
+                <a:solidFill>
+                  <a:schemeClr val="tx1"/>
+                </a:solidFill>
+                <a:latin typeface="+mn-lt"/>
+                <a:ea typeface="+mn-ea"/>
+                <a:cs typeface="+mn-cs"/>
+              </a:defRPr>
+            </a:lvl2pPr>
+            <a:lvl3pPr marL="1143000" indent="-228600" algn="l" defTabSz="914400" rtl="0" eaLnBrk="1" latinLnBrk="0" hangingPunct="1">
+              <a:lnSpc>
+                <a:spcPct val="120000"/>
+              </a:lnSpc>
+              <a:spcBef>
+                <a:spcPts val="500"/>
+              </a:spcBef>
+              <a:buSzPct val="125000"/>
+              <a:buFont typeface="Arial" panose="020B0604020202020204" pitchFamily="34" charset="0"/>
+              <a:buChar char="•"/>
+              <a:defRPr sz="1800" kern="1200">
+                <a:solidFill>
+                  <a:schemeClr val="tx1"/>
+                </a:solidFill>
+                <a:latin typeface="+mn-lt"/>
+                <a:ea typeface="+mn-ea"/>
+                <a:cs typeface="+mn-cs"/>
+              </a:defRPr>
+            </a:lvl3pPr>
+            <a:lvl4pPr marL="1600200" indent="-228600" algn="l" defTabSz="914400" rtl="0" eaLnBrk="1" latinLnBrk="0" hangingPunct="1">
+              <a:lnSpc>
+                <a:spcPct val="120000"/>
+              </a:lnSpc>
+              <a:spcBef>
+                <a:spcPts val="500"/>
+              </a:spcBef>
+              <a:buSzPct val="125000"/>
+              <a:buFont typeface="Arial" panose="020B0604020202020204" pitchFamily="34" charset="0"/>
+              <a:buChar char="•"/>
+              <a:defRPr sz="1600" kern="1200">
+                <a:solidFill>
+                  <a:schemeClr val="tx1"/>
+                </a:solidFill>
+                <a:latin typeface="+mn-lt"/>
+                <a:ea typeface="+mn-ea"/>
+                <a:cs typeface="+mn-cs"/>
+              </a:defRPr>
+            </a:lvl4pPr>
+            <a:lvl5pPr marL="2057400" indent="-228600" algn="l" defTabSz="914400" rtl="0" eaLnBrk="1" latinLnBrk="0" hangingPunct="1">
+              <a:lnSpc>
+                <a:spcPct val="120000"/>
+              </a:lnSpc>
+              <a:spcBef>
+                <a:spcPts val="500"/>
+              </a:spcBef>
+              <a:buSzPct val="125000"/>
+              <a:buFont typeface="Arial" panose="020B0604020202020204" pitchFamily="34" charset="0"/>
+              <a:buChar char="•"/>
+              <a:defRPr sz="1600" kern="1200">
+                <a:solidFill>
+                  <a:schemeClr val="tx1"/>
+                </a:solidFill>
+                <a:latin typeface="+mn-lt"/>
+                <a:ea typeface="+mn-ea"/>
+                <a:cs typeface="+mn-cs"/>
+              </a:defRPr>
+            </a:lvl5pPr>
+            <a:lvl6pPr marL="2514600" indent="-228600" algn="l" defTabSz="914400" rtl="0" eaLnBrk="1" latinLnBrk="0" hangingPunct="1">
+              <a:lnSpc>
+                <a:spcPct val="120000"/>
+              </a:lnSpc>
+              <a:spcBef>
+                <a:spcPts val="500"/>
+              </a:spcBef>
+              <a:buSzPct val="125000"/>
+              <a:buFont typeface="Arial" panose="020B0604020202020204" pitchFamily="34" charset="0"/>
+              <a:buChar char="•"/>
+              <a:defRPr sz="1400" kern="1200">
+                <a:solidFill>
+                  <a:schemeClr val="tx1"/>
+                </a:solidFill>
+                <a:latin typeface="+mn-lt"/>
+                <a:ea typeface="+mn-ea"/>
+                <a:cs typeface="+mn-cs"/>
+              </a:defRPr>
+            </a:lvl6pPr>
+            <a:lvl7pPr marL="2971800" indent="-228600" algn="l" defTabSz="914400" rtl="0" eaLnBrk="1" latinLnBrk="0" hangingPunct="1">
+              <a:lnSpc>
+                <a:spcPct val="120000"/>
+              </a:lnSpc>
+              <a:spcBef>
+                <a:spcPts val="500"/>
+              </a:spcBef>
+              <a:buSzPct val="125000"/>
+              <a:buFont typeface="Arial" panose="020B0604020202020204" pitchFamily="34" charset="0"/>
+              <a:buChar char="•"/>
+              <a:defRPr sz="1400" kern="1200">
+                <a:solidFill>
+                  <a:schemeClr val="tx1"/>
+                </a:solidFill>
+                <a:latin typeface="+mn-lt"/>
+                <a:ea typeface="+mn-ea"/>
+                <a:cs typeface="+mn-cs"/>
+              </a:defRPr>
+            </a:lvl7pPr>
+            <a:lvl8pPr marL="3429000" indent="-228600" algn="l" defTabSz="914400" rtl="0" eaLnBrk="1" latinLnBrk="0" hangingPunct="1">
+              <a:lnSpc>
+                <a:spcPct val="120000"/>
+              </a:lnSpc>
+              <a:spcBef>
+                <a:spcPts val="500"/>
+              </a:spcBef>
+              <a:buSzPct val="125000"/>
+              <a:buFont typeface="Arial" panose="020B0604020202020204" pitchFamily="34" charset="0"/>
+              <a:buChar char="•"/>
+              <a:defRPr sz="1400" kern="1200">
+                <a:solidFill>
+                  <a:schemeClr val="tx1"/>
+                </a:solidFill>
+                <a:latin typeface="+mn-lt"/>
+                <a:ea typeface="+mn-ea"/>
+                <a:cs typeface="+mn-cs"/>
+              </a:defRPr>
+            </a:lvl8pPr>
+            <a:lvl9pPr marL="3886200" indent="-228600" algn="l" defTabSz="914400" rtl="0" eaLnBrk="1" latinLnBrk="0" hangingPunct="1">
+              <a:lnSpc>
+                <a:spcPct val="120000"/>
+              </a:lnSpc>
+              <a:spcBef>
+                <a:spcPts val="500"/>
+              </a:spcBef>
+              <a:buSzPct val="125000"/>
+              <a:buFont typeface="Arial" panose="020B0604020202020204" pitchFamily="34" charset="0"/>
+              <a:buChar char="•"/>
+              <a:defRPr sz="1400" kern="1200">
+                <a:solidFill>
+                  <a:schemeClr val="tx1"/>
+                </a:solidFill>
+                <a:latin typeface="+mn-lt"/>
+                <a:ea typeface="+mn-ea"/>
+                <a:cs typeface="+mn-cs"/>
+              </a:defRPr>
+            </a:lvl9pPr>
+          </a:lstStyle>
+          <a:p>
+            <a:pPr marL="0" indent="0">
+              <a:buNone/>
+            </a:pPr>
+            <a:r>
+              <a:rPr lang="en-US" sz="3500" dirty="0" err="1" smtClean="0"/>
+              <a:t>Gestione</a:t>
+            </a:r>
+            <a:r>
+              <a:rPr lang="en-US" sz="3500" dirty="0" smtClean="0"/>
+              <a:t> </a:t>
+            </a:r>
+            <a:r>
+              <a:rPr lang="en-US" sz="3500" dirty="0" err="1" smtClean="0"/>
+              <a:t>degli</a:t>
+            </a:r>
+            <a:r>
+              <a:rPr lang="en-US" sz="3500" dirty="0" smtClean="0"/>
+              <a:t> </a:t>
+            </a:r>
+            <a:r>
+              <a:rPr lang="en-US" sz="3500" dirty="0" err="1" smtClean="0"/>
+              <a:t>scontrini</a:t>
+            </a:r>
+            <a:r>
+              <a:rPr lang="en-US" sz="3500" dirty="0" smtClean="0"/>
+              <a:t> </a:t>
+            </a:r>
+            <a:r>
+              <a:rPr lang="en-US" sz="3500" dirty="0" err="1" smtClean="0"/>
+              <a:t>tramite</a:t>
+            </a:r>
+            <a:r>
+              <a:rPr lang="en-US" sz="3500" dirty="0" smtClean="0"/>
+              <a:t> DB</a:t>
+            </a:r>
+            <a:endParaRPr lang="en-US" sz="3500" dirty="0"/>
+          </a:p>
+        </p:txBody>
+      </p:sp>
+      <p:sp>
+        <p:nvSpPr>
+          <p:cNvPr id="17" name="Subtitle 2"/>
+          <p:cNvSpPr txBox="1">
+            <a:spLocks/>
+          </p:cNvSpPr>
+          <p:nvPr/>
+        </p:nvSpPr>
+        <p:spPr>
+          <a:xfrm>
+            <a:off x="3291937" y="3163909"/>
+            <a:ext cx="7096873" cy="787399"/>
+          </a:xfrm>
+          <a:prstGeom prst="rect">
+            <a:avLst/>
+          </a:prstGeom>
+        </p:spPr>
+        <p:txBody>
+          <a:bodyPr vert="horz" lIns="91440" tIns="45720" rIns="91440" bIns="45720" rtlCol="0">
+            <a:noAutofit/>
+          </a:bodyPr>
+          <a:lstStyle>
+            <a:lvl1pPr marL="228600" indent="-228600" algn="l" defTabSz="914400" rtl="0" eaLnBrk="1" latinLnBrk="0" hangingPunct="1">
+              <a:lnSpc>
+                <a:spcPct val="120000"/>
+              </a:lnSpc>
+              <a:spcBef>
+                <a:spcPts val="1000"/>
+              </a:spcBef>
+              <a:buSzPct val="125000"/>
+              <a:buFont typeface="Arial" panose="020B0604020202020204" pitchFamily="34" charset="0"/>
+              <a:buChar char="•"/>
+              <a:defRPr sz="2400" kern="1200">
+                <a:solidFill>
+                  <a:schemeClr val="tx1"/>
+                </a:solidFill>
+                <a:latin typeface="+mn-lt"/>
+                <a:ea typeface="+mn-ea"/>
+                <a:cs typeface="+mn-cs"/>
+              </a:defRPr>
+            </a:lvl1pPr>
+            <a:lvl2pPr marL="685800" indent="-228600" algn="l" defTabSz="914400" rtl="0" eaLnBrk="1" latinLnBrk="0" hangingPunct="1">
+              <a:lnSpc>
+                <a:spcPct val="120000"/>
+              </a:lnSpc>
+              <a:spcBef>
+                <a:spcPts val="500"/>
+              </a:spcBef>
+              <a:buSzPct val="125000"/>
+              <a:buFont typeface="Arial" panose="020B0604020202020204" pitchFamily="34" charset="0"/>
+              <a:buChar char="•"/>
+              <a:defRPr sz="2000" kern="1200">
+                <a:solidFill>
+                  <a:schemeClr val="tx1"/>
+                </a:solidFill>
+                <a:latin typeface="+mn-lt"/>
+                <a:ea typeface="+mn-ea"/>
+                <a:cs typeface="+mn-cs"/>
+              </a:defRPr>
+            </a:lvl2pPr>
+            <a:lvl3pPr marL="1143000" indent="-228600" algn="l" defTabSz="914400" rtl="0" eaLnBrk="1" latinLnBrk="0" hangingPunct="1">
+              <a:lnSpc>
+                <a:spcPct val="120000"/>
+              </a:lnSpc>
+              <a:spcBef>
+                <a:spcPts val="500"/>
+              </a:spcBef>
+              <a:buSzPct val="125000"/>
+              <a:buFont typeface="Arial" panose="020B0604020202020204" pitchFamily="34" charset="0"/>
+              <a:buChar char="•"/>
+              <a:defRPr sz="1800" kern="1200">
+                <a:solidFill>
+                  <a:schemeClr val="tx1"/>
+                </a:solidFill>
+                <a:latin typeface="+mn-lt"/>
+                <a:ea typeface="+mn-ea"/>
+                <a:cs typeface="+mn-cs"/>
+              </a:defRPr>
+            </a:lvl3pPr>
+            <a:lvl4pPr marL="1600200" indent="-228600" algn="l" defTabSz="914400" rtl="0" eaLnBrk="1" latinLnBrk="0" hangingPunct="1">
+              <a:lnSpc>
+                <a:spcPct val="120000"/>
+              </a:lnSpc>
+              <a:spcBef>
+                <a:spcPts val="500"/>
+              </a:spcBef>
+              <a:buSzPct val="125000"/>
+              <a:buFont typeface="Arial" panose="020B0604020202020204" pitchFamily="34" charset="0"/>
+              <a:buChar char="•"/>
+              <a:defRPr sz="1600" kern="1200">
+                <a:solidFill>
+                  <a:schemeClr val="tx1"/>
+                </a:solidFill>
+                <a:latin typeface="+mn-lt"/>
+                <a:ea typeface="+mn-ea"/>
+                <a:cs typeface="+mn-cs"/>
+              </a:defRPr>
+            </a:lvl4pPr>
+            <a:lvl5pPr marL="2057400" indent="-228600" algn="l" defTabSz="914400" rtl="0" eaLnBrk="1" latinLnBrk="0" hangingPunct="1">
+              <a:lnSpc>
+                <a:spcPct val="120000"/>
+              </a:lnSpc>
+              <a:spcBef>
+                <a:spcPts val="500"/>
+              </a:spcBef>
+              <a:buSzPct val="125000"/>
+              <a:buFont typeface="Arial" panose="020B0604020202020204" pitchFamily="34" charset="0"/>
+              <a:buChar char="•"/>
+              <a:defRPr sz="1600" kern="1200">
+                <a:solidFill>
+                  <a:schemeClr val="tx1"/>
+                </a:solidFill>
+                <a:latin typeface="+mn-lt"/>
+                <a:ea typeface="+mn-ea"/>
+                <a:cs typeface="+mn-cs"/>
+              </a:defRPr>
+            </a:lvl5pPr>
+            <a:lvl6pPr marL="2514600" indent="-228600" algn="l" defTabSz="914400" rtl="0" eaLnBrk="1" latinLnBrk="0" hangingPunct="1">
+              <a:lnSpc>
+                <a:spcPct val="120000"/>
+              </a:lnSpc>
+              <a:spcBef>
+                <a:spcPts val="500"/>
+              </a:spcBef>
+              <a:buSzPct val="125000"/>
+              <a:buFont typeface="Arial" panose="020B0604020202020204" pitchFamily="34" charset="0"/>
+              <a:buChar char="•"/>
+              <a:defRPr sz="1400" kern="1200">
+                <a:solidFill>
+                  <a:schemeClr val="tx1"/>
+                </a:solidFill>
+                <a:latin typeface="+mn-lt"/>
+                <a:ea typeface="+mn-ea"/>
+                <a:cs typeface="+mn-cs"/>
+              </a:defRPr>
+            </a:lvl6pPr>
+            <a:lvl7pPr marL="2971800" indent="-228600" algn="l" defTabSz="914400" rtl="0" eaLnBrk="1" latinLnBrk="0" hangingPunct="1">
+              <a:lnSpc>
+                <a:spcPct val="120000"/>
+              </a:lnSpc>
+              <a:spcBef>
+                <a:spcPts val="500"/>
+              </a:spcBef>
+              <a:buSzPct val="125000"/>
+              <a:buFont typeface="Arial" panose="020B0604020202020204" pitchFamily="34" charset="0"/>
+              <a:buChar char="•"/>
+              <a:defRPr sz="1400" kern="1200">
+                <a:solidFill>
+                  <a:schemeClr val="tx1"/>
+                </a:solidFill>
+                <a:latin typeface="+mn-lt"/>
+                <a:ea typeface="+mn-ea"/>
+                <a:cs typeface="+mn-cs"/>
+              </a:defRPr>
+            </a:lvl7pPr>
+            <a:lvl8pPr marL="3429000" indent="-228600" algn="l" defTabSz="914400" rtl="0" eaLnBrk="1" latinLnBrk="0" hangingPunct="1">
+              <a:lnSpc>
+                <a:spcPct val="120000"/>
+              </a:lnSpc>
+              <a:spcBef>
+                <a:spcPts val="500"/>
+              </a:spcBef>
+              <a:buSzPct val="125000"/>
+              <a:buFont typeface="Arial" panose="020B0604020202020204" pitchFamily="34" charset="0"/>
+              <a:buChar char="•"/>
+              <a:defRPr sz="1400" kern="1200">
+                <a:solidFill>
+                  <a:schemeClr val="tx1"/>
+                </a:solidFill>
+                <a:latin typeface="+mn-lt"/>
+                <a:ea typeface="+mn-ea"/>
+                <a:cs typeface="+mn-cs"/>
+              </a:defRPr>
+            </a:lvl8pPr>
+            <a:lvl9pPr marL="3886200" indent="-228600" algn="l" defTabSz="914400" rtl="0" eaLnBrk="1" latinLnBrk="0" hangingPunct="1">
+              <a:lnSpc>
+                <a:spcPct val="120000"/>
+              </a:lnSpc>
+              <a:spcBef>
+                <a:spcPts val="500"/>
+              </a:spcBef>
+              <a:buSzPct val="125000"/>
+              <a:buFont typeface="Arial" panose="020B0604020202020204" pitchFamily="34" charset="0"/>
+              <a:buChar char="•"/>
+              <a:defRPr sz="1400" kern="1200">
+                <a:solidFill>
+                  <a:schemeClr val="tx1"/>
+                </a:solidFill>
+                <a:latin typeface="+mn-lt"/>
+                <a:ea typeface="+mn-ea"/>
+                <a:cs typeface="+mn-cs"/>
+              </a:defRPr>
+            </a:lvl9pPr>
+          </a:lstStyle>
+          <a:p>
+            <a:pPr marL="0" indent="0">
+              <a:buNone/>
+            </a:pPr>
+            <a:r>
+              <a:rPr lang="en-US" sz="3000" dirty="0" err="1" smtClean="0"/>
+              <a:t>Gestione</a:t>
+            </a:r>
+            <a:r>
+              <a:rPr lang="en-US" sz="3000" dirty="0" smtClean="0"/>
+              <a:t> </a:t>
+            </a:r>
+            <a:r>
+              <a:rPr lang="en-US" sz="3000" dirty="0" err="1" smtClean="0"/>
+              <a:t>controllata</a:t>
+            </a:r>
+            <a:r>
+              <a:rPr lang="en-US" sz="3000" dirty="0" smtClean="0"/>
+              <a:t> </a:t>
+            </a:r>
+            <a:r>
+              <a:rPr lang="en-US" sz="3000" dirty="0" err="1" smtClean="0"/>
+              <a:t>delle</a:t>
+            </a:r>
+            <a:r>
+              <a:rPr lang="en-US" sz="3000" dirty="0" smtClean="0"/>
+              <a:t> </a:t>
+            </a:r>
+            <a:r>
+              <a:rPr lang="en-US" sz="3000" dirty="0" err="1" smtClean="0"/>
+              <a:t>informazioni</a:t>
+            </a:r>
+            <a:endParaRPr lang="en-US" sz="3000" dirty="0"/>
+          </a:p>
+        </p:txBody>
+      </p:sp>
+      <p:sp>
+        <p:nvSpPr>
+          <p:cNvPr id="18" name="Freccia curva 17"/>
+          <p:cNvSpPr/>
+          <p:nvPr/>
+        </p:nvSpPr>
+        <p:spPr>
+          <a:xfrm flipV="1">
+            <a:off x="1771854" y="2636008"/>
+            <a:ext cx="1404594" cy="1055802"/>
+          </a:xfrm>
+          <a:prstGeom prst="bentArrow">
+            <a:avLst>
+              <a:gd name="adj1" fmla="val 13393"/>
+              <a:gd name="adj2" fmla="val 22768"/>
+              <a:gd name="adj3" fmla="val 25000"/>
+              <a:gd name="adj4" fmla="val 87500"/>
+            </a:avLst>
+          </a:prstGeom>
+        </p:spPr>
+        <p:style>
+          <a:lnRef idx="2">
+            <a:schemeClr val="accent1">
+              <a:shade val="50000"/>
+            </a:schemeClr>
+          </a:lnRef>
+          <a:fillRef idx="1">
+            <a:schemeClr val="accent1"/>
+          </a:fillRef>
+          <a:effectRef idx="0">
+            <a:schemeClr val="accent1"/>
+          </a:effectRef>
+          <a:fontRef idx="minor">
+            <a:schemeClr val="lt1"/>
+          </a:fontRef>
+        </p:style>
+        <p:txBody>
+          <a:bodyPr rtlCol="0" anchor="ctr"/>
+          <a:lstStyle/>
+          <a:p>
+            <a:pPr algn="ctr"/>
+            <a:endParaRPr lang="it-IT">
+              <a:solidFill>
+                <a:schemeClr val="tx1"/>
+              </a:solidFill>
+            </a:endParaRPr>
+          </a:p>
+        </p:txBody>
+      </p:sp>
+      <p:sp>
+        <p:nvSpPr>
+          <p:cNvPr id="21" name="Subtitle 2"/>
+          <p:cNvSpPr txBox="1">
+            <a:spLocks/>
+          </p:cNvSpPr>
+          <p:nvPr/>
+        </p:nvSpPr>
+        <p:spPr>
+          <a:xfrm>
+            <a:off x="3291937" y="4313622"/>
+            <a:ext cx="7096873" cy="787399"/>
+          </a:xfrm>
+          <a:prstGeom prst="rect">
+            <a:avLst/>
+          </a:prstGeom>
+        </p:spPr>
+        <p:txBody>
+          <a:bodyPr vert="horz" lIns="91440" tIns="45720" rIns="91440" bIns="45720" rtlCol="0">
+            <a:noAutofit/>
+          </a:bodyPr>
+          <a:lstStyle>
+            <a:lvl1pPr marL="228600" indent="-228600" algn="l" defTabSz="914400" rtl="0" eaLnBrk="1" latinLnBrk="0" hangingPunct="1">
+              <a:lnSpc>
+                <a:spcPct val="120000"/>
+              </a:lnSpc>
+              <a:spcBef>
+                <a:spcPts val="1000"/>
+              </a:spcBef>
+              <a:buSzPct val="125000"/>
+              <a:buFont typeface="Arial" panose="020B0604020202020204" pitchFamily="34" charset="0"/>
+              <a:buChar char="•"/>
+              <a:defRPr sz="2400" kern="1200">
+                <a:solidFill>
+                  <a:schemeClr val="tx1"/>
+                </a:solidFill>
+                <a:latin typeface="+mn-lt"/>
+                <a:ea typeface="+mn-ea"/>
+                <a:cs typeface="+mn-cs"/>
+              </a:defRPr>
+            </a:lvl1pPr>
+            <a:lvl2pPr marL="685800" indent="-228600" algn="l" defTabSz="914400" rtl="0" eaLnBrk="1" latinLnBrk="0" hangingPunct="1">
+              <a:lnSpc>
+                <a:spcPct val="120000"/>
+              </a:lnSpc>
+              <a:spcBef>
+                <a:spcPts val="500"/>
+              </a:spcBef>
+              <a:buSzPct val="125000"/>
+              <a:buFont typeface="Arial" panose="020B0604020202020204" pitchFamily="34" charset="0"/>
+              <a:buChar char="•"/>
+              <a:defRPr sz="2000" kern="1200">
+                <a:solidFill>
+                  <a:schemeClr val="tx1"/>
+                </a:solidFill>
+                <a:latin typeface="+mn-lt"/>
+                <a:ea typeface="+mn-ea"/>
+                <a:cs typeface="+mn-cs"/>
+              </a:defRPr>
+            </a:lvl2pPr>
+            <a:lvl3pPr marL="1143000" indent="-228600" algn="l" defTabSz="914400" rtl="0" eaLnBrk="1" latinLnBrk="0" hangingPunct="1">
+              <a:lnSpc>
+                <a:spcPct val="120000"/>
+              </a:lnSpc>
+              <a:spcBef>
+                <a:spcPts val="500"/>
+              </a:spcBef>
+              <a:buSzPct val="125000"/>
+              <a:buFont typeface="Arial" panose="020B0604020202020204" pitchFamily="34" charset="0"/>
+              <a:buChar char="•"/>
+              <a:defRPr sz="1800" kern="1200">
+                <a:solidFill>
+                  <a:schemeClr val="tx1"/>
+                </a:solidFill>
+                <a:latin typeface="+mn-lt"/>
+                <a:ea typeface="+mn-ea"/>
+                <a:cs typeface="+mn-cs"/>
+              </a:defRPr>
+            </a:lvl3pPr>
+            <a:lvl4pPr marL="1600200" indent="-228600" algn="l" defTabSz="914400" rtl="0" eaLnBrk="1" latinLnBrk="0" hangingPunct="1">
+              <a:lnSpc>
+                <a:spcPct val="120000"/>
+              </a:lnSpc>
+              <a:spcBef>
+                <a:spcPts val="500"/>
+              </a:spcBef>
+              <a:buSzPct val="125000"/>
+              <a:buFont typeface="Arial" panose="020B0604020202020204" pitchFamily="34" charset="0"/>
+              <a:buChar char="•"/>
+              <a:defRPr sz="1600" kern="1200">
+                <a:solidFill>
+                  <a:schemeClr val="tx1"/>
+                </a:solidFill>
+                <a:latin typeface="+mn-lt"/>
+                <a:ea typeface="+mn-ea"/>
+                <a:cs typeface="+mn-cs"/>
+              </a:defRPr>
+            </a:lvl4pPr>
+            <a:lvl5pPr marL="2057400" indent="-228600" algn="l" defTabSz="914400" rtl="0" eaLnBrk="1" latinLnBrk="0" hangingPunct="1">
+              <a:lnSpc>
+                <a:spcPct val="120000"/>
+              </a:lnSpc>
+              <a:spcBef>
+                <a:spcPts val="500"/>
+              </a:spcBef>
+              <a:buSzPct val="125000"/>
+              <a:buFont typeface="Arial" panose="020B0604020202020204" pitchFamily="34" charset="0"/>
+              <a:buChar char="•"/>
+              <a:defRPr sz="1600" kern="1200">
+                <a:solidFill>
+                  <a:schemeClr val="tx1"/>
+                </a:solidFill>
+                <a:latin typeface="+mn-lt"/>
+                <a:ea typeface="+mn-ea"/>
+                <a:cs typeface="+mn-cs"/>
+              </a:defRPr>
+            </a:lvl5pPr>
+            <a:lvl6pPr marL="2514600" indent="-228600" algn="l" defTabSz="914400" rtl="0" eaLnBrk="1" latinLnBrk="0" hangingPunct="1">
+              <a:lnSpc>
+                <a:spcPct val="120000"/>
+              </a:lnSpc>
+              <a:spcBef>
+                <a:spcPts val="500"/>
+              </a:spcBef>
+              <a:buSzPct val="125000"/>
+              <a:buFont typeface="Arial" panose="020B0604020202020204" pitchFamily="34" charset="0"/>
+              <a:buChar char="•"/>
+              <a:defRPr sz="1400" kern="1200">
+                <a:solidFill>
+                  <a:schemeClr val="tx1"/>
+                </a:solidFill>
+                <a:latin typeface="+mn-lt"/>
+                <a:ea typeface="+mn-ea"/>
+                <a:cs typeface="+mn-cs"/>
+              </a:defRPr>
+            </a:lvl6pPr>
+            <a:lvl7pPr marL="2971800" indent="-228600" algn="l" defTabSz="914400" rtl="0" eaLnBrk="1" latinLnBrk="0" hangingPunct="1">
+              <a:lnSpc>
+                <a:spcPct val="120000"/>
+              </a:lnSpc>
+              <a:spcBef>
+                <a:spcPts val="500"/>
+              </a:spcBef>
+              <a:buSzPct val="125000"/>
+              <a:buFont typeface="Arial" panose="020B0604020202020204" pitchFamily="34" charset="0"/>
+              <a:buChar char="•"/>
+              <a:defRPr sz="1400" kern="1200">
+                <a:solidFill>
+                  <a:schemeClr val="tx1"/>
+                </a:solidFill>
+                <a:latin typeface="+mn-lt"/>
+                <a:ea typeface="+mn-ea"/>
+                <a:cs typeface="+mn-cs"/>
+              </a:defRPr>
+            </a:lvl7pPr>
+            <a:lvl8pPr marL="3429000" indent="-228600" algn="l" defTabSz="914400" rtl="0" eaLnBrk="1" latinLnBrk="0" hangingPunct="1">
+              <a:lnSpc>
+                <a:spcPct val="120000"/>
+              </a:lnSpc>
+              <a:spcBef>
+                <a:spcPts val="500"/>
+              </a:spcBef>
+              <a:buSzPct val="125000"/>
+              <a:buFont typeface="Arial" panose="020B0604020202020204" pitchFamily="34" charset="0"/>
+              <a:buChar char="•"/>
+              <a:defRPr sz="1400" kern="1200">
+                <a:solidFill>
+                  <a:schemeClr val="tx1"/>
+                </a:solidFill>
+                <a:latin typeface="+mn-lt"/>
+                <a:ea typeface="+mn-ea"/>
+                <a:cs typeface="+mn-cs"/>
+              </a:defRPr>
+            </a:lvl8pPr>
+            <a:lvl9pPr marL="3886200" indent="-228600" algn="l" defTabSz="914400" rtl="0" eaLnBrk="1" latinLnBrk="0" hangingPunct="1">
+              <a:lnSpc>
+                <a:spcPct val="120000"/>
+              </a:lnSpc>
+              <a:spcBef>
+                <a:spcPts val="500"/>
+              </a:spcBef>
+              <a:buSzPct val="125000"/>
+              <a:buFont typeface="Arial" panose="020B0604020202020204" pitchFamily="34" charset="0"/>
+              <a:buChar char="•"/>
+              <a:defRPr sz="1400" kern="1200">
+                <a:solidFill>
+                  <a:schemeClr val="tx1"/>
+                </a:solidFill>
+                <a:latin typeface="+mn-lt"/>
+                <a:ea typeface="+mn-ea"/>
+                <a:cs typeface="+mn-cs"/>
+              </a:defRPr>
+            </a:lvl9pPr>
+          </a:lstStyle>
+          <a:p>
+            <a:pPr marL="0" indent="0">
+              <a:buNone/>
+            </a:pPr>
+            <a:r>
+              <a:rPr lang="en-US" sz="3000" dirty="0" err="1" smtClean="0"/>
+              <a:t>Sviluppabilità</a:t>
+            </a:r>
+            <a:r>
+              <a:rPr lang="en-US" sz="3000" dirty="0" smtClean="0"/>
+              <a:t> </a:t>
+            </a:r>
+            <a:r>
+              <a:rPr lang="en-US" sz="3000" dirty="0" err="1" smtClean="0"/>
+              <a:t>futura</a:t>
+            </a:r>
+            <a:endParaRPr lang="en-US" sz="3000" dirty="0"/>
+          </a:p>
+        </p:txBody>
+      </p:sp>
+      <p:sp>
+        <p:nvSpPr>
+          <p:cNvPr id="22" name="Subtitle 2"/>
+          <p:cNvSpPr txBox="1">
+            <a:spLocks/>
+          </p:cNvSpPr>
+          <p:nvPr/>
+        </p:nvSpPr>
+        <p:spPr>
+          <a:xfrm>
+            <a:off x="3291937" y="3691810"/>
+            <a:ext cx="7096873" cy="787399"/>
+          </a:xfrm>
+          <a:prstGeom prst="rect">
+            <a:avLst/>
+          </a:prstGeom>
+        </p:spPr>
+        <p:txBody>
+          <a:bodyPr vert="horz" lIns="91440" tIns="45720" rIns="91440" bIns="45720" rtlCol="0">
+            <a:noAutofit/>
+          </a:bodyPr>
+          <a:lstStyle>
+            <a:lvl1pPr marL="228600" indent="-228600" algn="l" defTabSz="914400" rtl="0" eaLnBrk="1" latinLnBrk="0" hangingPunct="1">
+              <a:lnSpc>
+                <a:spcPct val="120000"/>
+              </a:lnSpc>
+              <a:spcBef>
+                <a:spcPts val="1000"/>
+              </a:spcBef>
+              <a:buSzPct val="125000"/>
+              <a:buFont typeface="Arial" panose="020B0604020202020204" pitchFamily="34" charset="0"/>
+              <a:buChar char="•"/>
+              <a:defRPr sz="2400" kern="1200">
+                <a:solidFill>
+                  <a:schemeClr val="tx1"/>
+                </a:solidFill>
+                <a:latin typeface="+mn-lt"/>
+                <a:ea typeface="+mn-ea"/>
+                <a:cs typeface="+mn-cs"/>
+              </a:defRPr>
+            </a:lvl1pPr>
+            <a:lvl2pPr marL="685800" indent="-228600" algn="l" defTabSz="914400" rtl="0" eaLnBrk="1" latinLnBrk="0" hangingPunct="1">
+              <a:lnSpc>
+                <a:spcPct val="120000"/>
+              </a:lnSpc>
+              <a:spcBef>
+                <a:spcPts val="500"/>
+              </a:spcBef>
+              <a:buSzPct val="125000"/>
+              <a:buFont typeface="Arial" panose="020B0604020202020204" pitchFamily="34" charset="0"/>
+              <a:buChar char="•"/>
+              <a:defRPr sz="2000" kern="1200">
+                <a:solidFill>
+                  <a:schemeClr val="tx1"/>
+                </a:solidFill>
+                <a:latin typeface="+mn-lt"/>
+                <a:ea typeface="+mn-ea"/>
+                <a:cs typeface="+mn-cs"/>
+              </a:defRPr>
+            </a:lvl2pPr>
+            <a:lvl3pPr marL="1143000" indent="-228600" algn="l" defTabSz="914400" rtl="0" eaLnBrk="1" latinLnBrk="0" hangingPunct="1">
+              <a:lnSpc>
+                <a:spcPct val="120000"/>
+              </a:lnSpc>
+              <a:spcBef>
+                <a:spcPts val="500"/>
+              </a:spcBef>
+              <a:buSzPct val="125000"/>
+              <a:buFont typeface="Arial" panose="020B0604020202020204" pitchFamily="34" charset="0"/>
+              <a:buChar char="•"/>
+              <a:defRPr sz="1800" kern="1200">
+                <a:solidFill>
+                  <a:schemeClr val="tx1"/>
+                </a:solidFill>
+                <a:latin typeface="+mn-lt"/>
+                <a:ea typeface="+mn-ea"/>
+                <a:cs typeface="+mn-cs"/>
+              </a:defRPr>
+            </a:lvl3pPr>
+            <a:lvl4pPr marL="1600200" indent="-228600" algn="l" defTabSz="914400" rtl="0" eaLnBrk="1" latinLnBrk="0" hangingPunct="1">
+              <a:lnSpc>
+                <a:spcPct val="120000"/>
+              </a:lnSpc>
+              <a:spcBef>
+                <a:spcPts val="500"/>
+              </a:spcBef>
+              <a:buSzPct val="125000"/>
+              <a:buFont typeface="Arial" panose="020B0604020202020204" pitchFamily="34" charset="0"/>
+              <a:buChar char="•"/>
+              <a:defRPr sz="1600" kern="1200">
+                <a:solidFill>
+                  <a:schemeClr val="tx1"/>
+                </a:solidFill>
+                <a:latin typeface="+mn-lt"/>
+                <a:ea typeface="+mn-ea"/>
+                <a:cs typeface="+mn-cs"/>
+              </a:defRPr>
+            </a:lvl4pPr>
+            <a:lvl5pPr marL="2057400" indent="-228600" algn="l" defTabSz="914400" rtl="0" eaLnBrk="1" latinLnBrk="0" hangingPunct="1">
+              <a:lnSpc>
+                <a:spcPct val="120000"/>
+              </a:lnSpc>
+              <a:spcBef>
+                <a:spcPts val="500"/>
+              </a:spcBef>
+              <a:buSzPct val="125000"/>
+              <a:buFont typeface="Arial" panose="020B0604020202020204" pitchFamily="34" charset="0"/>
+              <a:buChar char="•"/>
+              <a:defRPr sz="1600" kern="1200">
+                <a:solidFill>
+                  <a:schemeClr val="tx1"/>
+                </a:solidFill>
+                <a:latin typeface="+mn-lt"/>
+                <a:ea typeface="+mn-ea"/>
+                <a:cs typeface="+mn-cs"/>
+              </a:defRPr>
+            </a:lvl5pPr>
+            <a:lvl6pPr marL="2514600" indent="-228600" algn="l" defTabSz="914400" rtl="0" eaLnBrk="1" latinLnBrk="0" hangingPunct="1">
+              <a:lnSpc>
+                <a:spcPct val="120000"/>
+              </a:lnSpc>
+              <a:spcBef>
+                <a:spcPts val="500"/>
+              </a:spcBef>
+              <a:buSzPct val="125000"/>
+              <a:buFont typeface="Arial" panose="020B0604020202020204" pitchFamily="34" charset="0"/>
+              <a:buChar char="•"/>
+              <a:defRPr sz="1400" kern="1200">
+                <a:solidFill>
+                  <a:schemeClr val="tx1"/>
+                </a:solidFill>
+                <a:latin typeface="+mn-lt"/>
+                <a:ea typeface="+mn-ea"/>
+                <a:cs typeface="+mn-cs"/>
+              </a:defRPr>
+            </a:lvl6pPr>
+            <a:lvl7pPr marL="2971800" indent="-228600" algn="l" defTabSz="914400" rtl="0" eaLnBrk="1" latinLnBrk="0" hangingPunct="1">
+              <a:lnSpc>
+                <a:spcPct val="120000"/>
+              </a:lnSpc>
+              <a:spcBef>
+                <a:spcPts val="500"/>
+              </a:spcBef>
+              <a:buSzPct val="125000"/>
+              <a:buFont typeface="Arial" panose="020B0604020202020204" pitchFamily="34" charset="0"/>
+              <a:buChar char="•"/>
+              <a:defRPr sz="1400" kern="1200">
+                <a:solidFill>
+                  <a:schemeClr val="tx1"/>
+                </a:solidFill>
+                <a:latin typeface="+mn-lt"/>
+                <a:ea typeface="+mn-ea"/>
+                <a:cs typeface="+mn-cs"/>
+              </a:defRPr>
+            </a:lvl7pPr>
+            <a:lvl8pPr marL="3429000" indent="-228600" algn="l" defTabSz="914400" rtl="0" eaLnBrk="1" latinLnBrk="0" hangingPunct="1">
+              <a:lnSpc>
+                <a:spcPct val="120000"/>
+              </a:lnSpc>
+              <a:spcBef>
+                <a:spcPts val="500"/>
+              </a:spcBef>
+              <a:buSzPct val="125000"/>
+              <a:buFont typeface="Arial" panose="020B0604020202020204" pitchFamily="34" charset="0"/>
+              <a:buChar char="•"/>
+              <a:defRPr sz="1400" kern="1200">
+                <a:solidFill>
+                  <a:schemeClr val="tx1"/>
+                </a:solidFill>
+                <a:latin typeface="+mn-lt"/>
+                <a:ea typeface="+mn-ea"/>
+                <a:cs typeface="+mn-cs"/>
+              </a:defRPr>
+            </a:lvl8pPr>
+            <a:lvl9pPr marL="3886200" indent="-228600" algn="l" defTabSz="914400" rtl="0" eaLnBrk="1" latinLnBrk="0" hangingPunct="1">
+              <a:lnSpc>
+                <a:spcPct val="120000"/>
+              </a:lnSpc>
+              <a:spcBef>
+                <a:spcPts val="500"/>
+              </a:spcBef>
+              <a:buSzPct val="125000"/>
+              <a:buFont typeface="Arial" panose="020B0604020202020204" pitchFamily="34" charset="0"/>
+              <a:buChar char="•"/>
+              <a:defRPr sz="1400" kern="1200">
+                <a:solidFill>
+                  <a:schemeClr val="tx1"/>
+                </a:solidFill>
+                <a:latin typeface="+mn-lt"/>
+                <a:ea typeface="+mn-ea"/>
+                <a:cs typeface="+mn-cs"/>
+              </a:defRPr>
+            </a:lvl9pPr>
+          </a:lstStyle>
+          <a:p>
+            <a:pPr marL="0" indent="0">
+              <a:buNone/>
+            </a:pPr>
+            <a:r>
+              <a:rPr lang="en-US" sz="3000" dirty="0" err="1" smtClean="0"/>
+              <a:t>Sicurezza</a:t>
+            </a:r>
+            <a:r>
+              <a:rPr lang="en-US" sz="3000" dirty="0" smtClean="0"/>
+              <a:t> </a:t>
+            </a:r>
+            <a:r>
+              <a:rPr lang="en-US" sz="3000" dirty="0" err="1" smtClean="0"/>
+              <a:t>dei</a:t>
+            </a:r>
+            <a:r>
+              <a:rPr lang="en-US" sz="3000" dirty="0" smtClean="0"/>
+              <a:t> </a:t>
+            </a:r>
+            <a:r>
+              <a:rPr lang="en-US" sz="3000" dirty="0" err="1" smtClean="0"/>
+              <a:t>dati</a:t>
+            </a:r>
+            <a:endParaRPr lang="en-US" sz="3000" dirty="0"/>
+          </a:p>
+        </p:txBody>
+      </p:sp>
+      <p:sp>
+        <p:nvSpPr>
+          <p:cNvPr id="23" name="Freccia curva 22"/>
+          <p:cNvSpPr/>
+          <p:nvPr/>
+        </p:nvSpPr>
+        <p:spPr>
+          <a:xfrm rot="5400000" flipV="1">
+            <a:off x="2511446" y="4699218"/>
+            <a:ext cx="689760" cy="518477"/>
+          </a:xfrm>
+          <a:prstGeom prst="bentArrow">
+            <a:avLst>
+              <a:gd name="adj1" fmla="val 13393"/>
+              <a:gd name="adj2" fmla="val 22768"/>
+              <a:gd name="adj3" fmla="val 25000"/>
+              <a:gd name="adj4" fmla="val 87500"/>
+            </a:avLst>
+          </a:prstGeom>
+        </p:spPr>
+        <p:style>
+          <a:lnRef idx="2">
+            <a:schemeClr val="accent1">
+              <a:shade val="50000"/>
+            </a:schemeClr>
+          </a:lnRef>
+          <a:fillRef idx="1">
+            <a:schemeClr val="accent1"/>
+          </a:fillRef>
+          <a:effectRef idx="0">
+            <a:schemeClr val="accent1"/>
+          </a:effectRef>
+          <a:fontRef idx="minor">
+            <a:schemeClr val="lt1"/>
+          </a:fontRef>
+        </p:style>
+        <p:txBody>
+          <a:bodyPr rtlCol="0" anchor="ctr"/>
+          <a:lstStyle/>
+          <a:p>
+            <a:pPr algn="ctr"/>
+            <a:endParaRPr lang="it-IT">
+              <a:solidFill>
+                <a:schemeClr val="tx1"/>
+              </a:solidFill>
+            </a:endParaRPr>
+          </a:p>
+        </p:txBody>
+      </p:sp>
+      <p:sp>
+        <p:nvSpPr>
+          <p:cNvPr id="24" name="Subtitle 2"/>
+          <p:cNvSpPr txBox="1">
+            <a:spLocks/>
+          </p:cNvSpPr>
+          <p:nvPr/>
+        </p:nvSpPr>
+        <p:spPr>
+          <a:xfrm>
+            <a:off x="2068024" y="5420707"/>
+            <a:ext cx="7470955" cy="1140349"/>
+          </a:xfrm>
+          <a:prstGeom prst="rect">
+            <a:avLst/>
+          </a:prstGeom>
+        </p:spPr>
+        <p:txBody>
+          <a:bodyPr vert="horz" lIns="91440" tIns="45720" rIns="91440" bIns="45720" rtlCol="0">
+            <a:noAutofit/>
+          </a:bodyPr>
+          <a:lstStyle>
+            <a:lvl1pPr marL="228600" indent="-228600" algn="l" defTabSz="914400" rtl="0" eaLnBrk="1" latinLnBrk="0" hangingPunct="1">
+              <a:lnSpc>
+                <a:spcPct val="120000"/>
+              </a:lnSpc>
+              <a:spcBef>
+                <a:spcPts val="1000"/>
+              </a:spcBef>
+              <a:buSzPct val="125000"/>
+              <a:buFont typeface="Arial" panose="020B0604020202020204" pitchFamily="34" charset="0"/>
+              <a:buChar char="•"/>
+              <a:defRPr sz="2400" kern="1200">
+                <a:solidFill>
+                  <a:schemeClr val="tx1"/>
+                </a:solidFill>
+                <a:latin typeface="+mn-lt"/>
+                <a:ea typeface="+mn-ea"/>
+                <a:cs typeface="+mn-cs"/>
+              </a:defRPr>
+            </a:lvl1pPr>
+            <a:lvl2pPr marL="685800" indent="-228600" algn="l" defTabSz="914400" rtl="0" eaLnBrk="1" latinLnBrk="0" hangingPunct="1">
+              <a:lnSpc>
+                <a:spcPct val="120000"/>
+              </a:lnSpc>
+              <a:spcBef>
+                <a:spcPts val="500"/>
+              </a:spcBef>
+              <a:buSzPct val="125000"/>
+              <a:buFont typeface="Arial" panose="020B0604020202020204" pitchFamily="34" charset="0"/>
+              <a:buChar char="•"/>
+              <a:defRPr sz="2000" kern="1200">
+                <a:solidFill>
+                  <a:schemeClr val="tx1"/>
+                </a:solidFill>
+                <a:latin typeface="+mn-lt"/>
+                <a:ea typeface="+mn-ea"/>
+                <a:cs typeface="+mn-cs"/>
+              </a:defRPr>
+            </a:lvl2pPr>
+            <a:lvl3pPr marL="1143000" indent="-228600" algn="l" defTabSz="914400" rtl="0" eaLnBrk="1" latinLnBrk="0" hangingPunct="1">
+              <a:lnSpc>
+                <a:spcPct val="120000"/>
+              </a:lnSpc>
+              <a:spcBef>
+                <a:spcPts val="500"/>
+              </a:spcBef>
+              <a:buSzPct val="125000"/>
+              <a:buFont typeface="Arial" panose="020B0604020202020204" pitchFamily="34" charset="0"/>
+              <a:buChar char="•"/>
+              <a:defRPr sz="1800" kern="1200">
+                <a:solidFill>
+                  <a:schemeClr val="tx1"/>
+                </a:solidFill>
+                <a:latin typeface="+mn-lt"/>
+                <a:ea typeface="+mn-ea"/>
+                <a:cs typeface="+mn-cs"/>
+              </a:defRPr>
+            </a:lvl3pPr>
+            <a:lvl4pPr marL="1600200" indent="-228600" algn="l" defTabSz="914400" rtl="0" eaLnBrk="1" latinLnBrk="0" hangingPunct="1">
+              <a:lnSpc>
+                <a:spcPct val="120000"/>
+              </a:lnSpc>
+              <a:spcBef>
+                <a:spcPts val="500"/>
+              </a:spcBef>
+              <a:buSzPct val="125000"/>
+              <a:buFont typeface="Arial" panose="020B0604020202020204" pitchFamily="34" charset="0"/>
+              <a:buChar char="•"/>
+              <a:defRPr sz="1600" kern="1200">
+                <a:solidFill>
+                  <a:schemeClr val="tx1"/>
+                </a:solidFill>
+                <a:latin typeface="+mn-lt"/>
+                <a:ea typeface="+mn-ea"/>
+                <a:cs typeface="+mn-cs"/>
+              </a:defRPr>
+            </a:lvl4pPr>
+            <a:lvl5pPr marL="2057400" indent="-228600" algn="l" defTabSz="914400" rtl="0" eaLnBrk="1" latinLnBrk="0" hangingPunct="1">
+              <a:lnSpc>
+                <a:spcPct val="120000"/>
+              </a:lnSpc>
+              <a:spcBef>
+                <a:spcPts val="500"/>
+              </a:spcBef>
+              <a:buSzPct val="125000"/>
+              <a:buFont typeface="Arial" panose="020B0604020202020204" pitchFamily="34" charset="0"/>
+              <a:buChar char="•"/>
+              <a:defRPr sz="1600" kern="1200">
+                <a:solidFill>
+                  <a:schemeClr val="tx1"/>
+                </a:solidFill>
+                <a:latin typeface="+mn-lt"/>
+                <a:ea typeface="+mn-ea"/>
+                <a:cs typeface="+mn-cs"/>
+              </a:defRPr>
+            </a:lvl5pPr>
+            <a:lvl6pPr marL="2514600" indent="-228600" algn="l" defTabSz="914400" rtl="0" eaLnBrk="1" latinLnBrk="0" hangingPunct="1">
+              <a:lnSpc>
+                <a:spcPct val="120000"/>
+              </a:lnSpc>
+              <a:spcBef>
+                <a:spcPts val="500"/>
+              </a:spcBef>
+              <a:buSzPct val="125000"/>
+              <a:buFont typeface="Arial" panose="020B0604020202020204" pitchFamily="34" charset="0"/>
+              <a:buChar char="•"/>
+              <a:defRPr sz="1400" kern="1200">
+                <a:solidFill>
+                  <a:schemeClr val="tx1"/>
+                </a:solidFill>
+                <a:latin typeface="+mn-lt"/>
+                <a:ea typeface="+mn-ea"/>
+                <a:cs typeface="+mn-cs"/>
+              </a:defRPr>
+            </a:lvl6pPr>
+            <a:lvl7pPr marL="2971800" indent="-228600" algn="l" defTabSz="914400" rtl="0" eaLnBrk="1" latinLnBrk="0" hangingPunct="1">
+              <a:lnSpc>
+                <a:spcPct val="120000"/>
+              </a:lnSpc>
+              <a:spcBef>
+                <a:spcPts val="500"/>
+              </a:spcBef>
+              <a:buSzPct val="125000"/>
+              <a:buFont typeface="Arial" panose="020B0604020202020204" pitchFamily="34" charset="0"/>
+              <a:buChar char="•"/>
+              <a:defRPr sz="1400" kern="1200">
+                <a:solidFill>
+                  <a:schemeClr val="tx1"/>
+                </a:solidFill>
+                <a:latin typeface="+mn-lt"/>
+                <a:ea typeface="+mn-ea"/>
+                <a:cs typeface="+mn-cs"/>
+              </a:defRPr>
+            </a:lvl7pPr>
+            <a:lvl8pPr marL="3429000" indent="-228600" algn="l" defTabSz="914400" rtl="0" eaLnBrk="1" latinLnBrk="0" hangingPunct="1">
+              <a:lnSpc>
+                <a:spcPct val="120000"/>
+              </a:lnSpc>
+              <a:spcBef>
+                <a:spcPts val="500"/>
+              </a:spcBef>
+              <a:buSzPct val="125000"/>
+              <a:buFont typeface="Arial" panose="020B0604020202020204" pitchFamily="34" charset="0"/>
+              <a:buChar char="•"/>
+              <a:defRPr sz="1400" kern="1200">
+                <a:solidFill>
+                  <a:schemeClr val="tx1"/>
+                </a:solidFill>
+                <a:latin typeface="+mn-lt"/>
+                <a:ea typeface="+mn-ea"/>
+                <a:cs typeface="+mn-cs"/>
+              </a:defRPr>
+            </a:lvl8pPr>
+            <a:lvl9pPr marL="3886200" indent="-228600" algn="l" defTabSz="914400" rtl="0" eaLnBrk="1" latinLnBrk="0" hangingPunct="1">
+              <a:lnSpc>
+                <a:spcPct val="120000"/>
+              </a:lnSpc>
+              <a:spcBef>
+                <a:spcPts val="500"/>
+              </a:spcBef>
+              <a:buSzPct val="125000"/>
+              <a:buFont typeface="Arial" panose="020B0604020202020204" pitchFamily="34" charset="0"/>
+              <a:buChar char="•"/>
+              <a:defRPr sz="1400" kern="1200">
+                <a:solidFill>
+                  <a:schemeClr val="tx1"/>
+                </a:solidFill>
+                <a:latin typeface="+mn-lt"/>
+                <a:ea typeface="+mn-ea"/>
+                <a:cs typeface="+mn-cs"/>
+              </a:defRPr>
+            </a:lvl9pPr>
+          </a:lstStyle>
+          <a:p>
+            <a:pPr marL="0" indent="0">
+              <a:lnSpc>
+                <a:spcPct val="100000"/>
+              </a:lnSpc>
+              <a:spcBef>
+                <a:spcPts val="0"/>
+              </a:spcBef>
+              <a:buNone/>
+            </a:pPr>
+            <a:r>
+              <a:rPr lang="en-US" sz="3000" dirty="0" err="1" smtClean="0"/>
+              <a:t>Rilevazione</a:t>
+            </a:r>
+            <a:r>
+              <a:rPr lang="en-US" sz="3000" dirty="0" smtClean="0"/>
+              <a:t> </a:t>
+            </a:r>
+            <a:r>
+              <a:rPr lang="en-US" sz="3000" dirty="0" err="1" smtClean="0"/>
+              <a:t>automatica</a:t>
+            </a:r>
+            <a:r>
+              <a:rPr lang="en-US" sz="3000" dirty="0" smtClean="0"/>
+              <a:t> </a:t>
+            </a:r>
+            <a:r>
+              <a:rPr lang="en-US" sz="3000" dirty="0" err="1" smtClean="0"/>
+              <a:t>dei</a:t>
+            </a:r>
+            <a:r>
+              <a:rPr lang="en-US" sz="3000" dirty="0" smtClean="0"/>
+              <a:t> </a:t>
+            </a:r>
+            <a:r>
+              <a:rPr lang="en-US" sz="3000" dirty="0" err="1" smtClean="0"/>
+              <a:t>prezzi</a:t>
+            </a:r>
+            <a:r>
+              <a:rPr lang="en-US" sz="3000" dirty="0" smtClean="0"/>
+              <a:t> </a:t>
+            </a:r>
+            <a:r>
+              <a:rPr lang="en-US" sz="3000" dirty="0" err="1" smtClean="0"/>
+              <a:t>dagli</a:t>
+            </a:r>
+            <a:r>
+              <a:rPr lang="en-US" sz="3000" dirty="0" smtClean="0"/>
+              <a:t> </a:t>
+            </a:r>
+            <a:r>
+              <a:rPr lang="en-US" sz="3000" dirty="0" err="1" smtClean="0"/>
+              <a:t>scontrini</a:t>
+            </a:r>
+            <a:r>
+              <a:rPr lang="en-US" sz="3000" dirty="0" smtClean="0"/>
+              <a:t> con relative </a:t>
+            </a:r>
+            <a:r>
+              <a:rPr lang="en-US" sz="3000" dirty="0" err="1" smtClean="0"/>
+              <a:t>operazioni</a:t>
+            </a:r>
+            <a:r>
+              <a:rPr lang="en-US" sz="3000" dirty="0" smtClean="0"/>
+              <a:t>.</a:t>
+            </a:r>
+            <a:endParaRPr lang="en-US" sz="3000" dirty="0"/>
+          </a:p>
+        </p:txBody>
+      </p:sp>
+    </p:spTree>
+    <p:extLst>
+      <p:ext uri="{BB962C8B-B14F-4D97-AF65-F5344CB8AC3E}">
+        <p14:creationId xmlns:p14="http://schemas.microsoft.com/office/powerpoint/2010/main" val="210317983"/>
+      </p:ext>
+    </p:extLst>
+  </p:cSld>
+  <p:clrMapOvr>
+    <a:masterClrMapping/>
+  </p:clrMapOvr>
+  <mc:AlternateContent xmlns:mc="http://schemas.openxmlformats.org/markup-compatibility/2006">
+    <mc:Choice xmlns:p14="http://schemas.microsoft.com/office/powerpoint/2010/main" Requires="p14">
+      <p:transition spd="slow" p14:dur="1600">
+        <p14:gallery dir="l"/>
+      </p:transition>
+    </mc:Choice>
+    <mc:Fallback>
+      <p:transition spd="slow">
+        <p:fade/>
+      </p:transition>
+    </mc:Fallback>
+  </mc:AlternateContent>
+  <p:timing>
+    <p:tnLst>
+      <p:par>
+        <p:cTn id="1" dur="indefinite" restart="never" nodeType="tmRoot">
+          <p:childTnLst>
+            <p:seq concurrent="1" nextAc="seek">
+              <p:cTn id="2" dur="indefinite" nodeType="mainSeq">
+                <p:childTnLst>
+                  <p:par>
+                    <p:cTn id="3" fill="hold">
+                      <p:stCondLst>
+                        <p:cond delay="indefinite"/>
+                      </p:stCondLst>
+                      <p:childTnLst>
+                        <p:par>
+                          <p:cTn id="4" fill="hold">
+                            <p:stCondLst>
+                              <p:cond delay="0"/>
+                            </p:stCondLst>
+                            <p:childTnLst>
+                              <p:par>
+                                <p:cTn id="5" presetID="10" presetClass="entr" presetSubtype="0" fill="hold" grpId="0" nodeType="clickEffect">
+                                  <p:stCondLst>
+                                    <p:cond delay="0"/>
+                                  </p:stCondLst>
+                                  <p:childTnLst>
+                                    <p:set>
+                                      <p:cBhvr>
+                                        <p:cTn id="6" dur="1" fill="hold">
+                                          <p:stCondLst>
+                                            <p:cond delay="0"/>
+                                          </p:stCondLst>
+                                        </p:cTn>
+                                        <p:tgtEl>
+                                          <p:spTgt spid="16"/>
+                                        </p:tgtEl>
+                                        <p:attrNameLst>
+                                          <p:attrName>style.visibility</p:attrName>
+                                        </p:attrNameLst>
+                                      </p:cBhvr>
+                                      <p:to>
+                                        <p:strVal val="visible"/>
+                                      </p:to>
+                                    </p:set>
+                                    <p:animEffect transition="in" filter="fade">
+                                      <p:cBhvr>
+                                        <p:cTn id="7" dur="2000"/>
+                                        <p:tgtEl>
+                                          <p:spTgt spid="16"/>
+                                        </p:tgtEl>
+                                      </p:cBhvr>
+                                    </p:animEffect>
+                                  </p:childTnLst>
+                                </p:cTn>
+                              </p:par>
+                              <p:par>
+                                <p:cTn id="8" presetID="10" presetClass="entr" presetSubtype="0" fill="hold" nodeType="withEffect">
+                                  <p:stCondLst>
+                                    <p:cond delay="0"/>
+                                  </p:stCondLst>
+                                  <p:childTnLst>
+                                    <p:set>
+                                      <p:cBhvr>
+                                        <p:cTn id="9" dur="1" fill="hold">
+                                          <p:stCondLst>
+                                            <p:cond delay="0"/>
+                                          </p:stCondLst>
+                                        </p:cTn>
+                                        <p:tgtEl>
+                                          <p:spTgt spid="7"/>
+                                        </p:tgtEl>
+                                        <p:attrNameLst>
+                                          <p:attrName>style.visibility</p:attrName>
+                                        </p:attrNameLst>
+                                      </p:cBhvr>
+                                      <p:to>
+                                        <p:strVal val="visible"/>
+                                      </p:to>
+                                    </p:set>
+                                    <p:animEffect transition="in" filter="fade">
+                                      <p:cBhvr>
+                                        <p:cTn id="10" dur="1000"/>
+                                        <p:tgtEl>
+                                          <p:spTgt spid="7"/>
+                                        </p:tgtEl>
+                                      </p:cBhvr>
+                                    </p:animEffect>
+                                  </p:childTnLst>
+                                </p:cTn>
+                              </p:par>
+                            </p:childTnLst>
+                          </p:cTn>
+                        </p:par>
+                      </p:childTnLst>
+                    </p:cTn>
+                  </p:par>
+                  <p:par>
+                    <p:cTn id="11" fill="hold">
+                      <p:stCondLst>
+                        <p:cond delay="indefinite"/>
+                      </p:stCondLst>
+                      <p:childTnLst>
+                        <p:par>
+                          <p:cTn id="12" fill="hold">
+                            <p:stCondLst>
+                              <p:cond delay="0"/>
+                            </p:stCondLst>
+                            <p:childTnLst>
+                              <p:par>
+                                <p:cTn id="13" presetID="22" presetClass="entr" presetSubtype="1" fill="hold" grpId="0" nodeType="clickEffect">
+                                  <p:stCondLst>
+                                    <p:cond delay="0"/>
+                                  </p:stCondLst>
+                                  <p:childTnLst>
+                                    <p:set>
+                                      <p:cBhvr>
+                                        <p:cTn id="14" dur="1" fill="hold">
+                                          <p:stCondLst>
+                                            <p:cond delay="0"/>
+                                          </p:stCondLst>
+                                        </p:cTn>
+                                        <p:tgtEl>
+                                          <p:spTgt spid="18"/>
+                                        </p:tgtEl>
+                                        <p:attrNameLst>
+                                          <p:attrName>style.visibility</p:attrName>
+                                        </p:attrNameLst>
+                                      </p:cBhvr>
+                                      <p:to>
+                                        <p:strVal val="visible"/>
+                                      </p:to>
+                                    </p:set>
+                                    <p:animEffect transition="in" filter="wipe(up)">
+                                      <p:cBhvr>
+                                        <p:cTn id="15" dur="500"/>
+                                        <p:tgtEl>
+                                          <p:spTgt spid="18"/>
+                                        </p:tgtEl>
+                                      </p:cBhvr>
+                                    </p:animEffect>
+                                  </p:childTnLst>
+                                </p:cTn>
+                              </p:par>
+                            </p:childTnLst>
+                          </p:cTn>
+                        </p:par>
+                        <p:par>
+                          <p:cTn id="16" fill="hold">
+                            <p:stCondLst>
+                              <p:cond delay="500"/>
+                            </p:stCondLst>
+                            <p:childTnLst>
+                              <p:par>
+                                <p:cTn id="17" presetID="10" presetClass="entr" presetSubtype="0" fill="hold" grpId="0" nodeType="afterEffect">
+                                  <p:stCondLst>
+                                    <p:cond delay="0"/>
+                                  </p:stCondLst>
+                                  <p:childTnLst>
+                                    <p:set>
+                                      <p:cBhvr>
+                                        <p:cTn id="18" dur="1" fill="hold">
+                                          <p:stCondLst>
+                                            <p:cond delay="0"/>
+                                          </p:stCondLst>
+                                        </p:cTn>
+                                        <p:tgtEl>
+                                          <p:spTgt spid="17"/>
+                                        </p:tgtEl>
+                                        <p:attrNameLst>
+                                          <p:attrName>style.visibility</p:attrName>
+                                        </p:attrNameLst>
+                                      </p:cBhvr>
+                                      <p:to>
+                                        <p:strVal val="visible"/>
+                                      </p:to>
+                                    </p:set>
+                                    <p:animEffect transition="in" filter="fade">
+                                      <p:cBhvr>
+                                        <p:cTn id="19" dur="2000"/>
+                                        <p:tgtEl>
+                                          <p:spTgt spid="17"/>
+                                        </p:tgtEl>
+                                      </p:cBhvr>
+                                    </p:animEffect>
+                                  </p:childTnLst>
+                                </p:cTn>
+                              </p:par>
+                            </p:childTnLst>
+                          </p:cTn>
+                        </p:par>
+                      </p:childTnLst>
+                    </p:cTn>
+                  </p:par>
+                  <p:par>
+                    <p:cTn id="20" fill="hold">
+                      <p:stCondLst>
+                        <p:cond delay="indefinite"/>
+                      </p:stCondLst>
+                      <p:childTnLst>
+                        <p:par>
+                          <p:cTn id="21" fill="hold">
+                            <p:stCondLst>
+                              <p:cond delay="0"/>
+                            </p:stCondLst>
+                            <p:childTnLst>
+                              <p:par>
+                                <p:cTn id="22" presetID="10" presetClass="entr" presetSubtype="0" fill="hold" grpId="0" nodeType="clickEffect">
+                                  <p:stCondLst>
+                                    <p:cond delay="0"/>
+                                  </p:stCondLst>
+                                  <p:childTnLst>
+                                    <p:set>
+                                      <p:cBhvr>
+                                        <p:cTn id="23" dur="1" fill="hold">
+                                          <p:stCondLst>
+                                            <p:cond delay="0"/>
+                                          </p:stCondLst>
+                                        </p:cTn>
+                                        <p:tgtEl>
+                                          <p:spTgt spid="22"/>
+                                        </p:tgtEl>
+                                        <p:attrNameLst>
+                                          <p:attrName>style.visibility</p:attrName>
+                                        </p:attrNameLst>
+                                      </p:cBhvr>
+                                      <p:to>
+                                        <p:strVal val="visible"/>
+                                      </p:to>
+                                    </p:set>
+                                    <p:animEffect transition="in" filter="fade">
+                                      <p:cBhvr>
+                                        <p:cTn id="24" dur="2000"/>
+                                        <p:tgtEl>
+                                          <p:spTgt spid="22"/>
+                                        </p:tgtEl>
+                                      </p:cBhvr>
+                                    </p:animEffect>
+                                  </p:childTnLst>
+                                </p:cTn>
+                              </p:par>
+                            </p:childTnLst>
+                          </p:cTn>
+                        </p:par>
+                      </p:childTnLst>
+                    </p:cTn>
+                  </p:par>
+                  <p:par>
+                    <p:cTn id="25" fill="hold">
+                      <p:stCondLst>
+                        <p:cond delay="indefinite"/>
+                      </p:stCondLst>
+                      <p:childTnLst>
+                        <p:par>
+                          <p:cTn id="26" fill="hold">
+                            <p:stCondLst>
+                              <p:cond delay="0"/>
+                            </p:stCondLst>
+                            <p:childTnLst>
+                              <p:par>
+                                <p:cTn id="27" presetID="10" presetClass="entr" presetSubtype="0" fill="hold" grpId="0" nodeType="clickEffect">
+                                  <p:stCondLst>
+                                    <p:cond delay="0"/>
+                                  </p:stCondLst>
+                                  <p:childTnLst>
+                                    <p:set>
+                                      <p:cBhvr>
+                                        <p:cTn id="28" dur="1" fill="hold">
+                                          <p:stCondLst>
+                                            <p:cond delay="0"/>
+                                          </p:stCondLst>
+                                        </p:cTn>
+                                        <p:tgtEl>
+                                          <p:spTgt spid="21"/>
+                                        </p:tgtEl>
+                                        <p:attrNameLst>
+                                          <p:attrName>style.visibility</p:attrName>
+                                        </p:attrNameLst>
+                                      </p:cBhvr>
+                                      <p:to>
+                                        <p:strVal val="visible"/>
+                                      </p:to>
+                                    </p:set>
+                                    <p:animEffect transition="in" filter="fade">
+                                      <p:cBhvr>
+                                        <p:cTn id="29" dur="2000"/>
+                                        <p:tgtEl>
+                                          <p:spTgt spid="21"/>
+                                        </p:tgtEl>
+                                      </p:cBhvr>
+                                    </p:animEffect>
+                                  </p:childTnLst>
+                                </p:cTn>
+                              </p:par>
+                            </p:childTnLst>
+                          </p:cTn>
+                        </p:par>
+                      </p:childTnLst>
+                    </p:cTn>
+                  </p:par>
+                  <p:par>
+                    <p:cTn id="30" fill="hold">
+                      <p:stCondLst>
+                        <p:cond delay="indefinite"/>
+                      </p:stCondLst>
+                      <p:childTnLst>
+                        <p:par>
+                          <p:cTn id="31" fill="hold">
+                            <p:stCondLst>
+                              <p:cond delay="0"/>
+                            </p:stCondLst>
+                            <p:childTnLst>
+                              <p:par>
+                                <p:cTn id="32" presetID="22" presetClass="entr" presetSubtype="1" fill="hold" grpId="0" nodeType="clickEffect">
+                                  <p:stCondLst>
+                                    <p:cond delay="0"/>
+                                  </p:stCondLst>
+                                  <p:childTnLst>
+                                    <p:set>
+                                      <p:cBhvr>
+                                        <p:cTn id="33" dur="1" fill="hold">
+                                          <p:stCondLst>
+                                            <p:cond delay="0"/>
+                                          </p:stCondLst>
+                                        </p:cTn>
+                                        <p:tgtEl>
+                                          <p:spTgt spid="23"/>
+                                        </p:tgtEl>
+                                        <p:attrNameLst>
+                                          <p:attrName>style.visibility</p:attrName>
+                                        </p:attrNameLst>
+                                      </p:cBhvr>
+                                      <p:to>
+                                        <p:strVal val="visible"/>
+                                      </p:to>
+                                    </p:set>
+                                    <p:animEffect transition="in" filter="wipe(up)">
+                                      <p:cBhvr>
+                                        <p:cTn id="34" dur="500"/>
+                                        <p:tgtEl>
+                                          <p:spTgt spid="23"/>
+                                        </p:tgtEl>
+                                      </p:cBhvr>
+                                    </p:animEffect>
+                                  </p:childTnLst>
+                                </p:cTn>
+                              </p:par>
+                            </p:childTnLst>
+                          </p:cTn>
+                        </p:par>
+                        <p:par>
+                          <p:cTn id="35" fill="hold">
+                            <p:stCondLst>
+                              <p:cond delay="500"/>
+                            </p:stCondLst>
+                            <p:childTnLst>
+                              <p:par>
+                                <p:cTn id="36" presetID="10" presetClass="entr" presetSubtype="0" fill="hold" grpId="0" nodeType="afterEffect">
+                                  <p:stCondLst>
+                                    <p:cond delay="0"/>
+                                  </p:stCondLst>
+                                  <p:childTnLst>
+                                    <p:set>
+                                      <p:cBhvr>
+                                        <p:cTn id="37" dur="1" fill="hold">
+                                          <p:stCondLst>
+                                            <p:cond delay="0"/>
+                                          </p:stCondLst>
+                                        </p:cTn>
+                                        <p:tgtEl>
+                                          <p:spTgt spid="24"/>
+                                        </p:tgtEl>
+                                        <p:attrNameLst>
+                                          <p:attrName>style.visibility</p:attrName>
+                                        </p:attrNameLst>
+                                      </p:cBhvr>
+                                      <p:to>
+                                        <p:strVal val="visible"/>
+                                      </p:to>
+                                    </p:set>
+                                    <p:animEffect transition="in" filter="fade">
+                                      <p:cBhvr>
+                                        <p:cTn id="38" dur="2000"/>
+                                        <p:tgtEl>
+                                          <p:spTgt spid="24"/>
+                                        </p:tgtEl>
+                                      </p:cBhvr>
+                                    </p:animEffect>
+                                  </p:childTnLst>
+                                </p:cTn>
+                              </p:par>
+                            </p:childTnLst>
+                          </p:cTn>
+                        </p:par>
+                      </p:childTnLst>
+                    </p:cTn>
+                  </p:par>
+                </p:childTnLst>
+              </p:cTn>
+              <p:prevCondLst>
+                <p:cond evt="onPrev" delay="0">
+                  <p:tgtEl>
+                    <p:sldTgt/>
+                  </p:tgtEl>
+                </p:cond>
+              </p:prevCondLst>
+              <p:nextCondLst>
+                <p:cond evt="onNext" delay="0">
+                  <p:tgtEl>
+                    <p:sldTgt/>
+                  </p:tgtEl>
+                </p:cond>
+              </p:nextCondLst>
+            </p:seq>
+          </p:childTnLst>
+        </p:cTn>
+      </p:par>
+    </p:tnLst>
+    <p:bldLst>
+      <p:bldP spid="16" grpId="0"/>
+      <p:bldP spid="17" grpId="0"/>
+      <p:bldP spid="18" grpId="0" animBg="1"/>
+      <p:bldP spid="21" grpId="0"/>
+      <p:bldP spid="22" grpId="0"/>
+      <p:bldP spid="23" grpId="0" animBg="1"/>
+      <p:bldP spid="24" grpId="0"/>
     </p:bldLst>
   </p:timing>
 </p:sld>
@@ -17111,7 +19088,7 @@
   <a:extraClrSchemeLst/>
   <a:extLst>
     <a:ext uri="{05A4C25C-085E-4340-85A3-A5531E510DB2}">
-      <thm15:themeFamily xmlns:thm15="http://schemas.microsoft.com/office/thememl/2012/main" xmlns="" name="Circuit" id="{0AC2F7E7-15F5-431C-B2A2-456FE929F56C}" vid="{0911B802-464C-4241-8DD9-B60FF88E379F}"/>
+      <thm15:themeFamily xmlns="" xmlns:thm15="http://schemas.microsoft.com/office/thememl/2012/main" name="Circuit" id="{0AC2F7E7-15F5-431C-B2A2-456FE929F56C}" vid="{0911B802-464C-4241-8DD9-B60FF88E379F}"/>
     </a:ext>
   </a:extLst>
 </a:theme>

--- a/PresentazioneApp.pptx
+++ b/PresentazioneApp.pptx
@@ -12446,27 +12446,6 @@
                 </a:rPr>
                 <a:t>y</a:t>
               </a:r>
-              <a:r>
-                <a:rPr lang="it-IT" sz="9600" b="1" dirty="0" smtClean="0">
-                  <a:ln w="38100">
-                    <a:solidFill>
-                      <a:schemeClr val="tx1"/>
-                    </a:solidFill>
-                    <a:prstDash val="solid"/>
-                  </a:ln>
-                  <a:solidFill>
-                    <a:srgbClr val="FFABAB"/>
-                  </a:solidFill>
-                  <a:effectLst>
-                    <a:outerShdw blurRad="41275" dist="20320" dir="1800000" algn="tl" rotWithShape="0">
-                      <a:srgbClr val="000000">
-                        <a:alpha val="40000"/>
-                      </a:srgbClr>
-                    </a:outerShdw>
-                  </a:effectLst>
-                </a:rPr>
-                <a:t/>
-              </a:r>
               <a:br>
                 <a:rPr lang="it-IT" sz="9600" b="1" dirty="0" smtClean="0">
                   <a:ln w="38100">
@@ -12571,24 +12550,6 @@
                 </a:rPr>
                 <a:t>I </a:t>
               </a:r>
-              <a:endParaRPr lang="it-IT" sz="9600" b="1" dirty="0">
-                <a:ln w="38100">
-                  <a:solidFill>
-                    <a:schemeClr val="tx1"/>
-                  </a:solidFill>
-                  <a:prstDash val="solid"/>
-                </a:ln>
-                <a:solidFill>
-                  <a:srgbClr val="FFABAB"/>
-                </a:solidFill>
-                <a:effectLst>
-                  <a:outerShdw blurRad="41275" dist="20320" dir="1800000" algn="tl" rotWithShape="0">
-                    <a:srgbClr val="000000">
-                      <a:alpha val="40000"/>
-                    </a:srgbClr>
-                  </a:outerShdw>
-                </a:effectLst>
-              </a:endParaRPr>
             </a:p>
           </p:txBody>
         </p:sp>
@@ -12655,7 +12616,7 @@
         </p:blipFill>
         <p:spPr bwMode="auto">
           <a:xfrm>
-            <a:off x="8291084" y="4566031"/>
+            <a:off x="4280699" y="4547178"/>
             <a:ext cx="1621984" cy="1824732"/>
           </a:xfrm>
           <a:prstGeom prst="rect">
@@ -12696,8 +12657,8 @@
         </p:blipFill>
         <p:spPr bwMode="auto">
           <a:xfrm>
-            <a:off x="7659162" y="532784"/>
-            <a:ext cx="2361124" cy="2361124"/>
+            <a:off x="7809990" y="3163248"/>
+            <a:ext cx="2644335" cy="2644335"/>
           </a:xfrm>
           <a:prstGeom prst="rect">
             <a:avLst/>
@@ -12737,7 +12698,7 @@
         </p:blipFill>
         <p:spPr bwMode="auto">
           <a:xfrm>
-            <a:off x="4302701" y="4566031"/>
+            <a:off x="7441827" y="866750"/>
             <a:ext cx="2194560" cy="1632204"/>
           </a:xfrm>
           <a:prstGeom prst="rect">
@@ -12777,9 +12738,6 @@
                     <p:cTn id="3" fill="hold">
                       <p:stCondLst>
                         <p:cond delay="indefinite"/>
-                        <p:cond evt="onBegin" delay="0">
-                          <p:tn val="2"/>
-                        </p:cond>
                       </p:stCondLst>
                       <p:childTnLst>
                         <p:par>
@@ -12789,7 +12747,7 @@
                             </p:stCondLst>
                             <p:childTnLst>
                               <p:par>
-                                <p:cTn id="5" presetID="31" presetClass="entr" presetSubtype="0" fill="hold" nodeType="afterEffect">
+                                <p:cTn id="5" presetID="21" presetClass="entr" presetSubtype="1" fill="hold" nodeType="clickEffect">
                                   <p:stCondLst>
                                     <p:cond delay="0"/>
                                   </p:stCondLst>
@@ -12797,6 +12755,50 @@
                                     <p:set>
                                       <p:cBhvr>
                                         <p:cTn id="6" dur="1" fill="hold">
+                                          <p:stCondLst>
+                                            <p:cond delay="0"/>
+                                          </p:stCondLst>
+                                        </p:cTn>
+                                        <p:tgtEl>
+                                          <p:spTgt spid="2"/>
+                                        </p:tgtEl>
+                                        <p:attrNameLst>
+                                          <p:attrName>style.visibility</p:attrName>
+                                        </p:attrNameLst>
+                                      </p:cBhvr>
+                                      <p:to>
+                                        <p:strVal val="visible"/>
+                                      </p:to>
+                                    </p:set>
+                                    <p:animEffect transition="in" filter="wheel(1)">
+                                      <p:cBhvr>
+                                        <p:cTn id="7" dur="1000"/>
+                                        <p:tgtEl>
+                                          <p:spTgt spid="2"/>
+                                        </p:tgtEl>
+                                      </p:cBhvr>
+                                    </p:animEffect>
+                                  </p:childTnLst>
+                                </p:cTn>
+                              </p:par>
+                            </p:childTnLst>
+                          </p:cTn>
+                        </p:par>
+                        <p:par>
+                          <p:cTn id="8" fill="hold">
+                            <p:stCondLst>
+                              <p:cond delay="1000"/>
+                            </p:stCondLst>
+                            <p:childTnLst>
+                              <p:par>
+                                <p:cTn id="9" presetID="31" presetClass="entr" presetSubtype="0" fill="hold" nodeType="afterEffect">
+                                  <p:stCondLst>
+                                    <p:cond delay="0"/>
+                                  </p:stCondLst>
+                                  <p:childTnLst>
+                                    <p:set>
+                                      <p:cBhvr>
+                                        <p:cTn id="10" dur="1" fill="hold">
                                           <p:stCondLst>
                                             <p:cond delay="0"/>
                                           </p:stCondLst>
@@ -12814,7 +12816,7 @@
                                     </p:set>
                                     <p:anim calcmode="lin" valueType="num">
                                       <p:cBhvr>
-                                        <p:cTn id="7" dur="1000" fill="hold"/>
+                                        <p:cTn id="11" dur="1000" fill="hold"/>
                                         <p:tgtEl>
                                           <p:spTgt spid="1030"/>
                                         </p:tgtEl>
@@ -12837,7 +12839,7 @@
                                     </p:anim>
                                     <p:anim calcmode="lin" valueType="num">
                                       <p:cBhvr>
-                                        <p:cTn id="8" dur="1000" fill="hold"/>
+                                        <p:cTn id="12" dur="1000" fill="hold"/>
                                         <p:tgtEl>
                                           <p:spTgt spid="1030"/>
                                         </p:tgtEl>
@@ -12860,7 +12862,7 @@
                                     </p:anim>
                                     <p:anim calcmode="lin" valueType="num">
                                       <p:cBhvr>
-                                        <p:cTn id="9" dur="1000" fill="hold"/>
+                                        <p:cTn id="13" dur="1000" fill="hold"/>
                                         <p:tgtEl>
                                           <p:spTgt spid="1030"/>
                                         </p:tgtEl>
@@ -12883,7 +12885,7 @@
                                     </p:anim>
                                     <p:animEffect transition="in" filter="fade">
                                       <p:cBhvr>
-                                        <p:cTn id="10" dur="1000"/>
+                                        <p:cTn id="14" dur="1000"/>
                                         <p:tgtEl>
                                           <p:spTgt spid="1030"/>
                                         </p:tgtEl>
@@ -12896,20 +12898,20 @@
                           </p:cTn>
                         </p:par>
                         <p:par>
-                          <p:cTn id="11" fill="hold">
+                          <p:cTn id="15" fill="hold">
                             <p:stCondLst>
-                              <p:cond delay="1000"/>
+                              <p:cond delay="2000"/>
                             </p:stCondLst>
                             <p:childTnLst>
                               <p:par>
-                                <p:cTn id="12" presetID="10" presetClass="entr" presetSubtype="0" fill="hold" nodeType="afterEffect">
+                                <p:cTn id="16" presetID="10" presetClass="entr" presetSubtype="0" fill="hold" nodeType="afterEffect">
                                   <p:stCondLst>
                                     <p:cond delay="0"/>
                                   </p:stCondLst>
                                   <p:childTnLst>
                                     <p:set>
                                       <p:cBhvr>
-                                        <p:cTn id="13" dur="1" fill="hold">
+                                        <p:cTn id="17" dur="1" fill="hold">
                                           <p:stCondLst>
                                             <p:cond delay="0"/>
                                           </p:stCondLst>
@@ -12927,7 +12929,7 @@
                                     </p:set>
                                     <p:animEffect transition="in" filter="fade">
                                       <p:cBhvr>
-                                        <p:cTn id="14" dur="2000"/>
+                                        <p:cTn id="18" dur="1000"/>
                                         <p:tgtEl>
                                           <p:spTgt spid="1031"/>
                                         </p:tgtEl>
@@ -12940,20 +12942,20 @@
                           </p:cTn>
                         </p:par>
                         <p:par>
-                          <p:cTn id="15" fill="hold">
+                          <p:cTn id="19" fill="hold">
                             <p:stCondLst>
                               <p:cond delay="3000"/>
                             </p:stCondLst>
                             <p:childTnLst>
                               <p:par>
-                                <p:cTn id="16" presetID="42" presetClass="entr" presetSubtype="0" fill="hold" nodeType="afterEffect">
+                                <p:cTn id="20" presetID="42" presetClass="entr" presetSubtype="0" fill="hold" nodeType="afterEffect">
                                   <p:stCondLst>
                                     <p:cond delay="0"/>
                                   </p:stCondLst>
                                   <p:childTnLst>
                                     <p:set>
                                       <p:cBhvr>
-                                        <p:cTn id="17" dur="1" fill="hold">
+                                        <p:cTn id="21" dur="1" fill="hold">
                                           <p:stCondLst>
                                             <p:cond delay="0"/>
                                           </p:stCondLst>
@@ -12971,7 +12973,7 @@
                                     </p:set>
                                     <p:animEffect transition="in" filter="fade">
                                       <p:cBhvr>
-                                        <p:cTn id="18" dur="1000"/>
+                                        <p:cTn id="22" dur="1000"/>
                                         <p:tgtEl>
                                           <p:spTgt spid="1029"/>
                                         </p:tgtEl>
@@ -12979,7 +12981,7 @@
                                     </p:animEffect>
                                     <p:anim calcmode="lin" valueType="num">
                                       <p:cBhvr>
-                                        <p:cTn id="19" dur="1000" fill="hold"/>
+                                        <p:cTn id="23" dur="1000" fill="hold"/>
                                         <p:tgtEl>
                                           <p:spTgt spid="1029"/>
                                         </p:tgtEl>
@@ -13002,7 +13004,7 @@
                                     </p:anim>
                                     <p:anim calcmode="lin" valueType="num">
                                       <p:cBhvr>
-                                        <p:cTn id="20" dur="1000" fill="hold"/>
+                                        <p:cTn id="24" dur="1000" fill="hold"/>
                                         <p:tgtEl>
                                           <p:spTgt spid="1029"/>
                                         </p:tgtEl>
@@ -14247,11 +14249,7 @@
             </a:r>
             <a:r>
               <a:rPr lang="en-US" sz="3600" dirty="0" smtClean="0"/>
-              <a:t> </a:t>
-            </a:r>
-            <a:r>
-              <a:rPr lang="en-US" sz="3600" dirty="0" smtClean="0"/>
-              <a:t>da </a:t>
+              <a:t> da </a:t>
             </a:r>
             <a:r>
               <a:rPr lang="en-US" sz="3600" dirty="0" err="1" smtClean="0"/>
@@ -15252,227 +15250,6 @@
       </p:sp>
       <p:sp>
         <p:nvSpPr>
-          <p:cNvPr id="9" name="Subtitle 2"/>
-          <p:cNvSpPr txBox="1">
-            <a:spLocks/>
-          </p:cNvSpPr>
-          <p:nvPr/>
-        </p:nvSpPr>
-        <p:spPr>
-          <a:xfrm>
-            <a:off x="8127475" y="1084076"/>
-            <a:ext cx="3100585" cy="4562571"/>
-          </a:xfrm>
-          <a:prstGeom prst="rect">
-            <a:avLst/>
-          </a:prstGeom>
-          <a:ln>
-            <a:solidFill>
-              <a:schemeClr val="tx1"/>
-            </a:solidFill>
-          </a:ln>
-        </p:spPr>
-        <p:txBody>
-          <a:bodyPr vert="horz" lIns="91440" tIns="45720" rIns="91440" bIns="45720" rtlCol="0">
-            <a:noAutofit/>
-          </a:bodyPr>
-          <a:lstStyle>
-            <a:lvl1pPr marL="228600" indent="-228600" algn="l" defTabSz="914400" rtl="0" eaLnBrk="1" latinLnBrk="0" hangingPunct="1">
-              <a:lnSpc>
-                <a:spcPct val="120000"/>
-              </a:lnSpc>
-              <a:spcBef>
-                <a:spcPts val="1000"/>
-              </a:spcBef>
-              <a:buSzPct val="125000"/>
-              <a:buFont typeface="Arial" panose="020B0604020202020204" pitchFamily="34" charset="0"/>
-              <a:buChar char="•"/>
-              <a:defRPr sz="2400" kern="1200">
-                <a:solidFill>
-                  <a:schemeClr val="tx1"/>
-                </a:solidFill>
-                <a:latin typeface="+mn-lt"/>
-                <a:ea typeface="+mn-ea"/>
-                <a:cs typeface="+mn-cs"/>
-              </a:defRPr>
-            </a:lvl1pPr>
-            <a:lvl2pPr marL="685800" indent="-228600" algn="l" defTabSz="914400" rtl="0" eaLnBrk="1" latinLnBrk="0" hangingPunct="1">
-              <a:lnSpc>
-                <a:spcPct val="120000"/>
-              </a:lnSpc>
-              <a:spcBef>
-                <a:spcPts val="500"/>
-              </a:spcBef>
-              <a:buSzPct val="125000"/>
-              <a:buFont typeface="Arial" panose="020B0604020202020204" pitchFamily="34" charset="0"/>
-              <a:buChar char="•"/>
-              <a:defRPr sz="2000" kern="1200">
-                <a:solidFill>
-                  <a:schemeClr val="tx1"/>
-                </a:solidFill>
-                <a:latin typeface="+mn-lt"/>
-                <a:ea typeface="+mn-ea"/>
-                <a:cs typeface="+mn-cs"/>
-              </a:defRPr>
-            </a:lvl2pPr>
-            <a:lvl3pPr marL="1143000" indent="-228600" algn="l" defTabSz="914400" rtl="0" eaLnBrk="1" latinLnBrk="0" hangingPunct="1">
-              <a:lnSpc>
-                <a:spcPct val="120000"/>
-              </a:lnSpc>
-              <a:spcBef>
-                <a:spcPts val="500"/>
-              </a:spcBef>
-              <a:buSzPct val="125000"/>
-              <a:buFont typeface="Arial" panose="020B0604020202020204" pitchFamily="34" charset="0"/>
-              <a:buChar char="•"/>
-              <a:defRPr sz="1800" kern="1200">
-                <a:solidFill>
-                  <a:schemeClr val="tx1"/>
-                </a:solidFill>
-                <a:latin typeface="+mn-lt"/>
-                <a:ea typeface="+mn-ea"/>
-                <a:cs typeface="+mn-cs"/>
-              </a:defRPr>
-            </a:lvl3pPr>
-            <a:lvl4pPr marL="1600200" indent="-228600" algn="l" defTabSz="914400" rtl="0" eaLnBrk="1" latinLnBrk="0" hangingPunct="1">
-              <a:lnSpc>
-                <a:spcPct val="120000"/>
-              </a:lnSpc>
-              <a:spcBef>
-                <a:spcPts val="500"/>
-              </a:spcBef>
-              <a:buSzPct val="125000"/>
-              <a:buFont typeface="Arial" panose="020B0604020202020204" pitchFamily="34" charset="0"/>
-              <a:buChar char="•"/>
-              <a:defRPr sz="1600" kern="1200">
-                <a:solidFill>
-                  <a:schemeClr val="tx1"/>
-                </a:solidFill>
-                <a:latin typeface="+mn-lt"/>
-                <a:ea typeface="+mn-ea"/>
-                <a:cs typeface="+mn-cs"/>
-              </a:defRPr>
-            </a:lvl4pPr>
-            <a:lvl5pPr marL="2057400" indent="-228600" algn="l" defTabSz="914400" rtl="0" eaLnBrk="1" latinLnBrk="0" hangingPunct="1">
-              <a:lnSpc>
-                <a:spcPct val="120000"/>
-              </a:lnSpc>
-              <a:spcBef>
-                <a:spcPts val="500"/>
-              </a:spcBef>
-              <a:buSzPct val="125000"/>
-              <a:buFont typeface="Arial" panose="020B0604020202020204" pitchFamily="34" charset="0"/>
-              <a:buChar char="•"/>
-              <a:defRPr sz="1600" kern="1200">
-                <a:solidFill>
-                  <a:schemeClr val="tx1"/>
-                </a:solidFill>
-                <a:latin typeface="+mn-lt"/>
-                <a:ea typeface="+mn-ea"/>
-                <a:cs typeface="+mn-cs"/>
-              </a:defRPr>
-            </a:lvl5pPr>
-            <a:lvl6pPr marL="2514600" indent="-228600" algn="l" defTabSz="914400" rtl="0" eaLnBrk="1" latinLnBrk="0" hangingPunct="1">
-              <a:lnSpc>
-                <a:spcPct val="120000"/>
-              </a:lnSpc>
-              <a:spcBef>
-                <a:spcPts val="500"/>
-              </a:spcBef>
-              <a:buSzPct val="125000"/>
-              <a:buFont typeface="Arial" panose="020B0604020202020204" pitchFamily="34" charset="0"/>
-              <a:buChar char="•"/>
-              <a:defRPr sz="1400" kern="1200">
-                <a:solidFill>
-                  <a:schemeClr val="tx1"/>
-                </a:solidFill>
-                <a:latin typeface="+mn-lt"/>
-                <a:ea typeface="+mn-ea"/>
-                <a:cs typeface="+mn-cs"/>
-              </a:defRPr>
-            </a:lvl6pPr>
-            <a:lvl7pPr marL="2971800" indent="-228600" algn="l" defTabSz="914400" rtl="0" eaLnBrk="1" latinLnBrk="0" hangingPunct="1">
-              <a:lnSpc>
-                <a:spcPct val="120000"/>
-              </a:lnSpc>
-              <a:spcBef>
-                <a:spcPts val="500"/>
-              </a:spcBef>
-              <a:buSzPct val="125000"/>
-              <a:buFont typeface="Arial" panose="020B0604020202020204" pitchFamily="34" charset="0"/>
-              <a:buChar char="•"/>
-              <a:defRPr sz="1400" kern="1200">
-                <a:solidFill>
-                  <a:schemeClr val="tx1"/>
-                </a:solidFill>
-                <a:latin typeface="+mn-lt"/>
-                <a:ea typeface="+mn-ea"/>
-                <a:cs typeface="+mn-cs"/>
-              </a:defRPr>
-            </a:lvl7pPr>
-            <a:lvl8pPr marL="3429000" indent="-228600" algn="l" defTabSz="914400" rtl="0" eaLnBrk="1" latinLnBrk="0" hangingPunct="1">
-              <a:lnSpc>
-                <a:spcPct val="120000"/>
-              </a:lnSpc>
-              <a:spcBef>
-                <a:spcPts val="500"/>
-              </a:spcBef>
-              <a:buSzPct val="125000"/>
-              <a:buFont typeface="Arial" panose="020B0604020202020204" pitchFamily="34" charset="0"/>
-              <a:buChar char="•"/>
-              <a:defRPr sz="1400" kern="1200">
-                <a:solidFill>
-                  <a:schemeClr val="tx1"/>
-                </a:solidFill>
-                <a:latin typeface="+mn-lt"/>
-                <a:ea typeface="+mn-ea"/>
-                <a:cs typeface="+mn-cs"/>
-              </a:defRPr>
-            </a:lvl8pPr>
-            <a:lvl9pPr marL="3886200" indent="-228600" algn="l" defTabSz="914400" rtl="0" eaLnBrk="1" latinLnBrk="0" hangingPunct="1">
-              <a:lnSpc>
-                <a:spcPct val="120000"/>
-              </a:lnSpc>
-              <a:spcBef>
-                <a:spcPts val="500"/>
-              </a:spcBef>
-              <a:buSzPct val="125000"/>
-              <a:buFont typeface="Arial" panose="020B0604020202020204" pitchFamily="34" charset="0"/>
-              <a:buChar char="•"/>
-              <a:defRPr sz="1400" kern="1200">
-                <a:solidFill>
-                  <a:schemeClr val="tx1"/>
-                </a:solidFill>
-                <a:latin typeface="+mn-lt"/>
-                <a:ea typeface="+mn-ea"/>
-                <a:cs typeface="+mn-cs"/>
-              </a:defRPr>
-            </a:lvl9pPr>
-          </a:lstStyle>
-          <a:p>
-            <a:pPr marL="0" indent="0" algn="r">
-              <a:lnSpc>
-                <a:spcPct val="100000"/>
-              </a:lnSpc>
-              <a:spcBef>
-                <a:spcPts val="0"/>
-              </a:spcBef>
-              <a:buNone/>
-            </a:pPr>
-            <a:r>
-              <a:rPr lang="en-US" sz="4000" dirty="0" smtClean="0">
-                <a:latin typeface="+mj-lt"/>
-              </a:rPr>
-              <a:t>(Screen Home Smartphone)</a:t>
-            </a:r>
-            <a:endParaRPr lang="en-US" sz="4000" dirty="0">
-              <a:latin typeface="+mj-lt"/>
-            </a:endParaRPr>
-          </a:p>
-        </p:txBody>
-      </p:sp>
-      <p:sp>
-        <p:nvSpPr>
           <p:cNvPr id="10" name="Subtitle 2"/>
           <p:cNvSpPr txBox="1">
             <a:spLocks/>
@@ -16205,6 +15982,88 @@
           </a:p>
         </p:txBody>
       </p:sp>
+      <p:pic>
+        <p:nvPicPr>
+          <p:cNvPr id="1026" name="Picture 2" descr="D:\MARCO\Università\Terzo anno\IngSoftware\Schermata_Principale.PNG"/>
+          <p:cNvPicPr>
+            <a:picLocks noChangeAspect="1" noChangeArrowheads="1"/>
+          </p:cNvPicPr>
+          <p:nvPr/>
+        </p:nvPicPr>
+        <p:blipFill>
+          <a:blip r:embed="rId3">
+            <a:extLst>
+              <a:ext uri="{28A0092B-C50C-407E-A947-70E740481C1C}">
+                <a14:useLocalDpi xmlns:a14="http://schemas.microsoft.com/office/drawing/2010/main" val="0"/>
+              </a:ext>
+            </a:extLst>
+          </a:blip>
+          <a:srcRect/>
+          <a:stretch>
+            <a:fillRect/>
+          </a:stretch>
+        </p:blipFill>
+        <p:spPr bwMode="auto">
+          <a:xfrm>
+            <a:off x="8146329" y="213564"/>
+            <a:ext cx="3168972" cy="6454427"/>
+          </a:xfrm>
+          <a:prstGeom prst="rect">
+            <a:avLst/>
+          </a:prstGeom>
+          <a:noFill/>
+          <a:extLst>
+            <a:ext uri="{909E8E84-426E-40DD-AFC4-6F175D3DCCD1}">
+              <a14:hiddenFill xmlns:a14="http://schemas.microsoft.com/office/drawing/2010/main">
+                <a:solidFill>
+                  <a:srgbClr val="FFFFFF"/>
+                </a:solidFill>
+              </a14:hiddenFill>
+            </a:ext>
+          </a:extLst>
+        </p:spPr>
+      </p:pic>
+      <p:pic>
+        <p:nvPicPr>
+          <p:cNvPr id="2" name="Picture 2" descr="D:\MARCO\Università\Terzo anno\IngSoftware\Schermata_Fotocamera.jpg"/>
+          <p:cNvPicPr>
+            <a:picLocks noChangeAspect="1" noChangeArrowheads="1"/>
+          </p:cNvPicPr>
+          <p:nvPr/>
+        </p:nvPicPr>
+        <p:blipFill>
+          <a:blip r:embed="rId4">
+            <a:extLst>
+              <a:ext uri="{28A0092B-C50C-407E-A947-70E740481C1C}">
+                <a14:useLocalDpi xmlns:a14="http://schemas.microsoft.com/office/drawing/2010/main" val="0"/>
+              </a:ext>
+            </a:extLst>
+          </a:blip>
+          <a:srcRect/>
+          <a:stretch>
+            <a:fillRect/>
+          </a:stretch>
+        </p:blipFill>
+        <p:spPr bwMode="auto">
+          <a:xfrm>
+            <a:off x="8247550" y="802508"/>
+            <a:ext cx="2909792" cy="5172965"/>
+          </a:xfrm>
+          <a:prstGeom prst="rect">
+            <a:avLst/>
+          </a:prstGeom>
+          <a:noFill/>
+          <a:extLst>
+            <a:ext uri="{909E8E84-426E-40DD-AFC4-6F175D3DCCD1}">
+              <a14:hiddenFill xmlns:a14="http://schemas.microsoft.com/office/drawing/2010/main">
+                <a:solidFill>
+                  <a:srgbClr val="FFFFFF"/>
+                </a:solidFill>
+              </a14:hiddenFill>
+            </a:ext>
+          </a:extLst>
+        </p:spPr>
+      </p:pic>
     </p:spTree>
     <p:extLst>
       <p:ext uri="{BB962C8B-B14F-4D97-AF65-F5344CB8AC3E}">
@@ -16239,9 +16098,6 @@
                     <p:cTn id="3" fill="hold">
                       <p:stCondLst>
                         <p:cond delay="indefinite"/>
-                        <p:cond evt="onBegin" delay="0">
-                          <p:tn val="2"/>
-                        </p:cond>
                       </p:stCondLst>
                       <p:childTnLst>
                         <p:par>
@@ -16251,9 +16107,9 @@
                             </p:stCondLst>
                             <p:childTnLst>
                               <p:par>
-                                <p:cTn id="5" presetID="53" presetClass="entr" presetSubtype="16" fill="hold" grpId="0" nodeType="afterEffect">
+                                <p:cTn id="5" presetID="10" presetClass="entr" presetSubtype="0" fill="hold" grpId="0" nodeType="clickEffect">
                                   <p:stCondLst>
-                                    <p:cond delay="500"/>
+                                    <p:cond delay="0"/>
                                   </p:stCondLst>
                                   <p:childTnLst>
                                     <p:set>
@@ -16264,7 +16120,42 @@
                                           </p:stCondLst>
                                         </p:cTn>
                                         <p:tgtEl>
-                                          <p:spTgt spid="9"/>
+                                          <p:spTgt spid="10"/>
+                                        </p:tgtEl>
+                                        <p:attrNameLst>
+                                          <p:attrName>style.visibility</p:attrName>
+                                        </p:attrNameLst>
+                                      </p:cBhvr>
+                                      <p:to>
+                                        <p:strVal val="visible"/>
+                                      </p:to>
+                                    </p:set>
+                                    <p:animEffect transition="in" filter="fade">
+                                      <p:cBhvr>
+                                        <p:cTn id="7" dur="2000"/>
+                                        <p:tgtEl>
+                                          <p:spTgt spid="10"/>
+                                        </p:tgtEl>
+                                      </p:cBhvr>
+                                    </p:animEffect>
+                                  </p:childTnLst>
+                                </p:cTn>
+                              </p:par>
+                              <p:par>
+                                <p:cTn id="8" presetID="53" presetClass="entr" presetSubtype="16" fill="hold" nodeType="withEffect">
+                                  <p:stCondLst>
+                                    <p:cond delay="0"/>
+                                  </p:stCondLst>
+                                  <p:childTnLst>
+                                    <p:set>
+                                      <p:cBhvr>
+                                        <p:cTn id="9" dur="1" fill="hold">
+                                          <p:stCondLst>
+                                            <p:cond delay="0"/>
+                                          </p:stCondLst>
+                                        </p:cTn>
+                                        <p:tgtEl>
+                                          <p:spTgt spid="1026"/>
                                         </p:tgtEl>
                                         <p:attrNameLst>
                                           <p:attrName>style.visibility</p:attrName>
@@ -16276,9 +16167,9 @@
                                     </p:set>
                                     <p:anim calcmode="lin" valueType="num">
                                       <p:cBhvr>
-                                        <p:cTn id="7" dur="1000" fill="hold"/>
+                                        <p:cTn id="10" dur="1000" fill="hold"/>
                                         <p:tgtEl>
-                                          <p:spTgt spid="9"/>
+                                          <p:spTgt spid="1026"/>
                                         </p:tgtEl>
                                         <p:attrNameLst>
                                           <p:attrName>ppt_w</p:attrName>
@@ -16299,9 +16190,9 @@
                                     </p:anim>
                                     <p:anim calcmode="lin" valueType="num">
                                       <p:cBhvr>
-                                        <p:cTn id="8" dur="1000" fill="hold"/>
+                                        <p:cTn id="11" dur="1000" fill="hold"/>
                                         <p:tgtEl>
-                                          <p:spTgt spid="9"/>
+                                          <p:spTgt spid="1026"/>
                                         </p:tgtEl>
                                         <p:attrNameLst>
                                           <p:attrName>ppt_h</p:attrName>
@@ -16322,9 +16213,9 @@
                                     </p:anim>
                                     <p:animEffect transition="in" filter="fade">
                                       <p:cBhvr>
-                                        <p:cTn id="9" dur="1000"/>
+                                        <p:cTn id="12" dur="1000"/>
                                         <p:tgtEl>
-                                          <p:spTgt spid="9"/>
+                                          <p:spTgt spid="1026"/>
                                         </p:tgtEl>
                                       </p:cBhvr>
                                     </p:animEffect>
@@ -16338,79 +16229,26 @@
                     </p:cTn>
                   </p:par>
                   <p:par>
-                    <p:cTn id="10" fill="hold">
+                    <p:cTn id="13" fill="hold">
                       <p:stCondLst>
                         <p:cond delay="indefinite"/>
                       </p:stCondLst>
                       <p:childTnLst>
                         <p:par>
-                          <p:cTn id="11" fill="hold">
+                          <p:cTn id="14" fill="hold">
                             <p:stCondLst>
                               <p:cond delay="0"/>
                             </p:stCondLst>
                             <p:childTnLst>
                               <p:par>
-                                <p:cTn id="12" presetID="10" presetClass="entr" presetSubtype="0" fill="hold" grpId="0" nodeType="clickEffect">
+                                <p:cTn id="15" presetID="10" presetClass="entr" presetSubtype="0" fill="hold" grpId="0" nodeType="clickEffect">
                                   <p:stCondLst>
                                     <p:cond delay="0"/>
                                   </p:stCondLst>
                                   <p:childTnLst>
                                     <p:set>
                                       <p:cBhvr>
-                                        <p:cTn id="13" dur="1" fill="hold">
-                                          <p:stCondLst>
-                                            <p:cond delay="0"/>
-                                          </p:stCondLst>
-                                        </p:cTn>
-                                        <p:tgtEl>
-                                          <p:spTgt spid="10"/>
-                                        </p:tgtEl>
-                                        <p:attrNameLst>
-                                          <p:attrName>style.visibility</p:attrName>
-                                        </p:attrNameLst>
-                                      </p:cBhvr>
-                                      <p:to>
-                                        <p:strVal val="visible"/>
-                                      </p:to>
-                                    </p:set>
-                                    <p:animEffect transition="in" filter="fade">
-                                      <p:cBhvr>
-                                        <p:cTn id="14" dur="2000"/>
-                                        <p:tgtEl>
-                                          <p:spTgt spid="10"/>
-                                        </p:tgtEl>
-                                      </p:cBhvr>
-                                    </p:animEffect>
-                                  </p:childTnLst>
-                                </p:cTn>
-                              </p:par>
-                            </p:childTnLst>
-                          </p:cTn>
-                        </p:par>
-                      </p:childTnLst>
-                    </p:cTn>
-                  </p:par>
-                  <p:par>
-                    <p:cTn id="15" fill="hold">
-                      <p:stCondLst>
-                        <p:cond delay="indefinite"/>
-                      </p:stCondLst>
-                      <p:childTnLst>
-                        <p:par>
-                          <p:cTn id="16" fill="hold">
-                            <p:stCondLst>
-                              <p:cond delay="0"/>
-                            </p:stCondLst>
-                            <p:childTnLst>
-                              <p:par>
-                                <p:cTn id="17" presetID="10" presetClass="entr" presetSubtype="0" fill="hold" grpId="0" nodeType="clickEffect">
-                                  <p:stCondLst>
-                                    <p:cond delay="0"/>
-                                  </p:stCondLst>
-                                  <p:childTnLst>
-                                    <p:set>
-                                      <p:cBhvr>
-                                        <p:cTn id="18" dur="1" fill="hold">
+                                        <p:cTn id="16" dur="1" fill="hold">
                                           <p:stCondLst>
                                             <p:cond delay="0"/>
                                           </p:stCondLst>
@@ -16428,9 +16266,44 @@
                                     </p:set>
                                     <p:animEffect transition="in" filter="fade">
                                       <p:cBhvr>
-                                        <p:cTn id="19" dur="2000"/>
+                                        <p:cTn id="17" dur="2000"/>
                                         <p:tgtEl>
                                           <p:spTgt spid="11"/>
+                                        </p:tgtEl>
+                                      </p:cBhvr>
+                                    </p:animEffect>
+                                  </p:childTnLst>
+                                </p:cTn>
+                              </p:par>
+                              <p:par>
+                                <p:cTn id="18" presetID="10" presetClass="entr" presetSubtype="0" fill="hold" nodeType="withEffect">
+                                  <p:stCondLst>
+                                    <p:cond delay="0"/>
+                                  </p:stCondLst>
+                                  <p:childTnLst>
+                                    <p:set>
+                                      <p:cBhvr>
+                                        <p:cTn id="19" dur="1" fill="hold">
+                                          <p:stCondLst>
+                                            <p:cond delay="0"/>
+                                          </p:stCondLst>
+                                        </p:cTn>
+                                        <p:tgtEl>
+                                          <p:spTgt spid="2"/>
+                                        </p:tgtEl>
+                                        <p:attrNameLst>
+                                          <p:attrName>style.visibility</p:attrName>
+                                        </p:attrNameLst>
+                                      </p:cBhvr>
+                                      <p:to>
+                                        <p:strVal val="visible"/>
+                                      </p:to>
+                                    </p:set>
+                                    <p:animEffect transition="in" filter="fade">
+                                      <p:cBhvr>
+                                        <p:cTn id="20" dur="500"/>
+                                        <p:tgtEl>
+                                          <p:spTgt spid="2"/>
                                         </p:tgtEl>
                                       </p:cBhvr>
                                     </p:animEffect>
@@ -16444,26 +16317,26 @@
                     </p:cTn>
                   </p:par>
                   <p:par>
-                    <p:cTn id="20" fill="hold">
+                    <p:cTn id="21" fill="hold">
                       <p:stCondLst>
                         <p:cond delay="indefinite"/>
                       </p:stCondLst>
                       <p:childTnLst>
                         <p:par>
-                          <p:cTn id="21" fill="hold">
+                          <p:cTn id="22" fill="hold">
                             <p:stCondLst>
                               <p:cond delay="0"/>
                             </p:stCondLst>
                             <p:childTnLst>
                               <p:par>
-                                <p:cTn id="22" presetID="10" presetClass="entr" presetSubtype="0" fill="hold" grpId="0" nodeType="clickEffect">
+                                <p:cTn id="23" presetID="10" presetClass="entr" presetSubtype="0" fill="hold" grpId="0" nodeType="clickEffect">
                                   <p:stCondLst>
                                     <p:cond delay="0"/>
                                   </p:stCondLst>
                                   <p:childTnLst>
                                     <p:set>
                                       <p:cBhvr>
-                                        <p:cTn id="23" dur="1" fill="hold">
+                                        <p:cTn id="24" dur="1" fill="hold">
                                           <p:stCondLst>
                                             <p:cond delay="0"/>
                                           </p:stCondLst>
@@ -16481,7 +16354,7 @@
                                     </p:set>
                                     <p:animEffect transition="in" filter="fade">
                                       <p:cBhvr>
-                                        <p:cTn id="24" dur="2000"/>
+                                        <p:cTn id="25" dur="2000"/>
                                         <p:tgtEl>
                                           <p:spTgt spid="12"/>
                                         </p:tgtEl>
@@ -16518,7 +16391,6 @@
       </p:par>
     </p:tnLst>
     <p:bldLst>
-      <p:bldP spid="9" grpId="0" animBg="1"/>
       <p:bldP spid="10" grpId="0"/>
       <p:bldP spid="11" grpId="0"/>
       <p:bldP spid="12" grpId="0"/>
@@ -18401,13 +18273,13 @@
   <p:clrMapOvr>
     <a:masterClrMapping/>
   </p:clrMapOvr>
-  <mc:AlternateContent xmlns:mc="http://schemas.openxmlformats.org/markup-compatibility/2006">
-    <mc:Choice xmlns:p14="http://schemas.microsoft.com/office/powerpoint/2010/main" Requires="p14">
+  <mc:AlternateContent xmlns:mc="http://schemas.openxmlformats.org/markup-compatibility/2006" xmlns:p14="http://schemas.microsoft.com/office/powerpoint/2010/main">
+    <mc:Choice Requires="p14">
       <p:transition spd="slow" p14:dur="1600">
         <p14:gallery dir="l"/>
       </p:transition>
     </mc:Choice>
-    <mc:Fallback>
+    <mc:Fallback xmlns="">
       <p:transition spd="slow">
         <p:fade/>
       </p:transition>

--- a/PresentazioneApp.pptx
+++ b/PresentazioneApp.pptx
@@ -16064,6 +16064,47 @@
           </a:extLst>
         </p:spPr>
       </p:pic>
+      <p:pic>
+        <p:nvPicPr>
+          <p:cNvPr id="3" name="Picture 2" descr="D:\MARCO\Università\Terzo anno\IngSoftware\Visualizza_Scontrino.jpg"/>
+          <p:cNvPicPr>
+            <a:picLocks noChangeAspect="1" noChangeArrowheads="1"/>
+          </p:cNvPicPr>
+          <p:nvPr/>
+        </p:nvPicPr>
+        <p:blipFill>
+          <a:blip r:embed="rId5">
+            <a:extLst>
+              <a:ext uri="{28A0092B-C50C-407E-A947-70E740481C1C}">
+                <a14:useLocalDpi xmlns:a14="http://schemas.microsoft.com/office/drawing/2010/main" val="0"/>
+              </a:ext>
+            </a:extLst>
+          </a:blip>
+          <a:srcRect/>
+          <a:stretch>
+            <a:fillRect/>
+          </a:stretch>
+        </p:blipFill>
+        <p:spPr bwMode="auto">
+          <a:xfrm>
+            <a:off x="8247549" y="802508"/>
+            <a:ext cx="2909793" cy="5172965"/>
+          </a:xfrm>
+          <a:prstGeom prst="rect">
+            <a:avLst/>
+          </a:prstGeom>
+          <a:noFill/>
+          <a:extLst>
+            <a:ext uri="{909E8E84-426E-40DD-AFC4-6F175D3DCCD1}">
+              <a14:hiddenFill xmlns:a14="http://schemas.microsoft.com/office/drawing/2010/main">
+                <a:solidFill>
+                  <a:srgbClr val="FFFFFF"/>
+                </a:solidFill>
+              </a14:hiddenFill>
+            </a:ext>
+          </a:extLst>
+        </p:spPr>
+      </p:pic>
     </p:spTree>
     <p:extLst>
       <p:ext uri="{BB962C8B-B14F-4D97-AF65-F5344CB8AC3E}">
@@ -16357,6 +16398,41 @@
                                         <p:cTn id="25" dur="2000"/>
                                         <p:tgtEl>
                                           <p:spTgt spid="12"/>
+                                        </p:tgtEl>
+                                      </p:cBhvr>
+                                    </p:animEffect>
+                                  </p:childTnLst>
+                                </p:cTn>
+                              </p:par>
+                              <p:par>
+                                <p:cTn id="26" presetID="10" presetClass="entr" presetSubtype="0" fill="hold" nodeType="withEffect">
+                                  <p:stCondLst>
+                                    <p:cond delay="0"/>
+                                  </p:stCondLst>
+                                  <p:childTnLst>
+                                    <p:set>
+                                      <p:cBhvr>
+                                        <p:cTn id="27" dur="1" fill="hold">
+                                          <p:stCondLst>
+                                            <p:cond delay="0"/>
+                                          </p:stCondLst>
+                                        </p:cTn>
+                                        <p:tgtEl>
+                                          <p:spTgt spid="3"/>
+                                        </p:tgtEl>
+                                        <p:attrNameLst>
+                                          <p:attrName>style.visibility</p:attrName>
+                                        </p:attrNameLst>
+                                      </p:cBhvr>
+                                      <p:to>
+                                        <p:strVal val="visible"/>
+                                      </p:to>
+                                    </p:set>
+                                    <p:animEffect transition="in" filter="fade">
+                                      <p:cBhvr>
+                                        <p:cTn id="28" dur="500"/>
+                                        <p:tgtEl>
+                                          <p:spTgt spid="3"/>
                                         </p:tgtEl>
                                       </p:cBhvr>
                                     </p:animEffect>
@@ -18960,7 +19036,7 @@
   <a:extraClrSchemeLst/>
   <a:extLst>
     <a:ext uri="{05A4C25C-085E-4340-85A3-A5531E510DB2}">
-      <thm15:themeFamily xmlns="" xmlns:thm15="http://schemas.microsoft.com/office/thememl/2012/main" name="Circuit" id="{0AC2F7E7-15F5-431C-B2A2-456FE929F56C}" vid="{0911B802-464C-4241-8DD9-B60FF88E379F}"/>
+      <thm15:themeFamily xmlns:thm15="http://schemas.microsoft.com/office/thememl/2012/main" xmlns="" name="Circuit" id="{0AC2F7E7-15F5-431C-B2A2-456FE929F56C}" vid="{0911B802-464C-4241-8DD9-B60FF88E379F}"/>
     </a:ext>
   </a:extLst>
 </a:theme>

--- a/PresentazioneApp.pptx
+++ b/PresentazioneApp.pptx
@@ -14245,11 +14245,15 @@
             </a:r>
             <a:r>
               <a:rPr lang="en-US" sz="3600" dirty="0" err="1" smtClean="0"/>
-              <a:t>voloce</a:t>
+              <a:t>veloce</a:t>
             </a:r>
             <a:r>
               <a:rPr lang="en-US" sz="3600" dirty="0" smtClean="0"/>
-              <a:t> da </a:t>
+              <a:t> </a:t>
+            </a:r>
+            <a:r>
+              <a:rPr lang="en-US" sz="3600" dirty="0" smtClean="0"/>
+              <a:t>da </a:t>
             </a:r>
             <a:r>
               <a:rPr lang="en-US" sz="3600" dirty="0" err="1" smtClean="0"/>
@@ -19036,7 +19040,7 @@
   <a:extraClrSchemeLst/>
   <a:extLst>
     <a:ext uri="{05A4C25C-085E-4340-85A3-A5531E510DB2}">
-      <thm15:themeFamily xmlns:thm15="http://schemas.microsoft.com/office/thememl/2012/main" xmlns="" name="Circuit" id="{0AC2F7E7-15F5-431C-B2A2-456FE929F56C}" vid="{0911B802-464C-4241-8DD9-B60FF88E379F}"/>
+      <thm15:themeFamily xmlns="" xmlns:thm15="http://schemas.microsoft.com/office/thememl/2012/main" name="Circuit" id="{0AC2F7E7-15F5-431C-B2A2-456FE929F56C}" vid="{0911B802-464C-4241-8DD9-B60FF88E379F}"/>
     </a:ext>
   </a:extLst>
 </a:theme>
